--- a/course_material/TCCS-Frontend.pptx
+++ b/course_material/TCCS-Frontend.pptx
@@ -246,7 +246,7 @@
           </a:lstStyle>
           <a:p>
             <a:fld id="{C7DBBFD3-6343-324F-8648-82EA0B3F1D65}" type="datetimeFigureOut">
-              <a:t>11.04.2018</a:t>
+              <a:t>04.06.2018</a:t>
             </a:fld>
             <a:endParaRPr lang="da-DK"/>
           </a:p>
@@ -4323,6 +4323,10 @@
           <a:bodyPr/>
           <a:lstStyle/>
           <a:p>
+            <a:r>
+              <a:rPr lang="en-US" smtClean="0"/>
+              <a:t>Assignments 2 - 4</a:t>
+            </a:r>
             <a:endParaRPr lang="en-US" dirty="0"/>
           </a:p>
         </p:txBody>

--- a/course_material/TCCS-Frontend.pptx
+++ b/course_material/TCCS-Frontend.pptx
@@ -6,13 +6,24 @@
     <p:sldMasterId id="2147483648" r:id="rId6"/>
   </p:sldMasterIdLst>
   <p:notesMasterIdLst>
-    <p:notesMasterId r:id="rId11"/>
+    <p:notesMasterId r:id="rId22"/>
   </p:notesMasterIdLst>
   <p:sldIdLst>
     <p:sldId id="256" r:id="rId7"/>
     <p:sldId id="267" r:id="rId8"/>
-    <p:sldId id="268" r:id="rId9"/>
-    <p:sldId id="265" r:id="rId10"/>
+    <p:sldId id="274" r:id="rId9"/>
+    <p:sldId id="269" r:id="rId10"/>
+    <p:sldId id="270" r:id="rId11"/>
+    <p:sldId id="265" r:id="rId12"/>
+    <p:sldId id="268" r:id="rId13"/>
+    <p:sldId id="271" r:id="rId14"/>
+    <p:sldId id="272" r:id="rId15"/>
+    <p:sldId id="273" r:id="rId16"/>
+    <p:sldId id="275" r:id="rId17"/>
+    <p:sldId id="276" r:id="rId18"/>
+    <p:sldId id="277" r:id="rId19"/>
+    <p:sldId id="278" r:id="rId20"/>
+    <p:sldId id="279" r:id="rId21"/>
   </p:sldIdLst>
   <p:sldSz cx="12192000" cy="6858000"/>
   <p:notesSz cx="6797675" cy="9926638"/>
@@ -165,6 +176,294 @@
 </p:presentation>
 </file>
 
+<file path=ppt/revisionInfo.xml><?xml version="1.0" encoding="utf-8"?>
+<p1510:revInfo xmlns:a="http://schemas.openxmlformats.org/drawingml/2006/main" xmlns:r="http://schemas.openxmlformats.org/officeDocument/2006/relationships" xmlns:p1510="http://schemas.microsoft.com/office/powerpoint/2015/10/main">
+  <p1510:revLst>
+    <p1510:client id="{49E9DBAE-4FEF-41EE-8BD6-43D78200E18B}" v="11" dt="2018-06-04T21:27:08.185"/>
+  </p1510:revLst>
+</p1510:revInfo>
+</file>
+
+<file path=ppt/changesInfos/changesInfo1.xml><?xml version="1.0" encoding="utf-8"?>
+<pc:chgInfo xmlns:a="http://schemas.openxmlformats.org/drawingml/2006/main" xmlns:r="http://schemas.openxmlformats.org/officeDocument/2006/relationships" xmlns:ac="http://schemas.microsoft.com/office/drawing/2013/main/command" xmlns:pc="http://schemas.microsoft.com/office/powerpoint/2013/main/command">
+  <pc:docChgLst>
+    <pc:chgData name="Mikkel Steine" userId="S::mikkels@netcompany.com::e3a6fa7f-6b43-4e52-b274-68841d710d1d" providerId="AD" clId="Web-{49E9DBAE-4FEF-41EE-8BD6-43D78200E18B}"/>
+    <pc:docChg chg="addSld modSld sldOrd">
+      <pc:chgData name="Mikkel Steine" userId="S::mikkels@netcompany.com::e3a6fa7f-6b43-4e52-b274-68841d710d1d" providerId="AD" clId="Web-{49E9DBAE-4FEF-41EE-8BD6-43D78200E18B}" dt="2018-06-04T21:40:42.708" v="665" actId="20577"/>
+      <pc:docMkLst>
+        <pc:docMk/>
+      </pc:docMkLst>
+      <pc:sldChg chg="modSp">
+        <pc:chgData name="Mikkel Steine" userId="S::mikkels@netcompany.com::e3a6fa7f-6b43-4e52-b274-68841d710d1d" providerId="AD" clId="Web-{49E9DBAE-4FEF-41EE-8BD6-43D78200E18B}" dt="2018-06-04T21:40:42.708" v="664" actId="20577"/>
+        <pc:sldMkLst>
+          <pc:docMk/>
+          <pc:sldMk cId="3657994961" sldId="256"/>
+        </pc:sldMkLst>
+        <pc:spChg chg="mod">
+          <ac:chgData name="Mikkel Steine" userId="S::mikkels@netcompany.com::e3a6fa7f-6b43-4e52-b274-68841d710d1d" providerId="AD" clId="Web-{49E9DBAE-4FEF-41EE-8BD6-43D78200E18B}" dt="2018-06-04T21:40:42.708" v="664" actId="20577"/>
+          <ac:spMkLst>
+            <pc:docMk/>
+            <pc:sldMk cId="3657994961" sldId="256"/>
+            <ac:spMk id="2" creationId="{00000000-0000-0000-0000-000000000000}"/>
+          </ac:spMkLst>
+        </pc:spChg>
+        <pc:spChg chg="mod">
+          <ac:chgData name="Mikkel Steine" userId="S::mikkels@netcompany.com::e3a6fa7f-6b43-4e52-b274-68841d710d1d" providerId="AD" clId="Web-{49E9DBAE-4FEF-41EE-8BD6-43D78200E18B}" dt="2018-06-04T21:40:29.848" v="657" actId="20577"/>
+          <ac:spMkLst>
+            <pc:docMk/>
+            <pc:sldMk cId="3657994961" sldId="256"/>
+            <ac:spMk id="6" creationId="{00000000-0000-0000-0000-000000000000}"/>
+          </ac:spMkLst>
+        </pc:spChg>
+      </pc:sldChg>
+      <pc:sldChg chg="modSp">
+        <pc:chgData name="Mikkel Steine" userId="S::mikkels@netcompany.com::e3a6fa7f-6b43-4e52-b274-68841d710d1d" providerId="AD" clId="Web-{49E9DBAE-4FEF-41EE-8BD6-43D78200E18B}" dt="2018-06-04T21:35:49.435" v="537" actId="20577"/>
+        <pc:sldMkLst>
+          <pc:docMk/>
+          <pc:sldMk cId="779671666" sldId="267"/>
+        </pc:sldMkLst>
+        <pc:spChg chg="mod">
+          <ac:chgData name="Mikkel Steine" userId="S::mikkels@netcompany.com::e3a6fa7f-6b43-4e52-b274-68841d710d1d" providerId="AD" clId="Web-{49E9DBAE-4FEF-41EE-8BD6-43D78200E18B}" dt="2018-06-04T21:35:49.435" v="537" actId="20577"/>
+          <ac:spMkLst>
+            <pc:docMk/>
+            <pc:sldMk cId="779671666" sldId="267"/>
+            <ac:spMk id="3" creationId="{00000000-0000-0000-0000-000000000000}"/>
+          </ac:spMkLst>
+        </pc:spChg>
+        <pc:spChg chg="mod">
+          <ac:chgData name="Mikkel Steine" userId="S::mikkels@netcompany.com::e3a6fa7f-6b43-4e52-b274-68841d710d1d" providerId="AD" clId="Web-{49E9DBAE-4FEF-41EE-8BD6-43D78200E18B}" dt="2018-06-04T21:31:17.691" v="397" actId="20577"/>
+          <ac:spMkLst>
+            <pc:docMk/>
+            <pc:sldMk cId="779671666" sldId="267"/>
+            <ac:spMk id="8" creationId="{00000000-0000-0000-0000-000000000000}"/>
+          </ac:spMkLst>
+        </pc:spChg>
+      </pc:sldChg>
+      <pc:sldChg chg="addSp modSp ord">
+        <pc:chgData name="Mikkel Steine" userId="S::mikkels@netcompany.com::e3a6fa7f-6b43-4e52-b274-68841d710d1d" providerId="AD" clId="Web-{49E9DBAE-4FEF-41EE-8BD6-43D78200E18B}" dt="2018-06-04T21:23:26.398" v="311" actId="1076"/>
+        <pc:sldMkLst>
+          <pc:docMk/>
+          <pc:sldMk cId="857154214" sldId="268"/>
+        </pc:sldMkLst>
+        <pc:spChg chg="mod">
+          <ac:chgData name="Mikkel Steine" userId="S::mikkels@netcompany.com::e3a6fa7f-6b43-4e52-b274-68841d710d1d" providerId="AD" clId="Web-{49E9DBAE-4FEF-41EE-8BD6-43D78200E18B}" dt="2018-06-04T21:22:36.381" v="307" actId="20577"/>
+          <ac:spMkLst>
+            <pc:docMk/>
+            <pc:sldMk cId="857154214" sldId="268"/>
+            <ac:spMk id="4" creationId="{00000000-0000-0000-0000-000000000000}"/>
+          </ac:spMkLst>
+        </pc:spChg>
+        <pc:spChg chg="mod">
+          <ac:chgData name="Mikkel Steine" userId="S::mikkels@netcompany.com::e3a6fa7f-6b43-4e52-b274-68841d710d1d" providerId="AD" clId="Web-{49E9DBAE-4FEF-41EE-8BD6-43D78200E18B}" dt="2018-06-04T21:22:23.881" v="296" actId="20577"/>
+          <ac:spMkLst>
+            <pc:docMk/>
+            <pc:sldMk cId="857154214" sldId="268"/>
+            <ac:spMk id="5" creationId="{00000000-0000-0000-0000-000000000000}"/>
+          </ac:spMkLst>
+        </pc:spChg>
+        <pc:picChg chg="add mod ord modCrop">
+          <ac:chgData name="Mikkel Steine" userId="S::mikkels@netcompany.com::e3a6fa7f-6b43-4e52-b274-68841d710d1d" providerId="AD" clId="Web-{49E9DBAE-4FEF-41EE-8BD6-43D78200E18B}" dt="2018-06-04T21:23:26.398" v="311" actId="1076"/>
+          <ac:picMkLst>
+            <pc:docMk/>
+            <pc:sldMk cId="857154214" sldId="268"/>
+            <ac:picMk id="2" creationId="{98CD9DAE-C2E2-4026-9BBB-03C80EDAAED9}"/>
+          </ac:picMkLst>
+        </pc:picChg>
+      </pc:sldChg>
+      <pc:sldChg chg="modSp add ord replId">
+        <pc:chgData name="Mikkel Steine" userId="S::mikkels@netcompany.com::e3a6fa7f-6b43-4e52-b274-68841d710d1d" providerId="AD" clId="Web-{49E9DBAE-4FEF-41EE-8BD6-43D78200E18B}" dt="2018-06-04T21:07:41.544" v="136" actId="14100"/>
+        <pc:sldMkLst>
+          <pc:docMk/>
+          <pc:sldMk cId="391190896" sldId="269"/>
+        </pc:sldMkLst>
+        <pc:spChg chg="mod">
+          <ac:chgData name="Mikkel Steine" userId="S::mikkels@netcompany.com::e3a6fa7f-6b43-4e52-b274-68841d710d1d" providerId="AD" clId="Web-{49E9DBAE-4FEF-41EE-8BD6-43D78200E18B}" dt="2018-06-04T21:00:45.326" v="7" actId="20577"/>
+          <ac:spMkLst>
+            <pc:docMk/>
+            <pc:sldMk cId="391190896" sldId="269"/>
+            <ac:spMk id="4" creationId="{00000000-0000-0000-0000-000000000000}"/>
+          </ac:spMkLst>
+        </pc:spChg>
+        <pc:spChg chg="mod">
+          <ac:chgData name="Mikkel Steine" userId="S::mikkels@netcompany.com::e3a6fa7f-6b43-4e52-b274-68841d710d1d" providerId="AD" clId="Web-{49E9DBAE-4FEF-41EE-8BD6-43D78200E18B}" dt="2018-06-04T21:07:41.544" v="136" actId="14100"/>
+          <ac:spMkLst>
+            <pc:docMk/>
+            <pc:sldMk cId="391190896" sldId="269"/>
+            <ac:spMk id="5" creationId="{00000000-0000-0000-0000-000000000000}"/>
+          </ac:spMkLst>
+        </pc:spChg>
+      </pc:sldChg>
+      <pc:sldChg chg="modSp add replId">
+        <pc:chgData name="Mikkel Steine" userId="S::mikkels@netcompany.com::e3a6fa7f-6b43-4e52-b274-68841d710d1d" providerId="AD" clId="Web-{49E9DBAE-4FEF-41EE-8BD6-43D78200E18B}" dt="2018-06-04T21:17:13.606" v="272" actId="20577"/>
+        <pc:sldMkLst>
+          <pc:docMk/>
+          <pc:sldMk cId="476488934" sldId="270"/>
+        </pc:sldMkLst>
+        <pc:spChg chg="mod">
+          <ac:chgData name="Mikkel Steine" userId="S::mikkels@netcompany.com::e3a6fa7f-6b43-4e52-b274-68841d710d1d" providerId="AD" clId="Web-{49E9DBAE-4FEF-41EE-8BD6-43D78200E18B}" dt="2018-06-04T21:15:23.884" v="248" actId="20577"/>
+          <ac:spMkLst>
+            <pc:docMk/>
+            <pc:sldMk cId="476488934" sldId="270"/>
+            <ac:spMk id="4" creationId="{00000000-0000-0000-0000-000000000000}"/>
+          </ac:spMkLst>
+        </pc:spChg>
+        <pc:spChg chg="mod">
+          <ac:chgData name="Mikkel Steine" userId="S::mikkels@netcompany.com::e3a6fa7f-6b43-4e52-b274-68841d710d1d" providerId="AD" clId="Web-{49E9DBAE-4FEF-41EE-8BD6-43D78200E18B}" dt="2018-06-04T21:17:13.606" v="272" actId="20577"/>
+          <ac:spMkLst>
+            <pc:docMk/>
+            <pc:sldMk cId="476488934" sldId="270"/>
+            <ac:spMk id="5" creationId="{00000000-0000-0000-0000-000000000000}"/>
+          </ac:spMkLst>
+        </pc:spChg>
+      </pc:sldChg>
+      <pc:sldChg chg="modSp add ord replId">
+        <pc:chgData name="Mikkel Steine" userId="S::mikkels@netcompany.com::e3a6fa7f-6b43-4e52-b274-68841d710d1d" providerId="AD" clId="Web-{49E9DBAE-4FEF-41EE-8BD6-43D78200E18B}" dt="2018-06-04T21:24:06.024" v="318" actId="20577"/>
+        <pc:sldMkLst>
+          <pc:docMk/>
+          <pc:sldMk cId="2059061208" sldId="271"/>
+        </pc:sldMkLst>
+        <pc:spChg chg="mod">
+          <ac:chgData name="Mikkel Steine" userId="S::mikkels@netcompany.com::e3a6fa7f-6b43-4e52-b274-68841d710d1d" providerId="AD" clId="Web-{49E9DBAE-4FEF-41EE-8BD6-43D78200E18B}" dt="2018-06-04T21:24:06.024" v="318" actId="20577"/>
+          <ac:spMkLst>
+            <pc:docMk/>
+            <pc:sldMk cId="2059061208" sldId="271"/>
+            <ac:spMk id="3" creationId="{00000000-0000-0000-0000-000000000000}"/>
+          </ac:spMkLst>
+        </pc:spChg>
+      </pc:sldChg>
+      <pc:sldChg chg="modSp add ord replId">
+        <pc:chgData name="Mikkel Steine" userId="S::mikkels@netcompany.com::e3a6fa7f-6b43-4e52-b274-68841d710d1d" providerId="AD" clId="Web-{49E9DBAE-4FEF-41EE-8BD6-43D78200E18B}" dt="2018-06-04T21:30:52.503" v="389" actId="20577"/>
+        <pc:sldMkLst>
+          <pc:docMk/>
+          <pc:sldMk cId="1289836975" sldId="272"/>
+        </pc:sldMkLst>
+        <pc:spChg chg="mod">
+          <ac:chgData name="Mikkel Steine" userId="S::mikkels@netcompany.com::e3a6fa7f-6b43-4e52-b274-68841d710d1d" providerId="AD" clId="Web-{49E9DBAE-4FEF-41EE-8BD6-43D78200E18B}" dt="2018-06-04T21:27:15.513" v="337" actId="20577"/>
+          <ac:spMkLst>
+            <pc:docMk/>
+            <pc:sldMk cId="1289836975" sldId="272"/>
+            <ac:spMk id="4" creationId="{00000000-0000-0000-0000-000000000000}"/>
+          </ac:spMkLst>
+        </pc:spChg>
+        <pc:spChg chg="mod">
+          <ac:chgData name="Mikkel Steine" userId="S::mikkels@netcompany.com::e3a6fa7f-6b43-4e52-b274-68841d710d1d" providerId="AD" clId="Web-{49E9DBAE-4FEF-41EE-8BD6-43D78200E18B}" dt="2018-06-04T21:30:52.503" v="389" actId="20577"/>
+          <ac:spMkLst>
+            <pc:docMk/>
+            <pc:sldMk cId="1289836975" sldId="272"/>
+            <ac:spMk id="5" creationId="{00000000-0000-0000-0000-000000000000}"/>
+          </ac:spMkLst>
+        </pc:spChg>
+      </pc:sldChg>
+      <pc:sldChg chg="modSp add ord replId">
+        <pc:chgData name="Mikkel Steine" userId="S::mikkels@netcompany.com::e3a6fa7f-6b43-4e52-b274-68841d710d1d" providerId="AD" clId="Web-{49E9DBAE-4FEF-41EE-8BD6-43D78200E18B}" dt="2018-06-04T21:38:05.579" v="606" actId="20577"/>
+        <pc:sldMkLst>
+          <pc:docMk/>
+          <pc:sldMk cId="2363362234" sldId="273"/>
+        </pc:sldMkLst>
+        <pc:spChg chg="mod">
+          <ac:chgData name="Mikkel Steine" userId="S::mikkels@netcompany.com::e3a6fa7f-6b43-4e52-b274-68841d710d1d" providerId="AD" clId="Web-{49E9DBAE-4FEF-41EE-8BD6-43D78200E18B}" dt="2018-06-04T21:38:05.579" v="606" actId="20577"/>
+          <ac:spMkLst>
+            <pc:docMk/>
+            <pc:sldMk cId="2363362234" sldId="273"/>
+            <ac:spMk id="3" creationId="{00000000-0000-0000-0000-000000000000}"/>
+          </ac:spMkLst>
+        </pc:spChg>
+      </pc:sldChg>
+      <pc:sldChg chg="add replId">
+        <pc:chgData name="Mikkel Steine" userId="S::mikkels@netcompany.com::e3a6fa7f-6b43-4e52-b274-68841d710d1d" providerId="AD" clId="Web-{49E9DBAE-4FEF-41EE-8BD6-43D78200E18B}" dt="2018-06-04T21:31:11.285" v="395"/>
+        <pc:sldMkLst>
+          <pc:docMk/>
+          <pc:sldMk cId="224518926" sldId="274"/>
+        </pc:sldMkLst>
+      </pc:sldChg>
+      <pc:sldChg chg="modSp add replId">
+        <pc:chgData name="Mikkel Steine" userId="S::mikkels@netcompany.com::e3a6fa7f-6b43-4e52-b274-68841d710d1d" providerId="AD" clId="Web-{49E9DBAE-4FEF-41EE-8BD6-43D78200E18B}" dt="2018-06-04T21:37:51.891" v="596" actId="20577"/>
+        <pc:sldMkLst>
+          <pc:docMk/>
+          <pc:sldMk cId="2680899846" sldId="275"/>
+        </pc:sldMkLst>
+        <pc:spChg chg="mod">
+          <ac:chgData name="Mikkel Steine" userId="S::mikkels@netcompany.com::e3a6fa7f-6b43-4e52-b274-68841d710d1d" providerId="AD" clId="Web-{49E9DBAE-4FEF-41EE-8BD6-43D78200E18B}" dt="2018-06-04T21:36:37.405" v="547" actId="20577"/>
+          <ac:spMkLst>
+            <pc:docMk/>
+            <pc:sldMk cId="2680899846" sldId="275"/>
+            <ac:spMk id="4" creationId="{00000000-0000-0000-0000-000000000000}"/>
+          </ac:spMkLst>
+        </pc:spChg>
+        <pc:spChg chg="mod">
+          <ac:chgData name="Mikkel Steine" userId="S::mikkels@netcompany.com::e3a6fa7f-6b43-4e52-b274-68841d710d1d" providerId="AD" clId="Web-{49E9DBAE-4FEF-41EE-8BD6-43D78200E18B}" dt="2018-06-04T21:37:51.891" v="596" actId="20577"/>
+          <ac:spMkLst>
+            <pc:docMk/>
+            <pc:sldMk cId="2680899846" sldId="275"/>
+            <ac:spMk id="5" creationId="{00000000-0000-0000-0000-000000000000}"/>
+          </ac:spMkLst>
+        </pc:spChg>
+      </pc:sldChg>
+      <pc:sldChg chg="modSp add ord replId">
+        <pc:chgData name="Mikkel Steine" userId="S::mikkels@netcompany.com::e3a6fa7f-6b43-4e52-b274-68841d710d1d" providerId="AD" clId="Web-{49E9DBAE-4FEF-41EE-8BD6-43D78200E18B}" dt="2018-06-04T21:38:01.110" v="603" actId="20577"/>
+        <pc:sldMkLst>
+          <pc:docMk/>
+          <pc:sldMk cId="132389489" sldId="276"/>
+        </pc:sldMkLst>
+        <pc:spChg chg="mod">
+          <ac:chgData name="Mikkel Steine" userId="S::mikkels@netcompany.com::e3a6fa7f-6b43-4e52-b274-68841d710d1d" providerId="AD" clId="Web-{49E9DBAE-4FEF-41EE-8BD6-43D78200E18B}" dt="2018-06-04T21:38:01.110" v="603" actId="20577"/>
+          <ac:spMkLst>
+            <pc:docMk/>
+            <pc:sldMk cId="132389489" sldId="276"/>
+            <ac:spMk id="3" creationId="{00000000-0000-0000-0000-000000000000}"/>
+          </ac:spMkLst>
+        </pc:spChg>
+      </pc:sldChg>
+      <pc:sldChg chg="modSp add replId">
+        <pc:chgData name="Mikkel Steine" userId="S::mikkels@netcompany.com::e3a6fa7f-6b43-4e52-b274-68841d710d1d" providerId="AD" clId="Web-{49E9DBAE-4FEF-41EE-8BD6-43D78200E18B}" dt="2018-06-04T21:39:37.456" v="646" actId="20577"/>
+        <pc:sldMkLst>
+          <pc:docMk/>
+          <pc:sldMk cId="516405358" sldId="277"/>
+        </pc:sldMkLst>
+        <pc:spChg chg="mod">
+          <ac:chgData name="Mikkel Steine" userId="S::mikkels@netcompany.com::e3a6fa7f-6b43-4e52-b274-68841d710d1d" providerId="AD" clId="Web-{49E9DBAE-4FEF-41EE-8BD6-43D78200E18B}" dt="2018-06-04T21:38:31.611" v="615" actId="20577"/>
+          <ac:spMkLst>
+            <pc:docMk/>
+            <pc:sldMk cId="516405358" sldId="277"/>
+            <ac:spMk id="4" creationId="{00000000-0000-0000-0000-000000000000}"/>
+          </ac:spMkLst>
+        </pc:spChg>
+        <pc:spChg chg="mod">
+          <ac:chgData name="Mikkel Steine" userId="S::mikkels@netcompany.com::e3a6fa7f-6b43-4e52-b274-68841d710d1d" providerId="AD" clId="Web-{49E9DBAE-4FEF-41EE-8BD6-43D78200E18B}" dt="2018-06-04T21:39:37.456" v="646" actId="20577"/>
+          <ac:spMkLst>
+            <pc:docMk/>
+            <pc:sldMk cId="516405358" sldId="277"/>
+            <ac:spMk id="5" creationId="{00000000-0000-0000-0000-000000000000}"/>
+          </ac:spMkLst>
+        </pc:spChg>
+      </pc:sldChg>
+      <pc:sldChg chg="modSp add replId">
+        <pc:chgData name="Mikkel Steine" userId="S::mikkels@netcompany.com::e3a6fa7f-6b43-4e52-b274-68841d710d1d" providerId="AD" clId="Web-{49E9DBAE-4FEF-41EE-8BD6-43D78200E18B}" dt="2018-06-04T21:39:43.769" v="648" actId="20577"/>
+        <pc:sldMkLst>
+          <pc:docMk/>
+          <pc:sldMk cId="2873545856" sldId="278"/>
+        </pc:sldMkLst>
+        <pc:spChg chg="mod">
+          <ac:chgData name="Mikkel Steine" userId="S::mikkels@netcompany.com::e3a6fa7f-6b43-4e52-b274-68841d710d1d" providerId="AD" clId="Web-{49E9DBAE-4FEF-41EE-8BD6-43D78200E18B}" dt="2018-06-04T21:39:43.769" v="648" actId="20577"/>
+          <ac:spMkLst>
+            <pc:docMk/>
+            <pc:sldMk cId="2873545856" sldId="278"/>
+            <ac:spMk id="3" creationId="{00000000-0000-0000-0000-000000000000}"/>
+          </ac:spMkLst>
+        </pc:spChg>
+      </pc:sldChg>
+      <pc:sldChg chg="add replId">
+        <pc:chgData name="Mikkel Steine" userId="S::mikkels@netcompany.com::e3a6fa7f-6b43-4e52-b274-68841d710d1d" providerId="AD" clId="Web-{49E9DBAE-4FEF-41EE-8BD6-43D78200E18B}" dt="2018-06-04T21:39:53.738" v="651"/>
+        <pc:sldMkLst>
+          <pc:docMk/>
+          <pc:sldMk cId="3634765285" sldId="279"/>
+        </pc:sldMkLst>
+      </pc:sldChg>
+    </pc:docChg>
+  </pc:docChgLst>
+</pc:chgInfo>
+</file>
+
 <file path=ppt/notesMasters/notesMaster1.xml><?xml version="1.0" encoding="utf-8"?>
 <p:notesMaster xmlns:a="http://schemas.openxmlformats.org/drawingml/2006/main" xmlns:r="http://schemas.openxmlformats.org/officeDocument/2006/relationships" xmlns:p="http://schemas.openxmlformats.org/presentationml/2006/main">
   <p:cSld>
@@ -246,7 +545,7 @@
           </a:lstStyle>
           <a:p>
             <a:fld id="{C7DBBFD3-6343-324F-8648-82EA0B3F1D65}" type="datetimeFigureOut">
-              <a:t>04.06.2018</a:t>
+              <a:t>6/4/2018</a:t>
             </a:fld>
             <a:endParaRPr lang="da-DK"/>
           </a:p>
@@ -962,6 +1261,465 @@
     <p:extLst>
       <p:ext uri="{BB962C8B-B14F-4D97-AF65-F5344CB8AC3E}">
         <p14:creationId xmlns:p14="http://schemas.microsoft.com/office/powerpoint/2010/main" val="1438348277"/>
+      </p:ext>
+    </p:extLst>
+  </p:cSld>
+  <p:clrMapOvr>
+    <a:masterClrMapping/>
+  </p:clrMapOvr>
+</p:notes>
+</file>
+
+<file path=ppt/notesSlides/notesSlide2.xml><?xml version="1.0" encoding="utf-8"?>
+<p:notes xmlns:a="http://schemas.openxmlformats.org/drawingml/2006/main" xmlns:r="http://schemas.openxmlformats.org/officeDocument/2006/relationships" xmlns:p="http://schemas.openxmlformats.org/presentationml/2006/main">
+  <p:cSld>
+    <p:spTree>
+      <p:nvGrpSpPr>
+        <p:cNvPr id="1" name=""/>
+        <p:cNvGrpSpPr/>
+        <p:nvPr/>
+      </p:nvGrpSpPr>
+      <p:grpSpPr>
+        <a:xfrm>
+          <a:off x="0" y="0"/>
+          <a:ext cx="0" cy="0"/>
+          <a:chOff x="0" y="0"/>
+          <a:chExt cx="0" cy="0"/>
+        </a:xfrm>
+      </p:grpSpPr>
+      <p:sp>
+        <p:nvSpPr>
+          <p:cNvPr id="2" name="Slide Image Placeholder 1"/>
+          <p:cNvSpPr>
+            <a:spLocks noGrp="1" noRot="1" noChangeAspect="1"/>
+          </p:cNvSpPr>
+          <p:nvPr>
+            <p:ph type="sldImg"/>
+          </p:nvPr>
+        </p:nvSpPr>
+        <p:spPr/>
+      </p:sp>
+      <p:sp>
+        <p:nvSpPr>
+          <p:cNvPr id="3" name="Notes Placeholder 2"/>
+          <p:cNvSpPr>
+            <a:spLocks noGrp="1"/>
+          </p:cNvSpPr>
+          <p:nvPr>
+            <p:ph type="body" idx="1"/>
+          </p:nvPr>
+        </p:nvSpPr>
+        <p:spPr/>
+        <p:txBody>
+          <a:bodyPr/>
+          <a:lstStyle/>
+          <a:p>
+            <a:r>
+              <a:rPr lang="en-US" sz="1200" kern="1200" dirty="0">
+                <a:solidFill>
+                  <a:schemeClr val="tx1"/>
+                </a:solidFill>
+                <a:effectLst/>
+                <a:latin typeface="+mn-lt"/>
+                <a:ea typeface="+mn-ea"/>
+                <a:cs typeface="+mn-cs"/>
+              </a:rPr>
+              <a:t>For at </a:t>
+            </a:r>
+            <a:r>
+              <a:rPr lang="en-US" sz="1200" kern="1200" dirty="0" err="1">
+                <a:solidFill>
+                  <a:schemeClr val="tx1"/>
+                </a:solidFill>
+                <a:effectLst/>
+                <a:latin typeface="+mn-lt"/>
+                <a:ea typeface="+mn-ea"/>
+                <a:cs typeface="+mn-cs"/>
+              </a:rPr>
+              <a:t>rette</a:t>
+            </a:r>
+            <a:r>
+              <a:rPr lang="en-US" sz="1200" kern="1200" dirty="0">
+                <a:solidFill>
+                  <a:schemeClr val="tx1"/>
+                </a:solidFill>
+                <a:effectLst/>
+                <a:latin typeface="+mn-lt"/>
+                <a:ea typeface="+mn-ea"/>
+                <a:cs typeface="+mn-cs"/>
+              </a:rPr>
+              <a:t> KUNDENAVN</a:t>
+            </a:r>
+            <a:r>
+              <a:rPr lang="en-US" sz="1200" kern="1200" baseline="0" dirty="0">
+                <a:solidFill>
+                  <a:schemeClr val="tx1"/>
+                </a:solidFill>
+                <a:effectLst/>
+                <a:latin typeface="+mn-lt"/>
+                <a:ea typeface="+mn-ea"/>
+                <a:cs typeface="+mn-cs"/>
+              </a:rPr>
+              <a:t> – PROJEKTNAVN:</a:t>
+            </a:r>
+            <a:endParaRPr lang="en-US" sz="1200" kern="1200" dirty="0">
+              <a:solidFill>
+                <a:schemeClr val="tx1"/>
+              </a:solidFill>
+              <a:effectLst/>
+              <a:latin typeface="+mn-lt"/>
+              <a:ea typeface="+mn-ea"/>
+              <a:cs typeface="+mn-cs"/>
+            </a:endParaRPr>
+          </a:p>
+          <a:p>
+            <a:r>
+              <a:rPr lang="en-US" sz="1200" kern="1200" dirty="0">
+                <a:solidFill>
+                  <a:schemeClr val="tx1"/>
+                </a:solidFill>
+                <a:effectLst/>
+                <a:latin typeface="+mn-lt"/>
+                <a:ea typeface="+mn-ea"/>
+                <a:cs typeface="+mn-cs"/>
+              </a:rPr>
+              <a:t>1.       Click View</a:t>
+            </a:r>
+            <a:endParaRPr lang="da-DK" sz="1200" kern="1200" dirty="0">
+              <a:solidFill>
+                <a:schemeClr val="tx1"/>
+              </a:solidFill>
+              <a:effectLst/>
+              <a:latin typeface="+mn-lt"/>
+              <a:ea typeface="+mn-ea"/>
+              <a:cs typeface="+mn-cs"/>
+            </a:endParaRPr>
+          </a:p>
+          <a:p>
+            <a:r>
+              <a:rPr lang="en-US" sz="1200" kern="1200" dirty="0">
+                <a:solidFill>
+                  <a:schemeClr val="tx1"/>
+                </a:solidFill>
+                <a:effectLst/>
+                <a:latin typeface="+mn-lt"/>
+                <a:ea typeface="+mn-ea"/>
+                <a:cs typeface="+mn-cs"/>
+              </a:rPr>
+              <a:t>2.       Click Slide master</a:t>
+            </a:r>
+            <a:endParaRPr lang="da-DK" sz="1200" kern="1200" dirty="0">
+              <a:solidFill>
+                <a:schemeClr val="tx1"/>
+              </a:solidFill>
+              <a:effectLst/>
+              <a:latin typeface="+mn-lt"/>
+              <a:ea typeface="+mn-ea"/>
+              <a:cs typeface="+mn-cs"/>
+            </a:endParaRPr>
+          </a:p>
+          <a:p>
+            <a:r>
+              <a:rPr lang="en-US" sz="1200" kern="1200" dirty="0">
+                <a:solidFill>
+                  <a:schemeClr val="tx1"/>
+                </a:solidFill>
+                <a:effectLst/>
+                <a:latin typeface="+mn-lt"/>
+                <a:ea typeface="+mn-ea"/>
+                <a:cs typeface="+mn-cs"/>
+              </a:rPr>
+              <a:t>3.       Scroll </a:t>
+            </a:r>
+            <a:r>
+              <a:rPr lang="en-US" sz="1200" kern="1200" dirty="0" err="1">
+                <a:solidFill>
+                  <a:schemeClr val="tx1"/>
+                </a:solidFill>
+                <a:effectLst/>
+                <a:latin typeface="+mn-lt"/>
+                <a:ea typeface="+mn-ea"/>
+                <a:cs typeface="+mn-cs"/>
+              </a:rPr>
+              <a:t>til</a:t>
+            </a:r>
+            <a:r>
+              <a:rPr lang="en-US" sz="1200" kern="1200" baseline="0" dirty="0">
+                <a:solidFill>
+                  <a:schemeClr val="tx1"/>
+                </a:solidFill>
+                <a:effectLst/>
+                <a:latin typeface="+mn-lt"/>
+                <a:ea typeface="+mn-ea"/>
+                <a:cs typeface="+mn-cs"/>
+              </a:rPr>
+              <a:t> den </a:t>
+            </a:r>
+            <a:r>
+              <a:rPr lang="en-US" sz="1200" kern="1200" baseline="0" dirty="0" err="1">
+                <a:solidFill>
+                  <a:schemeClr val="tx1"/>
+                </a:solidFill>
+                <a:effectLst/>
+                <a:latin typeface="+mn-lt"/>
+                <a:ea typeface="+mn-ea"/>
+                <a:cs typeface="+mn-cs"/>
+              </a:rPr>
+              <a:t>første</a:t>
+            </a:r>
+            <a:r>
+              <a:rPr lang="en-US" sz="1200" kern="1200" dirty="0">
+                <a:solidFill>
+                  <a:schemeClr val="tx1"/>
+                </a:solidFill>
+                <a:effectLst/>
+                <a:latin typeface="+mn-lt"/>
+                <a:ea typeface="+mn-ea"/>
+                <a:cs typeface="+mn-cs"/>
+              </a:rPr>
+              <a:t> slide </a:t>
+            </a:r>
+            <a:r>
+              <a:rPr lang="en-US" sz="1200" kern="1200" dirty="0" err="1">
+                <a:solidFill>
+                  <a:schemeClr val="tx1"/>
+                </a:solidFill>
+                <a:effectLst/>
+                <a:latin typeface="+mn-lt"/>
+                <a:ea typeface="+mn-ea"/>
+                <a:cs typeface="+mn-cs"/>
+              </a:rPr>
+              <a:t>i</a:t>
+            </a:r>
+            <a:r>
+              <a:rPr lang="en-US" sz="1200" kern="1200" baseline="0" dirty="0">
+                <a:solidFill>
+                  <a:schemeClr val="tx1"/>
+                </a:solidFill>
+                <a:effectLst/>
+                <a:latin typeface="+mn-lt"/>
+                <a:ea typeface="+mn-ea"/>
+                <a:cs typeface="+mn-cs"/>
+              </a:rPr>
+              <a:t> </a:t>
+            </a:r>
+            <a:r>
+              <a:rPr lang="en-US" sz="1200" kern="1200" baseline="0" dirty="0" err="1">
+                <a:solidFill>
+                  <a:schemeClr val="tx1"/>
+                </a:solidFill>
+                <a:effectLst/>
+                <a:latin typeface="+mn-lt"/>
+                <a:ea typeface="+mn-ea"/>
+                <a:cs typeface="+mn-cs"/>
+              </a:rPr>
+              <a:t>venstre</a:t>
+            </a:r>
+            <a:r>
+              <a:rPr lang="en-US" sz="1200" kern="1200" baseline="0" dirty="0">
+                <a:solidFill>
+                  <a:schemeClr val="tx1"/>
+                </a:solidFill>
+                <a:effectLst/>
+                <a:latin typeface="+mn-lt"/>
+                <a:ea typeface="+mn-ea"/>
+                <a:cs typeface="+mn-cs"/>
+              </a:rPr>
+              <a:t> </a:t>
+            </a:r>
+            <a:r>
+              <a:rPr lang="en-US" sz="1200" kern="1200" baseline="0" dirty="0" err="1">
+                <a:solidFill>
+                  <a:schemeClr val="tx1"/>
+                </a:solidFill>
+                <a:effectLst/>
+                <a:latin typeface="+mn-lt"/>
+                <a:ea typeface="+mn-ea"/>
+                <a:cs typeface="+mn-cs"/>
+              </a:rPr>
+              <a:t>menuen</a:t>
+            </a:r>
+            <a:endParaRPr lang="da-DK" sz="1200" kern="1200" dirty="0">
+              <a:solidFill>
+                <a:schemeClr val="tx1"/>
+              </a:solidFill>
+              <a:effectLst/>
+              <a:latin typeface="+mn-lt"/>
+              <a:ea typeface="+mn-ea"/>
+              <a:cs typeface="+mn-cs"/>
+            </a:endParaRPr>
+          </a:p>
+          <a:p>
+            <a:r>
+              <a:rPr lang="en-US" sz="1200" kern="1200" dirty="0">
+                <a:solidFill>
+                  <a:schemeClr val="tx1"/>
+                </a:solidFill>
+                <a:effectLst/>
+                <a:latin typeface="+mn-lt"/>
+                <a:ea typeface="+mn-ea"/>
+                <a:cs typeface="+mn-cs"/>
+              </a:rPr>
+              <a:t>4.       Ret KUNDENAVN</a:t>
+            </a:r>
+            <a:r>
+              <a:rPr lang="en-US" sz="1200" kern="1200" baseline="0" dirty="0">
+                <a:solidFill>
+                  <a:schemeClr val="tx1"/>
+                </a:solidFill>
+                <a:effectLst/>
+                <a:latin typeface="+mn-lt"/>
+                <a:ea typeface="+mn-ea"/>
+                <a:cs typeface="+mn-cs"/>
+              </a:rPr>
+              <a:t> – PROJEKTNAVN </a:t>
+            </a:r>
+            <a:r>
+              <a:rPr lang="en-US" sz="1200" kern="1200" baseline="0" dirty="0" err="1">
+                <a:solidFill>
+                  <a:schemeClr val="tx1"/>
+                </a:solidFill>
+                <a:effectLst/>
+                <a:latin typeface="+mn-lt"/>
+                <a:ea typeface="+mn-ea"/>
+                <a:cs typeface="+mn-cs"/>
+              </a:rPr>
+              <a:t>i</a:t>
+            </a:r>
+            <a:r>
+              <a:rPr lang="en-US" sz="1200" kern="1200" baseline="0" dirty="0">
+                <a:solidFill>
+                  <a:schemeClr val="tx1"/>
+                </a:solidFill>
+                <a:effectLst/>
+                <a:latin typeface="+mn-lt"/>
+                <a:ea typeface="+mn-ea"/>
+                <a:cs typeface="+mn-cs"/>
+              </a:rPr>
+              <a:t> slide </a:t>
+            </a:r>
+            <a:r>
+              <a:rPr lang="en-US" sz="1200" kern="1200" baseline="0" dirty="0" err="1">
+                <a:solidFill>
+                  <a:schemeClr val="tx1"/>
+                </a:solidFill>
+                <a:effectLst/>
+                <a:latin typeface="+mn-lt"/>
+                <a:ea typeface="+mn-ea"/>
+                <a:cs typeface="+mn-cs"/>
+              </a:rPr>
+              <a:t>mastere</a:t>
+            </a:r>
+            <a:r>
+              <a:rPr lang="en-US" sz="1200" kern="1200" baseline="0" dirty="0">
+                <a:solidFill>
+                  <a:schemeClr val="tx1"/>
+                </a:solidFill>
+                <a:effectLst/>
+                <a:latin typeface="+mn-lt"/>
+                <a:ea typeface="+mn-ea"/>
+                <a:cs typeface="+mn-cs"/>
+              </a:rPr>
+              <a:t> </a:t>
+            </a:r>
+            <a:r>
+              <a:rPr lang="en-US" sz="1200" kern="1200" baseline="0" dirty="0" err="1">
+                <a:solidFill>
+                  <a:schemeClr val="tx1"/>
+                </a:solidFill>
+                <a:effectLst/>
+                <a:latin typeface="+mn-lt"/>
+                <a:ea typeface="+mn-ea"/>
+                <a:cs typeface="+mn-cs"/>
+              </a:rPr>
+              <a:t>til</a:t>
+            </a:r>
+            <a:r>
+              <a:rPr lang="en-US" sz="1200" kern="1200" baseline="0" dirty="0">
+                <a:solidFill>
+                  <a:schemeClr val="tx1"/>
+                </a:solidFill>
+                <a:effectLst/>
+                <a:latin typeface="+mn-lt"/>
+                <a:ea typeface="+mn-ea"/>
+                <a:cs typeface="+mn-cs"/>
+              </a:rPr>
+              <a:t> </a:t>
+            </a:r>
+            <a:r>
+              <a:rPr lang="en-US" sz="1200" kern="1200" baseline="0" dirty="0" err="1">
+                <a:solidFill>
+                  <a:schemeClr val="tx1"/>
+                </a:solidFill>
+                <a:effectLst/>
+                <a:latin typeface="+mn-lt"/>
+                <a:ea typeface="+mn-ea"/>
+                <a:cs typeface="+mn-cs"/>
+              </a:rPr>
+              <a:t>højre</a:t>
+            </a:r>
+            <a:endParaRPr lang="da-DK" sz="1200" kern="1200" dirty="0">
+              <a:solidFill>
+                <a:schemeClr val="tx1"/>
+              </a:solidFill>
+              <a:effectLst/>
+              <a:latin typeface="+mn-lt"/>
+              <a:ea typeface="+mn-ea"/>
+              <a:cs typeface="+mn-cs"/>
+            </a:endParaRPr>
+          </a:p>
+          <a:p>
+            <a:r>
+              <a:rPr lang="en-US" sz="1200" kern="1200" dirty="0">
+                <a:solidFill>
+                  <a:schemeClr val="tx1"/>
+                </a:solidFill>
+                <a:effectLst/>
+                <a:latin typeface="+mn-lt"/>
+                <a:ea typeface="+mn-ea"/>
+                <a:cs typeface="+mn-cs"/>
+              </a:rPr>
+              <a:t>5.       Click Close Master View</a:t>
+            </a:r>
+            <a:endParaRPr lang="da-DK" sz="1200" kern="1200" dirty="0">
+              <a:solidFill>
+                <a:schemeClr val="tx1"/>
+              </a:solidFill>
+              <a:effectLst/>
+              <a:latin typeface="+mn-lt"/>
+              <a:ea typeface="+mn-ea"/>
+              <a:cs typeface="+mn-cs"/>
+            </a:endParaRPr>
+          </a:p>
+        </p:txBody>
+      </p:sp>
+      <p:sp>
+        <p:nvSpPr>
+          <p:cNvPr id="4" name="Slide Number Placeholder 3"/>
+          <p:cNvSpPr>
+            <a:spLocks noGrp="1"/>
+          </p:cNvSpPr>
+          <p:nvPr>
+            <p:ph type="sldNum" sz="quarter" idx="10"/>
+          </p:nvPr>
+        </p:nvSpPr>
+        <p:spPr/>
+        <p:txBody>
+          <a:bodyPr/>
+          <a:lstStyle/>
+          <a:p>
+            <a:fld id="{EFAC016E-5E5F-3248-8F94-DBEB972C2B51}" type="slidenum">
+              <a:rPr lang="da-DK" smtClean="0"/>
+              <a:t>3</a:t>
+            </a:fld>
+            <a:endParaRPr lang="da-DK"/>
+          </a:p>
+        </p:txBody>
+      </p:sp>
+    </p:spTree>
+    <p:extLst>
+      <p:ext uri="{BB962C8B-B14F-4D97-AF65-F5344CB8AC3E}">
+        <p14:creationId xmlns:p14="http://schemas.microsoft.com/office/powerpoint/2010/main" val="1748757401"/>
       </p:ext>
     </p:extLst>
   </p:cSld>
@@ -3806,10 +4564,9 @@
           <a:lstStyle/>
           <a:p>
             <a:r>
-              <a:rPr lang="en-US" dirty="0" smtClean="0"/>
+              <a:rPr lang="en-US" dirty="0"/>
               <a:t>Frontend Development</a:t>
             </a:r>
-            <a:endParaRPr lang="en-US" dirty="0"/>
           </a:p>
         </p:txBody>
       </p:sp>
@@ -3825,7 +4582,9 @@
         </p:nvSpPr>
         <p:spPr/>
         <p:txBody>
-          <a:bodyPr/>
+          <a:bodyPr lIns="0" tIns="0" rIns="0" bIns="0" anchor="t">
+            <a:noAutofit/>
+          </a:bodyPr>
           <a:lstStyle/>
           <a:p>
             <a:r>
@@ -3882,13 +4641,45 @@
               </a:spcAft>
             </a:pPr>
             <a:r>
-              <a:rPr lang="en-US" dirty="0" smtClean="0">
+              <a:rPr lang="en-US" dirty="0">
                 <a:solidFill>
                   <a:schemeClr val="accent1"/>
                 </a:solidFill>
               </a:rPr>
-              <a:t>Draft</a:t>
-            </a:r>
+              <a:t>Nearly there</a:t>
+            </a:r>
+          </a:p>
+          <a:p>
+            <a:r>
+              <a:rPr lang="en-US" b="1" cap="all" dirty="0">
+                <a:solidFill>
+                  <a:schemeClr val="accent1"/>
+                </a:solidFill>
+              </a:rPr>
+              <a:t>Author	</a:t>
+            </a:r>
+          </a:p>
+          <a:p>
+            <a:r>
+              <a:rPr lang="en-US" dirty="0">
+                <a:solidFill>
+                  <a:schemeClr val="accent1"/>
+                </a:solidFill>
+              </a:rPr>
+              <a:t>Mikkel Steine</a:t>
+            </a:r>
+          </a:p>
+          <a:p>
+            <a:r>
+              <a:rPr lang="en-US" dirty="0">
+                <a:solidFill>
+                  <a:schemeClr val="accent1"/>
+                </a:solidFill>
+              </a:rPr>
+              <a:t>mikkels@netcompany.com</a:t>
+            </a:r>
+          </a:p>
+          <a:p>
             <a:endParaRPr lang="en-US" dirty="0">
               <a:solidFill>
                 <a:schemeClr val="accent1"/>
@@ -3897,32 +4688,20 @@
           </a:p>
           <a:p>
             <a:r>
-              <a:rPr lang="en-US" b="1" cap="all" dirty="0">
+              <a:rPr lang="en-US" dirty="0">
                 <a:solidFill>
                   <a:schemeClr val="accent1"/>
                 </a:solidFill>
               </a:rPr>
-              <a:t>Author	</a:t>
-            </a:r>
-          </a:p>
-          <a:p>
-            <a:r>
-              <a:rPr lang="en-US" dirty="0" smtClean="0">
+              <a:t>Fredrick </a:t>
+            </a:r>
+            <a:r>
+              <a:rPr lang="en-US" dirty="0" err="1">
                 <a:solidFill>
                   <a:schemeClr val="accent1"/>
                 </a:solidFill>
               </a:rPr>
-              <a:t>Mikkel Steine</a:t>
-            </a:r>
-          </a:p>
-          <a:p>
-            <a:r>
-              <a:rPr lang="en-US" dirty="0" err="1">
-                <a:solidFill>
-                  <a:schemeClr val="accent1"/>
-                </a:solidFill>
-              </a:rPr>
-              <a:t>mikkels@netcompany.com</a:t>
+              <a:t>Biering</a:t>
             </a:r>
             <a:endParaRPr lang="en-US" dirty="0">
               <a:solidFill>
@@ -3931,49 +4710,14 @@
             </a:endParaRPr>
           </a:p>
           <a:p>
-            <a:endParaRPr lang="en-US" dirty="0" smtClean="0">
-              <a:solidFill>
-                <a:schemeClr val="accent1"/>
-              </a:solidFill>
-            </a:endParaRPr>
-          </a:p>
-          <a:p>
-            <a:r>
-              <a:rPr lang="en-US" dirty="0" smtClean="0">
-                <a:solidFill>
-                  <a:schemeClr val="accent1"/>
-                </a:solidFill>
-              </a:rPr>
-              <a:t>Fredrick </a:t>
-            </a:r>
-            <a:r>
-              <a:rPr lang="en-US" dirty="0" err="1" smtClean="0">
-                <a:solidFill>
-                  <a:schemeClr val="accent1"/>
-                </a:solidFill>
-              </a:rPr>
-              <a:t>Biering</a:t>
-            </a:r>
-            <a:endParaRPr lang="en-US" dirty="0">
-              <a:solidFill>
-                <a:schemeClr val="accent1"/>
-              </a:solidFill>
-            </a:endParaRPr>
-          </a:p>
-          <a:p>
-            <a:r>
-              <a:rPr lang="en-US" dirty="0" err="1" smtClean="0">
+            <a:r>
+              <a:rPr lang="en-US" dirty="0">
                 <a:solidFill>
                   <a:schemeClr val="accent1"/>
                 </a:solidFill>
               </a:rPr>
               <a:t>fredrick@netcompany.com</a:t>
             </a:r>
-            <a:endParaRPr lang="en-US" dirty="0">
-              <a:solidFill>
-                <a:schemeClr val="accent1"/>
-              </a:solidFill>
-            </a:endParaRPr>
           </a:p>
         </p:txBody>
       </p:sp>
@@ -3993,10 +4737,9 @@
           <a:lstStyle/>
           <a:p>
             <a:r>
-              <a:rPr lang="en-US" dirty="0" smtClean="0"/>
+              <a:rPr lang="en-US" dirty="0"/>
               <a:t>Netcompany TCCS</a:t>
             </a:r>
-            <a:endParaRPr lang="en-US" dirty="0"/>
           </a:p>
         </p:txBody>
       </p:sp>
@@ -4017,15 +4760,7 @@
           <a:p>
             <a:r>
               <a:rPr lang="da-DK" dirty="0"/>
-              <a:t>© Copyright </a:t>
-            </a:r>
-            <a:r>
-              <a:rPr lang="da-DK" dirty="0" smtClean="0"/>
-              <a:t>2018 </a:t>
-            </a:r>
-            <a:r>
-              <a:rPr lang="da-DK" dirty="0"/>
-              <a:t>Netcompany. </a:t>
+              <a:t>© Copyright 2018 Netcompany. </a:t>
             </a:r>
           </a:p>
           <a:p>
@@ -4049,14 +4784,15 @@
         </p:nvSpPr>
         <p:spPr/>
         <p:txBody>
-          <a:bodyPr/>
+          <a:bodyPr lIns="0" tIns="0" rIns="0" bIns="0" anchor="t">
+            <a:normAutofit/>
+          </a:bodyPr>
           <a:lstStyle/>
           <a:p>
             <a:r>
-              <a:rPr lang="en-US" dirty="0" smtClean="0"/>
-              <a:t>Oslo, 10.09.2018</a:t>
-            </a:r>
-            <a:endParaRPr lang="en-US" dirty="0"/>
+              <a:rPr lang="en-US" dirty="0"/>
+              <a:t>Oslo, 04.06.2018</a:t>
+            </a:r>
           </a:p>
         </p:txBody>
       </p:sp>
@@ -4064,6 +4800,477 @@
     <p:extLst>
       <p:ext uri="{BB962C8B-B14F-4D97-AF65-F5344CB8AC3E}">
         <p14:creationId xmlns:p14="http://schemas.microsoft.com/office/powerpoint/2010/main" val="3657994961"/>
+      </p:ext>
+    </p:extLst>
+  </p:cSld>
+  <p:clrMapOvr>
+    <a:masterClrMapping/>
+  </p:clrMapOvr>
+</p:sld>
+</file>
+
+<file path=ppt/slides/slide10.xml><?xml version="1.0" encoding="utf-8"?>
+<p:sld xmlns:a="http://schemas.openxmlformats.org/drawingml/2006/main" xmlns:r="http://schemas.openxmlformats.org/officeDocument/2006/relationships" xmlns:p="http://schemas.openxmlformats.org/presentationml/2006/main">
+  <p:cSld>
+    <p:spTree>
+      <p:nvGrpSpPr>
+        <p:cNvPr id="1" name=""/>
+        <p:cNvGrpSpPr/>
+        <p:nvPr/>
+      </p:nvGrpSpPr>
+      <p:grpSpPr>
+        <a:xfrm>
+          <a:off x="0" y="0"/>
+          <a:ext cx="0" cy="0"/>
+          <a:chOff x="0" y="0"/>
+          <a:chExt cx="0" cy="0"/>
+        </a:xfrm>
+      </p:grpSpPr>
+      <p:sp>
+        <p:nvSpPr>
+          <p:cNvPr id="3" name="Title 2"/>
+          <p:cNvSpPr>
+            <a:spLocks noGrp="1"/>
+          </p:cNvSpPr>
+          <p:nvPr>
+            <p:ph type="ctrTitle"/>
+          </p:nvPr>
+        </p:nvSpPr>
+        <p:spPr/>
+        <p:txBody>
+          <a:bodyPr/>
+          <a:lstStyle/>
+          <a:p>
+            <a:r>
+              <a:rPr lang="en-US" dirty="0"/>
+              <a:t>Assignments 6 - 7</a:t>
+            </a:r>
+          </a:p>
+        </p:txBody>
+      </p:sp>
+    </p:spTree>
+    <p:extLst>
+      <p:ext uri="{BB962C8B-B14F-4D97-AF65-F5344CB8AC3E}">
+        <p14:creationId xmlns:p14="http://schemas.microsoft.com/office/powerpoint/2010/main" val="2363362234"/>
+      </p:ext>
+    </p:extLst>
+  </p:cSld>
+  <p:clrMapOvr>
+    <a:masterClrMapping/>
+  </p:clrMapOvr>
+</p:sld>
+</file>
+
+<file path=ppt/slides/slide11.xml><?xml version="1.0" encoding="utf-8"?>
+<p:sld xmlns:a="http://schemas.openxmlformats.org/drawingml/2006/main" xmlns:r="http://schemas.openxmlformats.org/officeDocument/2006/relationships" xmlns:p="http://schemas.openxmlformats.org/presentationml/2006/main">
+  <p:cSld>
+    <p:spTree>
+      <p:nvGrpSpPr>
+        <p:cNvPr id="1" name=""/>
+        <p:cNvGrpSpPr/>
+        <p:nvPr/>
+      </p:nvGrpSpPr>
+      <p:grpSpPr>
+        <a:xfrm>
+          <a:off x="0" y="0"/>
+          <a:ext cx="0" cy="0"/>
+          <a:chOff x="0" y="0"/>
+          <a:chExt cx="0" cy="0"/>
+        </a:xfrm>
+      </p:grpSpPr>
+      <p:sp>
+        <p:nvSpPr>
+          <p:cNvPr id="4" name="Title 3"/>
+          <p:cNvSpPr>
+            <a:spLocks noGrp="1"/>
+          </p:cNvSpPr>
+          <p:nvPr>
+            <p:ph type="title"/>
+          </p:nvPr>
+        </p:nvSpPr>
+        <p:spPr/>
+        <p:txBody>
+          <a:bodyPr/>
+          <a:lstStyle/>
+          <a:p>
+            <a:r>
+              <a:rPr lang="en-US" dirty="0"/>
+              <a:t>Concept: </a:t>
+            </a:r>
+            <a:r>
+              <a:rPr lang="en-US"/>
+              <a:t>TDD</a:t>
+            </a:r>
+            <a:endParaRPr lang="en-US" dirty="0"/>
+          </a:p>
+        </p:txBody>
+      </p:sp>
+      <p:sp>
+        <p:nvSpPr>
+          <p:cNvPr id="5" name="Content Placeholder 4"/>
+          <p:cNvSpPr>
+            <a:spLocks noGrp="1"/>
+          </p:cNvSpPr>
+          <p:nvPr>
+            <p:ph sz="quarter" idx="14"/>
+          </p:nvPr>
+        </p:nvSpPr>
+        <p:spPr>
+          <a:xfrm>
+            <a:off x="1321914" y="1484313"/>
+            <a:ext cx="10625581" cy="4679950"/>
+          </a:xfrm>
+        </p:spPr>
+        <p:txBody>
+          <a:bodyPr anchor="t"/>
+          <a:lstStyle/>
+          <a:p>
+            <a:r>
+              <a:rPr lang="en-US" dirty="0"/>
+              <a:t>Test Driven Development</a:t>
+            </a:r>
+          </a:p>
+          <a:p>
+            <a:r>
+              <a:rPr lang="en-US" dirty="0"/>
+              <a:t>Why?</a:t>
+            </a:r>
+          </a:p>
+          <a:p>
+            <a:r>
+              <a:rPr lang="en-US" dirty="0"/>
+              <a:t>What to test in GUI</a:t>
+            </a:r>
+          </a:p>
+          <a:p>
+            <a:endParaRPr lang="en-US" dirty="0"/>
+          </a:p>
+        </p:txBody>
+      </p:sp>
+    </p:spTree>
+    <p:extLst>
+      <p:ext uri="{BB962C8B-B14F-4D97-AF65-F5344CB8AC3E}">
+        <p14:creationId xmlns:p14="http://schemas.microsoft.com/office/powerpoint/2010/main" val="2680899846"/>
+      </p:ext>
+    </p:extLst>
+  </p:cSld>
+  <p:clrMapOvr>
+    <a:masterClrMapping/>
+  </p:clrMapOvr>
+</p:sld>
+</file>
+
+<file path=ppt/slides/slide12.xml><?xml version="1.0" encoding="utf-8"?>
+<p:sld xmlns:a="http://schemas.openxmlformats.org/drawingml/2006/main" xmlns:r="http://schemas.openxmlformats.org/officeDocument/2006/relationships" xmlns:p="http://schemas.openxmlformats.org/presentationml/2006/main">
+  <p:cSld>
+    <p:spTree>
+      <p:nvGrpSpPr>
+        <p:cNvPr id="1" name=""/>
+        <p:cNvGrpSpPr/>
+        <p:nvPr/>
+      </p:nvGrpSpPr>
+      <p:grpSpPr>
+        <a:xfrm>
+          <a:off x="0" y="0"/>
+          <a:ext cx="0" cy="0"/>
+          <a:chOff x="0" y="0"/>
+          <a:chExt cx="0" cy="0"/>
+        </a:xfrm>
+      </p:grpSpPr>
+      <p:sp>
+        <p:nvSpPr>
+          <p:cNvPr id="3" name="Title 2"/>
+          <p:cNvSpPr>
+            <a:spLocks noGrp="1"/>
+          </p:cNvSpPr>
+          <p:nvPr>
+            <p:ph type="ctrTitle"/>
+          </p:nvPr>
+        </p:nvSpPr>
+        <p:spPr/>
+        <p:txBody>
+          <a:bodyPr/>
+          <a:lstStyle/>
+          <a:p>
+            <a:r>
+              <a:rPr lang="en-US" dirty="0"/>
+              <a:t>Assignment 8</a:t>
+            </a:r>
+          </a:p>
+        </p:txBody>
+      </p:sp>
+    </p:spTree>
+    <p:extLst>
+      <p:ext uri="{BB962C8B-B14F-4D97-AF65-F5344CB8AC3E}">
+        <p14:creationId xmlns:p14="http://schemas.microsoft.com/office/powerpoint/2010/main" val="132389489"/>
+      </p:ext>
+    </p:extLst>
+  </p:cSld>
+  <p:clrMapOvr>
+    <a:masterClrMapping/>
+  </p:clrMapOvr>
+</p:sld>
+</file>
+
+<file path=ppt/slides/slide13.xml><?xml version="1.0" encoding="utf-8"?>
+<p:sld xmlns:a="http://schemas.openxmlformats.org/drawingml/2006/main" xmlns:r="http://schemas.openxmlformats.org/officeDocument/2006/relationships" xmlns:p="http://schemas.openxmlformats.org/presentationml/2006/main">
+  <p:cSld>
+    <p:spTree>
+      <p:nvGrpSpPr>
+        <p:cNvPr id="1" name=""/>
+        <p:cNvGrpSpPr/>
+        <p:nvPr/>
+      </p:nvGrpSpPr>
+      <p:grpSpPr>
+        <a:xfrm>
+          <a:off x="0" y="0"/>
+          <a:ext cx="0" cy="0"/>
+          <a:chOff x="0" y="0"/>
+          <a:chExt cx="0" cy="0"/>
+        </a:xfrm>
+      </p:grpSpPr>
+      <p:sp>
+        <p:nvSpPr>
+          <p:cNvPr id="4" name="Title 3"/>
+          <p:cNvSpPr>
+            <a:spLocks noGrp="1"/>
+          </p:cNvSpPr>
+          <p:nvPr>
+            <p:ph type="title"/>
+          </p:nvPr>
+        </p:nvSpPr>
+        <p:spPr/>
+        <p:txBody>
+          <a:bodyPr/>
+          <a:lstStyle/>
+          <a:p>
+            <a:r>
+              <a:rPr lang="en-US"/>
+              <a:t>Concept: Talk to server</a:t>
+            </a:r>
+          </a:p>
+        </p:txBody>
+      </p:sp>
+      <p:sp>
+        <p:nvSpPr>
+          <p:cNvPr id="5" name="Content Placeholder 4"/>
+          <p:cNvSpPr>
+            <a:spLocks noGrp="1"/>
+          </p:cNvSpPr>
+          <p:nvPr>
+            <p:ph sz="quarter" idx="14"/>
+          </p:nvPr>
+        </p:nvSpPr>
+        <p:spPr>
+          <a:xfrm>
+            <a:off x="1321914" y="1484313"/>
+            <a:ext cx="10625581" cy="4679950"/>
+          </a:xfrm>
+        </p:spPr>
+        <p:txBody>
+          <a:bodyPr anchor="t"/>
+          <a:lstStyle/>
+          <a:p>
+            <a:r>
+              <a:rPr lang="en-US" dirty="0"/>
+              <a:t>REST</a:t>
+            </a:r>
+          </a:p>
+          <a:p>
+            <a:pPr lvl="1"/>
+            <a:r>
+              <a:rPr lang="en-US" dirty="0"/>
+              <a:t>POST, GET, PUT, DELETE</a:t>
+            </a:r>
+          </a:p>
+          <a:p>
+            <a:pPr lvl="1"/>
+            <a:r>
+              <a:rPr lang="en-US" dirty="0"/>
+              <a:t>CRUD</a:t>
+            </a:r>
+          </a:p>
+          <a:p>
+            <a:r>
+              <a:rPr lang="en-US" dirty="0"/>
+              <a:t>JSON = JavaScript Object Notation</a:t>
+            </a:r>
+          </a:p>
+          <a:p>
+            <a:r>
+              <a:rPr lang="en-US" dirty="0"/>
+              <a:t>Firebase</a:t>
+            </a:r>
+          </a:p>
+          <a:p>
+            <a:endParaRPr lang="en-US" dirty="0"/>
+          </a:p>
+        </p:txBody>
+      </p:sp>
+    </p:spTree>
+    <p:extLst>
+      <p:ext uri="{BB962C8B-B14F-4D97-AF65-F5344CB8AC3E}">
+        <p14:creationId xmlns:p14="http://schemas.microsoft.com/office/powerpoint/2010/main" val="516405358"/>
+      </p:ext>
+    </p:extLst>
+  </p:cSld>
+  <p:clrMapOvr>
+    <a:masterClrMapping/>
+  </p:clrMapOvr>
+</p:sld>
+</file>
+
+<file path=ppt/slides/slide14.xml><?xml version="1.0" encoding="utf-8"?>
+<p:sld xmlns:a="http://schemas.openxmlformats.org/drawingml/2006/main" xmlns:r="http://schemas.openxmlformats.org/officeDocument/2006/relationships" xmlns:p="http://schemas.openxmlformats.org/presentationml/2006/main">
+  <p:cSld>
+    <p:spTree>
+      <p:nvGrpSpPr>
+        <p:cNvPr id="1" name=""/>
+        <p:cNvGrpSpPr/>
+        <p:nvPr/>
+      </p:nvGrpSpPr>
+      <p:grpSpPr>
+        <a:xfrm>
+          <a:off x="0" y="0"/>
+          <a:ext cx="0" cy="0"/>
+          <a:chOff x="0" y="0"/>
+          <a:chExt cx="0" cy="0"/>
+        </a:xfrm>
+      </p:grpSpPr>
+      <p:sp>
+        <p:nvSpPr>
+          <p:cNvPr id="3" name="Title 2"/>
+          <p:cNvSpPr>
+            <a:spLocks noGrp="1"/>
+          </p:cNvSpPr>
+          <p:nvPr>
+            <p:ph type="ctrTitle"/>
+          </p:nvPr>
+        </p:nvSpPr>
+        <p:spPr/>
+        <p:txBody>
+          <a:bodyPr/>
+          <a:lstStyle/>
+          <a:p>
+            <a:r>
+              <a:rPr lang="en-US" dirty="0"/>
+              <a:t>Assignment 9</a:t>
+            </a:r>
+          </a:p>
+        </p:txBody>
+      </p:sp>
+    </p:spTree>
+    <p:extLst>
+      <p:ext uri="{BB962C8B-B14F-4D97-AF65-F5344CB8AC3E}">
+        <p14:creationId xmlns:p14="http://schemas.microsoft.com/office/powerpoint/2010/main" val="2873545856"/>
+      </p:ext>
+    </p:extLst>
+  </p:cSld>
+  <p:clrMapOvr>
+    <a:masterClrMapping/>
+  </p:clrMapOvr>
+</p:sld>
+</file>
+
+<file path=ppt/slides/slide15.xml><?xml version="1.0" encoding="utf-8"?>
+<p:sld xmlns:a="http://schemas.openxmlformats.org/drawingml/2006/main" xmlns:r="http://schemas.openxmlformats.org/officeDocument/2006/relationships" xmlns:p="http://schemas.openxmlformats.org/presentationml/2006/main">
+  <p:cSld>
+    <p:spTree>
+      <p:nvGrpSpPr>
+        <p:cNvPr id="1" name=""/>
+        <p:cNvGrpSpPr/>
+        <p:nvPr/>
+      </p:nvGrpSpPr>
+      <p:grpSpPr>
+        <a:xfrm>
+          <a:off x="0" y="0"/>
+          <a:ext cx="0" cy="0"/>
+          <a:chOff x="0" y="0"/>
+          <a:chExt cx="0" cy="0"/>
+        </a:xfrm>
+      </p:grpSpPr>
+      <p:sp>
+        <p:nvSpPr>
+          <p:cNvPr id="4" name="Title 3"/>
+          <p:cNvSpPr>
+            <a:spLocks noGrp="1"/>
+          </p:cNvSpPr>
+          <p:nvPr>
+            <p:ph type="title"/>
+          </p:nvPr>
+        </p:nvSpPr>
+        <p:spPr/>
+        <p:txBody>
+          <a:bodyPr/>
+          <a:lstStyle/>
+          <a:p>
+            <a:r>
+              <a:rPr lang="en-US"/>
+              <a:t>Concept: Talk to server</a:t>
+            </a:r>
+          </a:p>
+        </p:txBody>
+      </p:sp>
+      <p:sp>
+        <p:nvSpPr>
+          <p:cNvPr id="5" name="Content Placeholder 4"/>
+          <p:cNvSpPr>
+            <a:spLocks noGrp="1"/>
+          </p:cNvSpPr>
+          <p:nvPr>
+            <p:ph sz="quarter" idx="14"/>
+          </p:nvPr>
+        </p:nvSpPr>
+        <p:spPr>
+          <a:xfrm>
+            <a:off x="1321914" y="1484313"/>
+            <a:ext cx="10625581" cy="4679950"/>
+          </a:xfrm>
+        </p:spPr>
+        <p:txBody>
+          <a:bodyPr anchor="t"/>
+          <a:lstStyle/>
+          <a:p>
+            <a:r>
+              <a:rPr lang="en-US" dirty="0"/>
+              <a:t>REST</a:t>
+            </a:r>
+          </a:p>
+          <a:p>
+            <a:pPr lvl="1"/>
+            <a:r>
+              <a:rPr lang="en-US" dirty="0"/>
+              <a:t>POST, GET, PUT, DELETE</a:t>
+            </a:r>
+          </a:p>
+          <a:p>
+            <a:pPr lvl="1"/>
+            <a:r>
+              <a:rPr lang="en-US" dirty="0"/>
+              <a:t>CRUD</a:t>
+            </a:r>
+          </a:p>
+          <a:p>
+            <a:r>
+              <a:rPr lang="en-US" dirty="0"/>
+              <a:t>JSON = JavaScript Object Notation</a:t>
+            </a:r>
+          </a:p>
+          <a:p>
+            <a:r>
+              <a:rPr lang="en-US" dirty="0"/>
+              <a:t>Firebase</a:t>
+            </a:r>
+          </a:p>
+          <a:p>
+            <a:endParaRPr lang="en-US" dirty="0"/>
+          </a:p>
+        </p:txBody>
+      </p:sp>
+    </p:spTree>
+    <p:extLst>
+      <p:ext uri="{BB962C8B-B14F-4D97-AF65-F5344CB8AC3E}">
+        <p14:creationId xmlns:p14="http://schemas.microsoft.com/office/powerpoint/2010/main" val="3634765285"/>
       </p:ext>
     </p:extLst>
   </p:cSld>
@@ -4106,14 +5313,14 @@
           <a:lstStyle/>
           <a:p>
             <a:r>
-              <a:rPr lang="en-US" smtClean="0"/>
-              <a:t>Our Frontend </a:t>
-            </a:r>
-            <a:r>
-              <a:rPr lang="en-US" dirty="0" smtClean="0"/>
-              <a:t>Stack</a:t>
-            </a:r>
-            <a:endParaRPr lang="en-US" dirty="0"/>
+              <a:rPr lang="en-US"/>
+              <a:t>Agenda</a:t>
+            </a:r>
+            <a:endParaRPr lang="en-US">
+              <a:solidFill>
+                <a:schemeClr val="tx1"/>
+              </a:solidFill>
+            </a:endParaRPr>
           </a:p>
         </p:txBody>
       </p:sp>
@@ -4129,80 +5336,66 @@
         </p:nvSpPr>
         <p:spPr/>
         <p:txBody>
-          <a:bodyPr/>
+          <a:bodyPr anchor="t"/>
           <a:lstStyle/>
           <a:p>
             <a:r>
-              <a:rPr lang="en-US" dirty="0" err="1" smtClean="0"/>
-              <a:t>Vue</a:t>
-            </a:r>
-            <a:r>
-              <a:rPr lang="en-US" dirty="0" smtClean="0"/>
-              <a:t> + </a:t>
-            </a:r>
-            <a:r>
-              <a:rPr lang="en-US" dirty="0" err="1" smtClean="0"/>
-              <a:t>VueX</a:t>
-            </a:r>
-            <a:endParaRPr lang="en-US" dirty="0" smtClean="0"/>
+              <a:rPr lang="en-US" dirty="0"/>
+              <a:t>Welcome</a:t>
+            </a:r>
+          </a:p>
+          <a:p>
+            <a:r>
+              <a:rPr lang="en-US" dirty="0"/>
+              <a:t>Frontend stack</a:t>
+            </a:r>
+          </a:p>
+          <a:p>
+            <a:r>
+              <a:rPr lang="en-US" dirty="0"/>
+              <a:t>Concepts &amp; Assignments</a:t>
+            </a:r>
           </a:p>
           <a:p>
             <a:pPr lvl="1"/>
             <a:r>
               <a:rPr lang="en-US" dirty="0"/>
-              <a:t>T</a:t>
-            </a:r>
-            <a:r>
-              <a:rPr lang="en-US" dirty="0" smtClean="0"/>
-              <a:t>he frontend code where 99% of the coding is done</a:t>
-            </a:r>
-          </a:p>
-          <a:p>
-            <a:r>
-              <a:rPr lang="en-US" dirty="0" smtClean="0"/>
-              <a:t>Babel</a:t>
+              <a:t>2-4 Getting started</a:t>
             </a:r>
           </a:p>
           <a:p>
             <a:pPr lvl="1"/>
             <a:r>
               <a:rPr lang="en-US" dirty="0"/>
-              <a:t>T</a:t>
-            </a:r>
-            <a:r>
-              <a:rPr lang="en-US" dirty="0" smtClean="0"/>
-              <a:t>he </a:t>
-            </a:r>
-            <a:r>
-              <a:rPr lang="en-US" dirty="0" err="1" smtClean="0"/>
-              <a:t>transpiler</a:t>
-            </a:r>
-            <a:r>
-              <a:rPr lang="en-US" dirty="0" smtClean="0"/>
-              <a:t> that makes your cutting edge code run even on old browsers</a:t>
-            </a:r>
-          </a:p>
-          <a:p>
-            <a:r>
-              <a:rPr lang="en-US" dirty="0" err="1" smtClean="0"/>
-              <a:t>Webpack</a:t>
-            </a:r>
-            <a:r>
-              <a:rPr lang="en-US" dirty="0" smtClean="0"/>
-              <a:t> 4</a:t>
+              <a:t>5 Getting dirty</a:t>
             </a:r>
           </a:p>
           <a:p>
             <a:pPr lvl="1"/>
             <a:r>
               <a:rPr lang="en-US" dirty="0"/>
-              <a:t>T</a:t>
-            </a:r>
-            <a:r>
-              <a:rPr lang="en-US" dirty="0" smtClean="0"/>
-              <a:t>he bundler which combines everything into a package you can deploy &amp; run</a:t>
-            </a:r>
-            <a:endParaRPr lang="en-US" dirty="0"/>
+              <a:t>6-7 A little breather</a:t>
+            </a:r>
+          </a:p>
+          <a:p>
+            <a:pPr lvl="1"/>
+            <a:r>
+              <a:rPr lang="en-US" dirty="0"/>
+              <a:t>8 Being sensible</a:t>
+            </a:r>
+          </a:p>
+          <a:p>
+            <a:pPr lvl="1"/>
+            <a:r>
+              <a:rPr lang="en-US" dirty="0"/>
+              <a:t>9 Going crazy (as in fun)</a:t>
+            </a:r>
+          </a:p>
+          <a:p>
+            <a:r>
+              <a:rPr lang="en-US" dirty="0"/>
+              <a:t>Lunch 11:30 and snacks later</a:t>
+            </a:r>
           </a:p>
         </p:txBody>
       </p:sp>
@@ -4238,6 +5431,138 @@
       </p:grpSpPr>
       <p:sp>
         <p:nvSpPr>
+          <p:cNvPr id="8" name="Title 7"/>
+          <p:cNvSpPr>
+            <a:spLocks noGrp="1"/>
+          </p:cNvSpPr>
+          <p:nvPr>
+            <p:ph type="title"/>
+          </p:nvPr>
+        </p:nvSpPr>
+        <p:spPr/>
+        <p:txBody>
+          <a:bodyPr/>
+          <a:lstStyle/>
+          <a:p>
+            <a:r>
+              <a:rPr lang="en-US"/>
+              <a:t>Our Frontend </a:t>
+            </a:r>
+            <a:r>
+              <a:rPr lang="en-US" dirty="0"/>
+              <a:t>Stack</a:t>
+            </a:r>
+          </a:p>
+        </p:txBody>
+      </p:sp>
+      <p:sp>
+        <p:nvSpPr>
+          <p:cNvPr id="3" name="Text Placeholder 2"/>
+          <p:cNvSpPr>
+            <a:spLocks noGrp="1"/>
+          </p:cNvSpPr>
+          <p:nvPr>
+            <p:ph sz="quarter" idx="14"/>
+          </p:nvPr>
+        </p:nvSpPr>
+        <p:spPr/>
+        <p:txBody>
+          <a:bodyPr/>
+          <a:lstStyle/>
+          <a:p>
+            <a:r>
+              <a:rPr lang="en-US" dirty="0" err="1"/>
+              <a:t>Vue</a:t>
+            </a:r>
+            <a:r>
+              <a:rPr lang="en-US" dirty="0"/>
+              <a:t> + </a:t>
+            </a:r>
+            <a:r>
+              <a:rPr lang="en-US" dirty="0" err="1"/>
+              <a:t>VueX</a:t>
+            </a:r>
+            <a:endParaRPr lang="en-US" dirty="0"/>
+          </a:p>
+          <a:p>
+            <a:pPr lvl="1"/>
+            <a:r>
+              <a:rPr lang="en-US" dirty="0"/>
+              <a:t>The frontend code where 99% of the coding is done</a:t>
+            </a:r>
+          </a:p>
+          <a:p>
+            <a:r>
+              <a:rPr lang="en-US" dirty="0"/>
+              <a:t>Babel</a:t>
+            </a:r>
+          </a:p>
+          <a:p>
+            <a:pPr lvl="1"/>
+            <a:r>
+              <a:rPr lang="en-US" dirty="0"/>
+              <a:t>The </a:t>
+            </a:r>
+            <a:r>
+              <a:rPr lang="en-US" dirty="0" err="1"/>
+              <a:t>transpiler</a:t>
+            </a:r>
+            <a:r>
+              <a:rPr lang="en-US" dirty="0"/>
+              <a:t> that makes your cutting edge code run even on old browsers</a:t>
+            </a:r>
+          </a:p>
+          <a:p>
+            <a:r>
+              <a:rPr lang="en-US" dirty="0" err="1"/>
+              <a:t>Webpack</a:t>
+            </a:r>
+            <a:r>
+              <a:rPr lang="en-US" dirty="0"/>
+              <a:t> 4</a:t>
+            </a:r>
+          </a:p>
+          <a:p>
+            <a:pPr lvl="1"/>
+            <a:r>
+              <a:rPr lang="en-US" dirty="0"/>
+              <a:t>The bundler which combines everything into a package you can deploy &amp; run</a:t>
+            </a:r>
+          </a:p>
+        </p:txBody>
+      </p:sp>
+    </p:spTree>
+    <p:extLst>
+      <p:ext uri="{BB962C8B-B14F-4D97-AF65-F5344CB8AC3E}">
+        <p14:creationId xmlns:p14="http://schemas.microsoft.com/office/powerpoint/2010/main" val="224518926"/>
+      </p:ext>
+    </p:extLst>
+  </p:cSld>
+  <p:clrMapOvr>
+    <a:masterClrMapping/>
+  </p:clrMapOvr>
+</p:sld>
+</file>
+
+<file path=ppt/slides/slide4.xml><?xml version="1.0" encoding="utf-8"?>
+<p:sld xmlns:a="http://schemas.openxmlformats.org/drawingml/2006/main" xmlns:r="http://schemas.openxmlformats.org/officeDocument/2006/relationships" xmlns:p="http://schemas.openxmlformats.org/presentationml/2006/main">
+  <p:cSld>
+    <p:spTree>
+      <p:nvGrpSpPr>
+        <p:cNvPr id="1" name=""/>
+        <p:cNvGrpSpPr/>
+        <p:nvPr/>
+      </p:nvGrpSpPr>
+      <p:grpSpPr>
+        <a:xfrm>
+          <a:off x="0" y="0"/>
+          <a:ext cx="0" cy="0"/>
+          <a:chOff x="0" y="0"/>
+          <a:chExt cx="0" cy="0"/>
+        </a:xfrm>
+      </p:grpSpPr>
+      <p:sp>
+        <p:nvSpPr>
           <p:cNvPr id="4" name="Title 3"/>
           <p:cNvSpPr>
             <a:spLocks noGrp="1"/>
@@ -4252,10 +5577,13 @@
           <a:lstStyle/>
           <a:p>
             <a:r>
-              <a:rPr lang="en-US" dirty="0" err="1" smtClean="0"/>
-              <a:t>Vue</a:t>
-            </a:r>
-            <a:endParaRPr lang="en-US" dirty="0"/>
+              <a:rPr lang="en-US" dirty="0"/>
+              <a:t>Concept:</a:t>
+            </a:r>
+            <a:r>
+              <a:rPr lang="en-US"/>
+              <a:t> Component </a:t>
+            </a:r>
           </a:p>
         </p:txBody>
       </p:sp>
@@ -4269,19 +5597,90 @@
             <p:ph sz="quarter" idx="14"/>
           </p:nvPr>
         </p:nvSpPr>
-        <p:spPr/>
+        <p:spPr>
+          <a:xfrm>
+            <a:off x="1321914" y="1484313"/>
+            <a:ext cx="10625581" cy="4679950"/>
+          </a:xfrm>
+        </p:spPr>
         <p:txBody>
-          <a:bodyPr/>
+          <a:bodyPr anchor="t"/>
           <a:lstStyle/>
           <a:p>
-            <a:endParaRPr lang="en-US" dirty="0"/>
+            <a:r>
+              <a:rPr lang="en-US" dirty="0"/>
+              <a:t>export something</a:t>
+            </a:r>
+          </a:p>
+          <a:p>
+            <a:r>
+              <a:rPr lang="en-US" dirty="0"/>
+              <a:t>export default C</a:t>
+            </a:r>
+          </a:p>
+          <a:p>
+            <a:r>
+              <a:rPr lang="en-US" dirty="0"/>
+              <a:t>import C from './module'</a:t>
+            </a:r>
+          </a:p>
+          <a:p>
+            <a:r>
+              <a:rPr lang="en-US" dirty="0"/>
+              <a:t>import { something } from './module'   === </a:t>
+            </a:r>
+            <a:r>
+              <a:rPr lang="en-US" dirty="0" err="1"/>
+              <a:t>C.something</a:t>
+            </a:r>
+          </a:p>
+          <a:p>
+            <a:r>
+              <a:rPr lang="en-US" dirty="0"/>
+              <a:t>.</a:t>
+            </a:r>
+            <a:r>
+              <a:rPr lang="en-US" dirty="0" err="1"/>
+              <a:t>vue</a:t>
+            </a:r>
+            <a:r>
+              <a:rPr lang="en-US" dirty="0"/>
+              <a:t> files:</a:t>
+            </a:r>
+          </a:p>
+          <a:p>
+            <a:pPr marL="457200" lvl="1" indent="0">
+              <a:buNone/>
+            </a:pPr>
+            <a:r>
+              <a:rPr lang="en-US" dirty="0"/>
+              <a:t>&lt;template&gt;&lt;/template&gt;</a:t>
+            </a:r>
+          </a:p>
+          <a:p>
+            <a:pPr marL="457200" lvl="1" indent="0">
+              <a:buNone/>
+            </a:pPr>
+            <a:r>
+              <a:rPr lang="en-US" dirty="0"/>
+              <a:t>&lt;script&gt;&lt;/script&gt;</a:t>
+            </a:r>
+          </a:p>
+          <a:p>
+            <a:pPr marL="457200" lvl="1" indent="0">
+              <a:buNone/>
+            </a:pPr>
+            <a:r>
+              <a:rPr lang="en-US" dirty="0"/>
+              <a:t>&lt;style&gt;&lt;/style&gt;</a:t>
+            </a:r>
           </a:p>
         </p:txBody>
       </p:sp>
     </p:spTree>
     <p:extLst>
       <p:ext uri="{BB962C8B-B14F-4D97-AF65-F5344CB8AC3E}">
-        <p14:creationId xmlns:p14="http://schemas.microsoft.com/office/powerpoint/2010/main" val="857154214"/>
+        <p14:creationId xmlns:p14="http://schemas.microsoft.com/office/powerpoint/2010/main" val="391190896"/>
       </p:ext>
     </p:extLst>
   </p:cSld>
@@ -4291,7 +5690,110 @@
 </p:sld>
 </file>
 
-<file path=ppt/slides/slide4.xml><?xml version="1.0" encoding="utf-8"?>
+<file path=ppt/slides/slide5.xml><?xml version="1.0" encoding="utf-8"?>
+<p:sld xmlns:a="http://schemas.openxmlformats.org/drawingml/2006/main" xmlns:r="http://schemas.openxmlformats.org/officeDocument/2006/relationships" xmlns:p="http://schemas.openxmlformats.org/presentationml/2006/main">
+  <p:cSld>
+    <p:spTree>
+      <p:nvGrpSpPr>
+        <p:cNvPr id="1" name=""/>
+        <p:cNvGrpSpPr/>
+        <p:nvPr/>
+      </p:nvGrpSpPr>
+      <p:grpSpPr>
+        <a:xfrm>
+          <a:off x="0" y="0"/>
+          <a:ext cx="0" cy="0"/>
+          <a:chOff x="0" y="0"/>
+          <a:chExt cx="0" cy="0"/>
+        </a:xfrm>
+      </p:grpSpPr>
+      <p:sp>
+        <p:nvSpPr>
+          <p:cNvPr id="4" name="Title 3"/>
+          <p:cNvSpPr>
+            <a:spLocks noGrp="1"/>
+          </p:cNvSpPr>
+          <p:nvPr>
+            <p:ph type="title"/>
+          </p:nvPr>
+        </p:nvSpPr>
+        <p:spPr/>
+        <p:txBody>
+          <a:bodyPr/>
+          <a:lstStyle/>
+          <a:p>
+            <a:r>
+              <a:rPr lang="en-US"/>
+              <a:t>Concept: Properties etc.</a:t>
+            </a:r>
+          </a:p>
+        </p:txBody>
+      </p:sp>
+      <p:sp>
+        <p:nvSpPr>
+          <p:cNvPr id="5" name="Content Placeholder 4"/>
+          <p:cNvSpPr>
+            <a:spLocks noGrp="1"/>
+          </p:cNvSpPr>
+          <p:nvPr>
+            <p:ph sz="quarter" idx="14"/>
+          </p:nvPr>
+        </p:nvSpPr>
+        <p:spPr>
+          <a:xfrm>
+            <a:off x="1321914" y="1484313"/>
+            <a:ext cx="10625581" cy="4679950"/>
+          </a:xfrm>
+        </p:spPr>
+        <p:txBody>
+          <a:bodyPr anchor="t"/>
+          <a:lstStyle/>
+          <a:p>
+            <a:r>
+              <a:rPr lang="en-US" dirty="0"/>
+              <a:t>props =&gt; external</a:t>
+            </a:r>
+          </a:p>
+          <a:p>
+            <a:r>
+              <a:rPr lang="en-US" dirty="0"/>
+              <a:t>data =&gt; internal</a:t>
+            </a:r>
+          </a:p>
+          <a:p>
+            <a:r>
+              <a:rPr lang="en-US" dirty="0"/>
+              <a:t>computed =&gt; generated (functions)</a:t>
+            </a:r>
+          </a:p>
+          <a:p>
+            <a:r>
+              <a:rPr lang="en-US" dirty="0"/>
+              <a:t>methods =&gt; methods for events</a:t>
+            </a:r>
+          </a:p>
+          <a:p>
+            <a:endParaRPr lang="en-US" dirty="0"/>
+          </a:p>
+          <a:p>
+            <a:endParaRPr lang="en-US" dirty="0"/>
+          </a:p>
+        </p:txBody>
+      </p:sp>
+    </p:spTree>
+    <p:extLst>
+      <p:ext uri="{BB962C8B-B14F-4D97-AF65-F5344CB8AC3E}">
+        <p14:creationId xmlns:p14="http://schemas.microsoft.com/office/powerpoint/2010/main" val="476488934"/>
+      </p:ext>
+    </p:extLst>
+  </p:cSld>
+  <p:clrMapOvr>
+    <a:masterClrMapping/>
+  </p:clrMapOvr>
+</p:sld>
+</file>
+
+<file path=ppt/slides/slide6.xml><?xml version="1.0" encoding="utf-8"?>
 <p:sld xmlns:a="http://schemas.openxmlformats.org/drawingml/2006/main" xmlns:r="http://schemas.openxmlformats.org/officeDocument/2006/relationships" xmlns:p="http://schemas.openxmlformats.org/presentationml/2006/main">
   <p:cSld>
     <p:spTree>
@@ -4324,7 +5826,7 @@
           <a:lstStyle/>
           <a:p>
             <a:r>
-              <a:rPr lang="en-US" smtClean="0"/>
+              <a:rPr lang="en-US"/>
               <a:t>Assignments 2 - 4</a:t>
             </a:r>
             <a:endParaRPr lang="en-US" dirty="0"/>
@@ -4335,6 +5837,319 @@
     <p:extLst>
       <p:ext uri="{BB962C8B-B14F-4D97-AF65-F5344CB8AC3E}">
         <p14:creationId xmlns:p14="http://schemas.microsoft.com/office/powerpoint/2010/main" val="2747573861"/>
+      </p:ext>
+    </p:extLst>
+  </p:cSld>
+  <p:clrMapOvr>
+    <a:masterClrMapping/>
+  </p:clrMapOvr>
+</p:sld>
+</file>
+
+<file path=ppt/slides/slide7.xml><?xml version="1.0" encoding="utf-8"?>
+<p:sld xmlns:a="http://schemas.openxmlformats.org/drawingml/2006/main" xmlns:r="http://schemas.openxmlformats.org/officeDocument/2006/relationships" xmlns:p="http://schemas.openxmlformats.org/presentationml/2006/main">
+  <p:cSld>
+    <p:spTree>
+      <p:nvGrpSpPr>
+        <p:cNvPr id="1" name=""/>
+        <p:cNvGrpSpPr/>
+        <p:nvPr/>
+      </p:nvGrpSpPr>
+      <p:grpSpPr>
+        <a:xfrm>
+          <a:off x="0" y="0"/>
+          <a:ext cx="0" cy="0"/>
+          <a:chOff x="0" y="0"/>
+          <a:chExt cx="0" cy="0"/>
+        </a:xfrm>
+      </p:grpSpPr>
+      <p:pic>
+        <p:nvPicPr>
+          <p:cNvPr id="2" name="Picture 2">
+            <a:extLst>
+              <a:ext uri="{FF2B5EF4-FFF2-40B4-BE49-F238E27FC236}">
+                <a16:creationId xmlns:a16="http://schemas.microsoft.com/office/drawing/2014/main" id="{98CD9DAE-C2E2-4026-9BBB-03C80EDAAED9}"/>
+              </a:ext>
+            </a:extLst>
+          </p:cNvPr>
+          <p:cNvPicPr>
+            <a:picLocks noChangeAspect="1"/>
+          </p:cNvPicPr>
+          <p:nvPr/>
+        </p:nvPicPr>
+        <p:blipFill rotWithShape="1">
+          <a:blip r:embed="rId2"/>
+          <a:srcRect l="1527" t="6960" r="4341" b="10952"/>
+          <a:stretch/>
+        </p:blipFill>
+        <p:spPr>
+          <a:xfrm>
+            <a:off x="3732365" y="683121"/>
+            <a:ext cx="8414196" cy="5766678"/>
+          </a:xfrm>
+          <a:prstGeom prst="rect">
+            <a:avLst/>
+          </a:prstGeom>
+        </p:spPr>
+      </p:pic>
+      <p:sp>
+        <p:nvSpPr>
+          <p:cNvPr id="4" name="Title 3"/>
+          <p:cNvSpPr>
+            <a:spLocks noGrp="1"/>
+          </p:cNvSpPr>
+          <p:nvPr>
+            <p:ph type="title"/>
+          </p:nvPr>
+        </p:nvSpPr>
+        <p:spPr/>
+        <p:txBody>
+          <a:bodyPr/>
+          <a:lstStyle/>
+          <a:p>
+            <a:r>
+              <a:rPr lang="en-US"/>
+              <a:t>Concept: </a:t>
+            </a:r>
+            <a:r>
+              <a:rPr lang="en-US" err="1"/>
+              <a:t>Vuex</a:t>
+            </a:r>
+            <a:r>
+              <a:rPr lang="en-US"/>
+              <a:t> / Store</a:t>
+            </a:r>
+            <a:endParaRPr lang="en-US" err="1"/>
+          </a:p>
+        </p:txBody>
+      </p:sp>
+      <p:sp>
+        <p:nvSpPr>
+          <p:cNvPr id="5" name="Content Placeholder 4"/>
+          <p:cNvSpPr>
+            <a:spLocks noGrp="1"/>
+          </p:cNvSpPr>
+          <p:nvPr>
+            <p:ph sz="quarter" idx="14"/>
+          </p:nvPr>
+        </p:nvSpPr>
+        <p:spPr>
+          <a:xfrm>
+            <a:off x="1321914" y="1484313"/>
+            <a:ext cx="9597600" cy="4679950"/>
+          </a:xfrm>
+        </p:spPr>
+        <p:txBody>
+          <a:bodyPr anchor="t"/>
+          <a:lstStyle/>
+          <a:p>
+            <a:r>
+              <a:rPr lang="en-US" dirty="0"/>
+              <a:t>State</a:t>
+            </a:r>
+            <a:endParaRPr lang="en-US" sz="2800" dirty="0"/>
+          </a:p>
+          <a:p>
+            <a:r>
+              <a:rPr lang="en-US" dirty="0"/>
+              <a:t>Mutations</a:t>
+            </a:r>
+          </a:p>
+          <a:p>
+            <a:r>
+              <a:rPr lang="en-US" dirty="0"/>
+              <a:t>Actions</a:t>
+            </a:r>
+          </a:p>
+        </p:txBody>
+      </p:sp>
+    </p:spTree>
+    <p:extLst>
+      <p:ext uri="{BB962C8B-B14F-4D97-AF65-F5344CB8AC3E}">
+        <p14:creationId xmlns:p14="http://schemas.microsoft.com/office/powerpoint/2010/main" val="857154214"/>
+      </p:ext>
+    </p:extLst>
+  </p:cSld>
+  <p:clrMapOvr>
+    <a:masterClrMapping/>
+  </p:clrMapOvr>
+</p:sld>
+</file>
+
+<file path=ppt/slides/slide8.xml><?xml version="1.0" encoding="utf-8"?>
+<p:sld xmlns:a="http://schemas.openxmlformats.org/drawingml/2006/main" xmlns:r="http://schemas.openxmlformats.org/officeDocument/2006/relationships" xmlns:p="http://schemas.openxmlformats.org/presentationml/2006/main">
+  <p:cSld>
+    <p:spTree>
+      <p:nvGrpSpPr>
+        <p:cNvPr id="1" name=""/>
+        <p:cNvGrpSpPr/>
+        <p:nvPr/>
+      </p:nvGrpSpPr>
+      <p:grpSpPr>
+        <a:xfrm>
+          <a:off x="0" y="0"/>
+          <a:ext cx="0" cy="0"/>
+          <a:chOff x="0" y="0"/>
+          <a:chExt cx="0" cy="0"/>
+        </a:xfrm>
+      </p:grpSpPr>
+      <p:sp>
+        <p:nvSpPr>
+          <p:cNvPr id="3" name="Title 2"/>
+          <p:cNvSpPr>
+            <a:spLocks noGrp="1"/>
+          </p:cNvSpPr>
+          <p:nvPr>
+            <p:ph type="ctrTitle"/>
+          </p:nvPr>
+        </p:nvSpPr>
+        <p:spPr/>
+        <p:txBody>
+          <a:bodyPr/>
+          <a:lstStyle/>
+          <a:p>
+            <a:r>
+              <a:rPr lang="en-US" dirty="0"/>
+              <a:t>Assignment 5</a:t>
+            </a:r>
+          </a:p>
+        </p:txBody>
+      </p:sp>
+    </p:spTree>
+    <p:extLst>
+      <p:ext uri="{BB962C8B-B14F-4D97-AF65-F5344CB8AC3E}">
+        <p14:creationId xmlns:p14="http://schemas.microsoft.com/office/powerpoint/2010/main" val="2059061208"/>
+      </p:ext>
+    </p:extLst>
+  </p:cSld>
+  <p:clrMapOvr>
+    <a:masterClrMapping/>
+  </p:clrMapOvr>
+</p:sld>
+</file>
+
+<file path=ppt/slides/slide9.xml><?xml version="1.0" encoding="utf-8"?>
+<p:sld xmlns:a="http://schemas.openxmlformats.org/drawingml/2006/main" xmlns:r="http://schemas.openxmlformats.org/officeDocument/2006/relationships" xmlns:p="http://schemas.openxmlformats.org/presentationml/2006/main">
+  <p:cSld>
+    <p:spTree>
+      <p:nvGrpSpPr>
+        <p:cNvPr id="1" name=""/>
+        <p:cNvGrpSpPr/>
+        <p:nvPr/>
+      </p:nvGrpSpPr>
+      <p:grpSpPr>
+        <a:xfrm>
+          <a:off x="0" y="0"/>
+          <a:ext cx="0" cy="0"/>
+          <a:chOff x="0" y="0"/>
+          <a:chExt cx="0" cy="0"/>
+        </a:xfrm>
+      </p:grpSpPr>
+      <p:sp>
+        <p:nvSpPr>
+          <p:cNvPr id="4" name="Title 3"/>
+          <p:cNvSpPr>
+            <a:spLocks noGrp="1"/>
+          </p:cNvSpPr>
+          <p:nvPr>
+            <p:ph type="title"/>
+          </p:nvPr>
+        </p:nvSpPr>
+        <p:spPr/>
+        <p:txBody>
+          <a:bodyPr/>
+          <a:lstStyle/>
+          <a:p>
+            <a:r>
+              <a:rPr lang="en-US"/>
+              <a:t>Concept: Vue Router</a:t>
+            </a:r>
+            <a:endParaRPr lang="en-US" dirty="0"/>
+          </a:p>
+        </p:txBody>
+      </p:sp>
+      <p:sp>
+        <p:nvSpPr>
+          <p:cNvPr id="5" name="Content Placeholder 4"/>
+          <p:cNvSpPr>
+            <a:spLocks noGrp="1"/>
+          </p:cNvSpPr>
+          <p:nvPr>
+            <p:ph sz="quarter" idx="14"/>
+          </p:nvPr>
+        </p:nvSpPr>
+        <p:spPr>
+          <a:xfrm>
+            <a:off x="1321914" y="1484313"/>
+            <a:ext cx="10625581" cy="4679950"/>
+          </a:xfrm>
+        </p:spPr>
+        <p:txBody>
+          <a:bodyPr anchor="t"/>
+          <a:lstStyle/>
+          <a:p>
+            <a:r>
+              <a:rPr lang="en-US" dirty="0" err="1"/>
+              <a:t>this.$router</a:t>
+            </a:r>
+          </a:p>
+          <a:p>
+            <a:pPr lvl="1"/>
+            <a:r>
+              <a:rPr lang="en-US" dirty="0"/>
+              <a:t>push</a:t>
+            </a:r>
+          </a:p>
+          <a:p>
+            <a:pPr lvl="1"/>
+            <a:r>
+              <a:rPr lang="en-US" sz="3200" dirty="0"/>
+              <a:t>replace</a:t>
+            </a:r>
+            <a:endParaRPr lang="en-US" dirty="0"/>
+          </a:p>
+          <a:p>
+            <a:pPr lvl="1"/>
+            <a:r>
+              <a:rPr lang="en-US" sz="3200" dirty="0"/>
+              <a:t>go</a:t>
+            </a:r>
+          </a:p>
+          <a:p>
+            <a:r>
+              <a:rPr lang="en-US" sz="3600" dirty="0"/>
+              <a:t>&lt;router-link&gt;&lt;/router-link&gt;</a:t>
+            </a:r>
+          </a:p>
+          <a:p>
+            <a:pPr lvl="1"/>
+            <a:r>
+              <a:rPr lang="en-US" sz="3200" dirty="0"/>
+              <a:t>to</a:t>
+            </a:r>
+          </a:p>
+          <a:p>
+            <a:pPr lvl="1"/>
+            <a:r>
+              <a:rPr lang="en-US" sz="3200" dirty="0"/>
+              <a:t>replace</a:t>
+            </a:r>
+          </a:p>
+          <a:p>
+            <a:endParaRPr lang="en-US" dirty="0"/>
+          </a:p>
+          <a:p>
+            <a:endParaRPr lang="en-US" dirty="0"/>
+          </a:p>
+          <a:p>
+            <a:endParaRPr lang="en-US" dirty="0"/>
+          </a:p>
+        </p:txBody>
+      </p:sp>
+    </p:spTree>
+    <p:extLst>
+      <p:ext uri="{BB962C8B-B14F-4D97-AF65-F5344CB8AC3E}">
+        <p14:creationId xmlns:p14="http://schemas.microsoft.com/office/powerpoint/2010/main" val="1289836975"/>
       </p:ext>
     </p:extLst>
   </p:cSld>
@@ -5331,6 +7146,36 @@
 </file>
 
 <file path=customXml/item1.xml><?xml version="1.0" encoding="utf-8"?>
+<p:properties xmlns:p="http://schemas.microsoft.com/office/2006/metadata/properties" xmlns:xsi="http://www.w3.org/2001/XMLSchema-instance" xmlns:pc="http://schemas.microsoft.com/office/infopath/2007/PartnerControls">
+  <documentManagement>
+    <R_x00e6_kkef_x00f8_lge xmlns="9c035199-34fe-41f5-aa4a-b81609954cdd">30</R_x00e6_kkef_x00f8_lge>
+    <Guideline xmlns="9c035199-34fe-41f5-aa4a-b81609954cdd">
+      <Url xsi:nil="true"/>
+      <Description xsi:nil="true"/>
+    </Guideline>
+    <CCMTemplateName xmlns="http://schemas.microsoft.com/sharepoint/v3" xsi:nil="true"/>
+    <CCMTemplateVersion xmlns="http://schemas.microsoft.com/sharepoint/v3" xsi:nil="true"/>
+    <Sprog xmlns="9c035199-34fe-41f5-aa4a-b81609954cdd">DA</Sprog>
+    <CCMTemplateDate xmlns="http://schemas.microsoft.com/sharepoint/v3">2014-07-30T22:00:00+00:00</CCMTemplateDate>
+    <CCMTemplateResponsible xmlns="http://schemas.microsoft.com/sharepoint/v3">
+      <UserInfo>
+        <DisplayName/>
+        <AccountId xsi:nil="true"/>
+        <AccountType/>
+      </UserInfo>
+    </CCMTemplateResponsible>
+    <TemplateType xmlns="9c035199-34fe-41f5-aa4a-b81609954cdd">Generelt</TemplateType>
+    <Deliverable xmlns="http://schemas.microsoft.com/sharepoint/v3" xsi:nil="true"/>
+    <_dlc_DocId xmlns="3062a005-2a53-49b8-87d1-0d9762f3d40a">T2YKUWDCCE4Z-12-78</_dlc_DocId>
+    <_dlc_DocIdUrl xmlns="3062a005-2a53-49b8-87d1-0d9762f3d40a">
+      <Url>https://goto.netcompany.com/GOAdministration/_layouts/15/DocIdRedir.aspx?ID=T2YKUWDCCE4Z-12-78</Url>
+      <Description>T2YKUWDCCE4Z-12-78</Description>
+    </_dlc_DocIdUrl>
+  </documentManagement>
+</p:properties>
+</file>
+
+<file path=customXml/item2.xml><?xml version="1.0" encoding="utf-8"?>
 <ct:contentTypeSchema xmlns:ct="http://schemas.microsoft.com/office/2006/metadata/contentType" xmlns:ma="http://schemas.microsoft.com/office/2006/metadata/properties/metaAttributes" ct:_="" ma:_="" ma:contentTypeName="Dokument" ma:contentTypeID="0x010100B43365BADAF0A24D90DB1F3DE146000C" ma:contentTypeVersion="14" ma:contentTypeDescription="Opret et nyt dokument." ma:contentTypeScope="" ma:versionID="b741021eedef7a7115eb72c43f129bee">
   <xsd:schema xmlns:xsd="http://www.w3.org/2001/XMLSchema" xmlns:xs="http://www.w3.org/2001/XMLSchema" xmlns:p="http://schemas.microsoft.com/office/2006/metadata/properties" xmlns:ns1="http://schemas.microsoft.com/sharepoint/v3" xmlns:ns2="3062a005-2a53-49b8-87d1-0d9762f3d40a" xmlns:ns3="9c035199-34fe-41f5-aa4a-b81609954cdd" targetNamespace="http://schemas.microsoft.com/office/2006/metadata/properties" ma:root="true" ma:fieldsID="2c5dfc0e83f06806dd4d1cafe43f1ef1" ns1:_="" ns2:_="" ns3:_="">
     <xsd:import namespace="http://schemas.microsoft.com/sharepoint/v3"/>
@@ -5570,46 +7415,7 @@
 </ct:contentTypeSchema>
 </file>
 
-<file path=customXml/item2.xml><?xml version="1.0" encoding="utf-8"?>
-<p:properties xmlns:p="http://schemas.microsoft.com/office/2006/metadata/properties" xmlns:xsi="http://www.w3.org/2001/XMLSchema-instance" xmlns:pc="http://schemas.microsoft.com/office/infopath/2007/PartnerControls">
-  <documentManagement>
-    <R_x00e6_kkef_x00f8_lge xmlns="9c035199-34fe-41f5-aa4a-b81609954cdd">30</R_x00e6_kkef_x00f8_lge>
-    <Guideline xmlns="9c035199-34fe-41f5-aa4a-b81609954cdd">
-      <Url xsi:nil="true"/>
-      <Description xsi:nil="true"/>
-    </Guideline>
-    <CCMTemplateName xmlns="http://schemas.microsoft.com/sharepoint/v3" xsi:nil="true"/>
-    <CCMTemplateVersion xmlns="http://schemas.microsoft.com/sharepoint/v3" xsi:nil="true"/>
-    <Sprog xmlns="9c035199-34fe-41f5-aa4a-b81609954cdd">DA</Sprog>
-    <CCMTemplateDate xmlns="http://schemas.microsoft.com/sharepoint/v3">2014-07-30T22:00:00+00:00</CCMTemplateDate>
-    <CCMTemplateResponsible xmlns="http://schemas.microsoft.com/sharepoint/v3">
-      <UserInfo>
-        <DisplayName/>
-        <AccountId xsi:nil="true"/>
-        <AccountType/>
-      </UserInfo>
-    </CCMTemplateResponsible>
-    <TemplateType xmlns="9c035199-34fe-41f5-aa4a-b81609954cdd">Generelt</TemplateType>
-    <Deliverable xmlns="http://schemas.microsoft.com/sharepoint/v3" xsi:nil="true"/>
-    <_dlc_DocId xmlns="3062a005-2a53-49b8-87d1-0d9762f3d40a">T2YKUWDCCE4Z-12-78</_dlc_DocId>
-    <_dlc_DocIdUrl xmlns="3062a005-2a53-49b8-87d1-0d9762f3d40a">
-      <Url>https://goto.netcompany.com/GOAdministration/_layouts/15/DocIdRedir.aspx?ID=T2YKUWDCCE4Z-12-78</Url>
-      <Description>T2YKUWDCCE4Z-12-78</Description>
-    </_dlc_DocIdUrl>
-  </documentManagement>
-</p:properties>
-</file>
-
 <file path=customXml/item3.xml><?xml version="1.0" encoding="utf-8"?>
-<?mso-contentType ?>
-<FormTemplates xmlns="http://schemas.microsoft.com/sharepoint/v3/contenttype/forms">
-  <Display>DocumentLibraryForm</Display>
-  <Edit>DocumentLibraryForm</Edit>
-  <New>DocumentLibraryForm</New>
-</FormTemplates>
-</file>
-
-<file path=customXml/item4.xml><?xml version="1.0" encoding="utf-8"?>
 <?mso-contentType ?>
 <spe:Receivers xmlns:spe="http://schemas.microsoft.com/sharepoint/events">
   <Receiver>
@@ -5659,7 +7465,34 @@
 </spe:Receivers>
 </file>
 
+<file path=customXml/item4.xml><?xml version="1.0" encoding="utf-8"?>
+<?mso-contentType ?>
+<FormTemplates xmlns="http://schemas.microsoft.com/sharepoint/v3/contenttype/forms">
+  <Display>DocumentLibraryForm</Display>
+  <Edit>DocumentLibraryForm</Edit>
+  <New>DocumentLibraryForm</New>
+</FormTemplates>
+</file>
+
 <file path=customXml/itemProps1.xml><?xml version="1.0" encoding="utf-8"?>
+<ds:datastoreItem xmlns:ds="http://schemas.openxmlformats.org/officeDocument/2006/customXml" ds:itemID="{09A24B84-AF68-4B06-89ED-A483BC44F19D}">
+  <ds:schemaRefs>
+    <ds:schemaRef ds:uri="http://schemas.openxmlformats.org/package/2006/metadata/core-properties"/>
+    <ds:schemaRef ds:uri="http://purl.org/dc/terms/"/>
+    <ds:schemaRef ds:uri="http://www.w3.org/XML/1998/namespace"/>
+    <ds:schemaRef ds:uri="http://schemas.microsoft.com/sharepoint/v3"/>
+    <ds:schemaRef ds:uri="http://schemas.microsoft.com/office/2006/metadata/properties"/>
+    <ds:schemaRef ds:uri="http://purl.org/dc/elements/1.1/"/>
+    <ds:schemaRef ds:uri="http://schemas.microsoft.com/office/2006/documentManagement/types"/>
+    <ds:schemaRef ds:uri="3062a005-2a53-49b8-87d1-0d9762f3d40a"/>
+    <ds:schemaRef ds:uri="9c035199-34fe-41f5-aa4a-b81609954cdd"/>
+    <ds:schemaRef ds:uri="http://schemas.microsoft.com/office/infopath/2007/PartnerControls"/>
+    <ds:schemaRef ds:uri="http://purl.org/dc/dcmitype/"/>
+  </ds:schemaRefs>
+</ds:datastoreItem>
+</file>
+
+<file path=customXml/itemProps2.xml><?xml version="1.0" encoding="utf-8"?>
 <ds:datastoreItem xmlns:ds="http://schemas.openxmlformats.org/officeDocument/2006/customXml" ds:itemID="{CE944545-B07D-4744-9E03-4F3AE3179F49}">
   <ds:schemaRefs>
     <ds:schemaRef ds:uri="http://schemas.microsoft.com/office/2006/metadata/contentType"/>
@@ -5679,36 +7512,18 @@
 </ds:datastoreItem>
 </file>
 
-<file path=customXml/itemProps2.xml><?xml version="1.0" encoding="utf-8"?>
-<ds:datastoreItem xmlns:ds="http://schemas.openxmlformats.org/officeDocument/2006/customXml" ds:itemID="{09A24B84-AF68-4B06-89ED-A483BC44F19D}">
+<file path=customXml/itemProps3.xml><?xml version="1.0" encoding="utf-8"?>
+<ds:datastoreItem xmlns:ds="http://schemas.openxmlformats.org/officeDocument/2006/customXml" ds:itemID="{D1E5903D-C562-45A7-965B-C767CC23E665}">
   <ds:schemaRefs>
-    <ds:schemaRef ds:uri="http://schemas.openxmlformats.org/package/2006/metadata/core-properties"/>
-    <ds:schemaRef ds:uri="http://purl.org/dc/terms/"/>
-    <ds:schemaRef ds:uri="http://www.w3.org/XML/1998/namespace"/>
-    <ds:schemaRef ds:uri="http://schemas.microsoft.com/sharepoint/v3"/>
-    <ds:schemaRef ds:uri="http://schemas.microsoft.com/office/2006/metadata/properties"/>
-    <ds:schemaRef ds:uri="http://purl.org/dc/elements/1.1/"/>
-    <ds:schemaRef ds:uri="http://schemas.microsoft.com/office/2006/documentManagement/types"/>
-    <ds:schemaRef ds:uri="3062a005-2a53-49b8-87d1-0d9762f3d40a"/>
-    <ds:schemaRef ds:uri="9c035199-34fe-41f5-aa4a-b81609954cdd"/>
-    <ds:schemaRef ds:uri="http://schemas.microsoft.com/office/infopath/2007/PartnerControls"/>
-    <ds:schemaRef ds:uri="http://purl.org/dc/dcmitype/"/>
+    <ds:schemaRef ds:uri="http://schemas.microsoft.com/sharepoint/events"/>
   </ds:schemaRefs>
 </ds:datastoreItem>
 </file>
 
-<file path=customXml/itemProps3.xml><?xml version="1.0" encoding="utf-8"?>
+<file path=customXml/itemProps4.xml><?xml version="1.0" encoding="utf-8"?>
 <ds:datastoreItem xmlns:ds="http://schemas.openxmlformats.org/officeDocument/2006/customXml" ds:itemID="{2F079C28-9DF0-4EFB-8188-5610D5EC9E09}">
   <ds:schemaRefs>
     <ds:schemaRef ds:uri="http://schemas.microsoft.com/sharepoint/v3/contenttype/forms"/>
   </ds:schemaRefs>
 </ds:datastoreItem>
-</file>
-
-<file path=customXml/itemProps4.xml><?xml version="1.0" encoding="utf-8"?>
-<ds:datastoreItem xmlns:ds="http://schemas.openxmlformats.org/officeDocument/2006/customXml" ds:itemID="{D1E5903D-C562-45A7-965B-C767CC23E665}">
-  <ds:schemaRefs>
-    <ds:schemaRef ds:uri="http://schemas.microsoft.com/sharepoint/events"/>
-  </ds:schemaRefs>
-</ds:datastoreItem>
 </file>
--- a/course_material/TCCS-Frontend.pptx
+++ b/course_material/TCCS-Frontend.pptx
@@ -6,7 +6,7 @@
     <p:sldMasterId id="2147483648" r:id="rId6"/>
   </p:sldMasterIdLst>
   <p:notesMasterIdLst>
-    <p:notesMasterId r:id="rId22"/>
+    <p:notesMasterId r:id="rId25"/>
   </p:notesMasterIdLst>
   <p:sldIdLst>
     <p:sldId id="256" r:id="rId7"/>
@@ -15,15 +15,18 @@
     <p:sldId id="269" r:id="rId10"/>
     <p:sldId id="270" r:id="rId11"/>
     <p:sldId id="265" r:id="rId12"/>
-    <p:sldId id="268" r:id="rId13"/>
-    <p:sldId id="271" r:id="rId14"/>
-    <p:sldId id="272" r:id="rId15"/>
-    <p:sldId id="273" r:id="rId16"/>
-    <p:sldId id="275" r:id="rId17"/>
-    <p:sldId id="276" r:id="rId18"/>
-    <p:sldId id="277" r:id="rId19"/>
-    <p:sldId id="278" r:id="rId20"/>
-    <p:sldId id="279" r:id="rId21"/>
+    <p:sldId id="281" r:id="rId13"/>
+    <p:sldId id="280" r:id="rId14"/>
+    <p:sldId id="268" r:id="rId15"/>
+    <p:sldId id="271" r:id="rId16"/>
+    <p:sldId id="272" r:id="rId17"/>
+    <p:sldId id="282" r:id="rId18"/>
+    <p:sldId id="273" r:id="rId19"/>
+    <p:sldId id="275" r:id="rId20"/>
+    <p:sldId id="276" r:id="rId21"/>
+    <p:sldId id="277" r:id="rId22"/>
+    <p:sldId id="278" r:id="rId23"/>
+    <p:sldId id="279" r:id="rId24"/>
   </p:sldIdLst>
   <p:sldSz cx="12192000" cy="6858000"/>
   <p:notesSz cx="6797675" cy="9926638"/>
@@ -180,6 +183,7 @@
 <p1510:revInfo xmlns:a="http://schemas.openxmlformats.org/drawingml/2006/main" xmlns:r="http://schemas.openxmlformats.org/officeDocument/2006/relationships" xmlns:p1510="http://schemas.microsoft.com/office/powerpoint/2015/10/main">
   <p1510:revLst>
     <p1510:client id="{49E9DBAE-4FEF-41EE-8BD6-43D78200E18B}" v="11" dt="2018-06-04T21:27:08.185"/>
+    <p1510:client id="{CB932D6E-56D1-46C2-A157-7A807C2C9548}" v="5" dt="2018-06-05T08:22:03.707"/>
   </p1510:revLst>
 </p1510:revInfo>
 </file>
@@ -370,7 +374,7 @@
         </pc:spChg>
       </pc:sldChg>
       <pc:sldChg chg="add replId">
-        <pc:chgData name="Mikkel Steine" userId="S::mikkels@netcompany.com::e3a6fa7f-6b43-4e52-b274-68841d710d1d" providerId="AD" clId="Web-{49E9DBAE-4FEF-41EE-8BD6-43D78200E18B}" dt="2018-06-04T21:31:11.285" v="395"/>
+        <pc:chgData name="Mikkel Steine" userId="S::mikkels@netcompany.com::e3a6fa7f-6b43-4e52-b274-68841d710d1d" providerId="AD" clId="Web-{49E9DBAE-4FEF-41EE-8BD6-43D78200E18B}" dt="2018-06-04T21:31:11.285" v="395" actId="20577"/>
         <pc:sldMkLst>
           <pc:docMk/>
           <pc:sldMk cId="224518926" sldId="274"/>
@@ -453,11 +457,158 @@
         </pc:spChg>
       </pc:sldChg>
       <pc:sldChg chg="add replId">
-        <pc:chgData name="Mikkel Steine" userId="S::mikkels@netcompany.com::e3a6fa7f-6b43-4e52-b274-68841d710d1d" providerId="AD" clId="Web-{49E9DBAE-4FEF-41EE-8BD6-43D78200E18B}" dt="2018-06-04T21:39:53.738" v="651"/>
+        <pc:chgData name="Mikkel Steine" userId="S::mikkels@netcompany.com::e3a6fa7f-6b43-4e52-b274-68841d710d1d" providerId="AD" clId="Web-{49E9DBAE-4FEF-41EE-8BD6-43D78200E18B}" dt="2018-06-04T21:39:53.738" v="651" actId="20577"/>
         <pc:sldMkLst>
           <pc:docMk/>
           <pc:sldMk cId="3634765285" sldId="279"/>
         </pc:sldMkLst>
+      </pc:sldChg>
+    </pc:docChg>
+  </pc:docChgLst>
+  <pc:docChgLst>
+    <pc:chgData name="Fredrick Biering" userId="S::fredrickb@netcompany.com::18ac142e-7d44-450e-bab3-e9c59ebfbf95" providerId="AD" clId="Web-{CB932D6E-56D1-46C2-A157-7A807C2C9548}"/>
+    <pc:docChg chg="addSld delSld modSld sldOrd">
+      <pc:chgData name="Fredrick Biering" userId="S::fredrickb@netcompany.com::18ac142e-7d44-450e-bab3-e9c59ebfbf95" providerId="AD" clId="Web-{CB932D6E-56D1-46C2-A157-7A807C2C9548}" dt="2018-06-05T09:25:06.279" v="117"/>
+      <pc:docMkLst>
+        <pc:docMk/>
+      </pc:docMkLst>
+      <pc:sldChg chg="modSp">
+        <pc:chgData name="Fredrick Biering" userId="S::fredrickb@netcompany.com::18ac142e-7d44-450e-bab3-e9c59ebfbf95" providerId="AD" clId="Web-{CB932D6E-56D1-46C2-A157-7A807C2C9548}" dt="2018-06-05T08:50:55.842" v="84" actId="20577"/>
+        <pc:sldMkLst>
+          <pc:docMk/>
+          <pc:sldMk cId="1289836975" sldId="272"/>
+        </pc:sldMkLst>
+        <pc:spChg chg="mod">
+          <ac:chgData name="Fredrick Biering" userId="S::fredrickb@netcompany.com::18ac142e-7d44-450e-bab3-e9c59ebfbf95" providerId="AD" clId="Web-{CB932D6E-56D1-46C2-A157-7A807C2C9548}" dt="2018-06-05T08:50:55.842" v="84" actId="20577"/>
+          <ac:spMkLst>
+            <pc:docMk/>
+            <pc:sldMk cId="1289836975" sldId="272"/>
+            <ac:spMk id="5" creationId="{00000000-0000-0000-0000-000000000000}"/>
+          </ac:spMkLst>
+        </pc:spChg>
+      </pc:sldChg>
+      <pc:sldChg chg="modSp">
+        <pc:chgData name="Fredrick Biering" userId="S::fredrickb@netcompany.com::18ac142e-7d44-450e-bab3-e9c59ebfbf95" providerId="AD" clId="Web-{CB932D6E-56D1-46C2-A157-7A807C2C9548}" dt="2018-06-05T08:07:46.272" v="4" actId="20577"/>
+        <pc:sldMkLst>
+          <pc:docMk/>
+          <pc:sldMk cId="516405358" sldId="277"/>
+        </pc:sldMkLst>
+        <pc:spChg chg="mod">
+          <ac:chgData name="Fredrick Biering" userId="S::fredrickb@netcompany.com::18ac142e-7d44-450e-bab3-e9c59ebfbf95" providerId="AD" clId="Web-{CB932D6E-56D1-46C2-A157-7A807C2C9548}" dt="2018-06-05T08:07:46.272" v="4" actId="20577"/>
+          <ac:spMkLst>
+            <pc:docMk/>
+            <pc:sldMk cId="516405358" sldId="277"/>
+            <ac:spMk id="5" creationId="{00000000-0000-0000-0000-000000000000}"/>
+          </ac:spMkLst>
+        </pc:spChg>
+      </pc:sldChg>
+      <pc:sldChg chg="addSp delSp modSp new ord">
+        <pc:chgData name="Fredrick Biering" userId="S::fredrickb@netcompany.com::18ac142e-7d44-450e-bab3-e9c59ebfbf95" providerId="AD" clId="Web-{CB932D6E-56D1-46C2-A157-7A807C2C9548}" dt="2018-06-05T08:30:27.545" v="70" actId="14100"/>
+        <pc:sldMkLst>
+          <pc:docMk/>
+          <pc:sldMk cId="1892805665" sldId="280"/>
+        </pc:sldMkLst>
+        <pc:spChg chg="mod">
+          <ac:chgData name="Fredrick Biering" userId="S::fredrickb@netcompany.com::18ac142e-7d44-450e-bab3-e9c59ebfbf95" providerId="AD" clId="Web-{CB932D6E-56D1-46C2-A157-7A807C2C9548}" dt="2018-06-05T08:30:02.356" v="60" actId="20577"/>
+          <ac:spMkLst>
+            <pc:docMk/>
+            <pc:sldMk cId="1892805665" sldId="280"/>
+            <ac:spMk id="2" creationId="{0385963C-19C0-4807-AF91-8F32E7E4D014}"/>
+          </ac:spMkLst>
+        </pc:spChg>
+        <pc:spChg chg="mod">
+          <ac:chgData name="Fredrick Biering" userId="S::fredrickb@netcompany.com::18ac142e-7d44-450e-bab3-e9c59ebfbf95" providerId="AD" clId="Web-{CB932D6E-56D1-46C2-A157-7A807C2C9548}" dt="2018-06-05T08:30:21.076" v="68" actId="20577"/>
+          <ac:spMkLst>
+            <pc:docMk/>
+            <pc:sldMk cId="1892805665" sldId="280"/>
+            <ac:spMk id="3" creationId="{DDB1B732-D530-4F66-9120-5FE05F13CFFB}"/>
+          </ac:spMkLst>
+        </pc:spChg>
+        <pc:picChg chg="add del mod">
+          <ac:chgData name="Fredrick Biering" userId="S::fredrickb@netcompany.com::18ac142e-7d44-450e-bab3-e9c59ebfbf95" providerId="AD" clId="Web-{CB932D6E-56D1-46C2-A157-7A807C2C9548}" dt="2018-06-05T08:25:05.279" v="22" actId="14100"/>
+          <ac:picMkLst>
+            <pc:docMk/>
+            <pc:sldMk cId="1892805665" sldId="280"/>
+            <ac:picMk id="4" creationId="{677B3854-FFAB-4183-A21B-F7F31234660D}"/>
+          </ac:picMkLst>
+        </pc:picChg>
+        <pc:picChg chg="add mod">
+          <ac:chgData name="Fredrick Biering" userId="S::fredrickb@netcompany.com::18ac142e-7d44-450e-bab3-e9c59ebfbf95" providerId="AD" clId="Web-{CB932D6E-56D1-46C2-A157-7A807C2C9548}" dt="2018-06-05T08:30:27.545" v="70" actId="14100"/>
+          <ac:picMkLst>
+            <pc:docMk/>
+            <pc:sldMk cId="1892805665" sldId="280"/>
+            <ac:picMk id="6" creationId="{88DB142A-0725-4B32-B2CC-0D1FA70A8690}"/>
+          </ac:picMkLst>
+        </pc:picChg>
+      </pc:sldChg>
+      <pc:sldChg chg="addSp modSp new ord">
+        <pc:chgData name="Fredrick Biering" userId="S::fredrickb@netcompany.com::18ac142e-7d44-450e-bab3-e9c59ebfbf95" providerId="AD" clId="Web-{CB932D6E-56D1-46C2-A157-7A807C2C9548}" dt="2018-06-05T08:30:48.499" v="72" actId="14100"/>
+        <pc:sldMkLst>
+          <pc:docMk/>
+          <pc:sldMk cId="1233184607" sldId="281"/>
+        </pc:sldMkLst>
+        <pc:spChg chg="mod">
+          <ac:chgData name="Fredrick Biering" userId="S::fredrickb@netcompany.com::18ac142e-7d44-450e-bab3-e9c59ebfbf95" providerId="AD" clId="Web-{CB932D6E-56D1-46C2-A157-7A807C2C9548}" dt="2018-06-05T08:30:12.294" v="65" actId="20577"/>
+          <ac:spMkLst>
+            <pc:docMk/>
+            <pc:sldMk cId="1233184607" sldId="281"/>
+            <ac:spMk id="2" creationId="{CDCEC67E-57C3-4F1E-A6A5-E892C0BD9427}"/>
+          </ac:spMkLst>
+        </pc:spChg>
+        <pc:spChg chg="mod">
+          <ac:chgData name="Fredrick Biering" userId="S::fredrickb@netcompany.com::18ac142e-7d44-450e-bab3-e9c59ebfbf95" providerId="AD" clId="Web-{CB932D6E-56D1-46C2-A157-7A807C2C9548}" dt="2018-06-05T08:29:35.058" v="50" actId="20577"/>
+          <ac:spMkLst>
+            <pc:docMk/>
+            <pc:sldMk cId="1233184607" sldId="281"/>
+            <ac:spMk id="3" creationId="{BF13524A-CB33-4460-BD7C-4B1509E7B1C3}"/>
+          </ac:spMkLst>
+        </pc:spChg>
+        <pc:picChg chg="add mod">
+          <ac:chgData name="Fredrick Biering" userId="S::fredrickb@netcompany.com::18ac142e-7d44-450e-bab3-e9c59ebfbf95" providerId="AD" clId="Web-{CB932D6E-56D1-46C2-A157-7A807C2C9548}" dt="2018-06-05T08:30:48.499" v="72" actId="14100"/>
+          <ac:picMkLst>
+            <pc:docMk/>
+            <pc:sldMk cId="1233184607" sldId="281"/>
+            <ac:picMk id="4" creationId="{87B18EE3-4E4A-4E76-A626-533A2D86C108}"/>
+          </ac:picMkLst>
+        </pc:picChg>
+      </pc:sldChg>
+      <pc:sldChg chg="modSp new ord">
+        <pc:chgData name="Fredrick Biering" userId="S::fredrickb@netcompany.com::18ac142e-7d44-450e-bab3-e9c59ebfbf95" providerId="AD" clId="Web-{CB932D6E-56D1-46C2-A157-7A807C2C9548}" dt="2018-06-05T09:25:06.279" v="117"/>
+        <pc:sldMkLst>
+          <pc:docMk/>
+          <pc:sldMk cId="1688171124" sldId="282"/>
+        </pc:sldMkLst>
+        <pc:spChg chg="mod">
+          <ac:chgData name="Fredrick Biering" userId="S::fredrickb@netcompany.com::18ac142e-7d44-450e-bab3-e9c59ebfbf95" providerId="AD" clId="Web-{CB932D6E-56D1-46C2-A157-7A807C2C9548}" dt="2018-06-05T08:52:44.629" v="92" actId="20577"/>
+          <ac:spMkLst>
+            <pc:docMk/>
+            <pc:sldMk cId="1688171124" sldId="282"/>
+            <ac:spMk id="2" creationId="{765494E7-3FE9-498F-B9EC-0ACD8C5EE489}"/>
+          </ac:spMkLst>
+        </pc:spChg>
+        <pc:spChg chg="mod">
+          <ac:chgData name="Fredrick Biering" userId="S::fredrickb@netcompany.com::18ac142e-7d44-450e-bab3-e9c59ebfbf95" providerId="AD" clId="Web-{CB932D6E-56D1-46C2-A157-7A807C2C9548}" dt="2018-06-05T08:59:20.431" v="115" actId="20577"/>
+          <ac:spMkLst>
+            <pc:docMk/>
+            <pc:sldMk cId="1688171124" sldId="282"/>
+            <ac:spMk id="3" creationId="{ACC9B6C6-8614-43EA-B5C0-A4402A1EA750}"/>
+          </ac:spMkLst>
+        </pc:spChg>
+      </pc:sldChg>
+      <pc:sldChg chg="modSp new del">
+        <pc:chgData name="Fredrick Biering" userId="S::fredrickb@netcompany.com::18ac142e-7d44-450e-bab3-e9c59ebfbf95" providerId="AD" clId="Web-{CB932D6E-56D1-46C2-A157-7A807C2C9548}" dt="2018-06-05T08:50:22.466" v="83" actId="20577"/>
+        <pc:sldMkLst>
+          <pc:docMk/>
+          <pc:sldMk cId="3565507738" sldId="282"/>
+        </pc:sldMkLst>
+        <pc:spChg chg="mod">
+          <ac:chgData name="Fredrick Biering" userId="S::fredrickb@netcompany.com::18ac142e-7d44-450e-bab3-e9c59ebfbf95" providerId="AD" clId="Web-{CB932D6E-56D1-46C2-A157-7A807C2C9548}" dt="2018-06-05T08:50:07.481" v="82" actId="20577"/>
+          <ac:spMkLst>
+            <pc:docMk/>
+            <pc:sldMk cId="3565507738" sldId="282"/>
+            <ac:spMk id="2" creationId="{C6D5308C-8300-4640-97C1-81D3803CC9CC}"/>
+          </ac:spMkLst>
+        </pc:spChg>
       </pc:sldChg>
     </pc:docChg>
   </pc:docChgLst>
@@ -545,7 +696,7 @@
           </a:lstStyle>
           <a:p>
             <a:fld id="{C7DBBFD3-6343-324F-8648-82EA0B3F1D65}" type="datetimeFigureOut">
-              <a:t>6/4/2018</a:t>
+              <a:t>6/5/2018</a:t>
             </a:fld>
             <a:endParaRPr lang="da-DK"/>
           </a:p>
@@ -856,7 +1007,7 @@
           <a:lstStyle/>
           <a:p>
             <a:r>
-              <a:rPr lang="en-US" sz="1200" kern="1200" dirty="0">
+              <a:rPr lang="en-US" sz="1200" kern="1200">
                 <a:solidFill>
                   <a:schemeClr val="tx1"/>
                 </a:solidFill>
@@ -868,7 +1019,7 @@
               <a:t>For at </a:t>
             </a:r>
             <a:r>
-              <a:rPr lang="en-US" sz="1200" kern="1200" dirty="0" err="1">
+              <a:rPr lang="en-US" sz="1200" kern="1200" err="1">
                 <a:solidFill>
                   <a:schemeClr val="tx1"/>
                 </a:solidFill>
@@ -880,7 +1031,7 @@
               <a:t>rette</a:t>
             </a:r>
             <a:r>
-              <a:rPr lang="en-US" sz="1200" kern="1200" dirty="0">
+              <a:rPr lang="en-US" sz="1200" kern="1200">
                 <a:solidFill>
                   <a:schemeClr val="tx1"/>
                 </a:solidFill>
@@ -892,7 +1043,7 @@
               <a:t> KUNDENAVN</a:t>
             </a:r>
             <a:r>
-              <a:rPr lang="en-US" sz="1200" kern="1200" baseline="0" dirty="0">
+              <a:rPr lang="en-US" sz="1200" kern="1200" baseline="0">
                 <a:solidFill>
                   <a:schemeClr val="tx1"/>
                 </a:solidFill>
@@ -903,7 +1054,7 @@
               </a:rPr>
               <a:t> – PROJEKTNAVN:</a:t>
             </a:r>
-            <a:endParaRPr lang="en-US" sz="1200" kern="1200" dirty="0">
+            <a:endParaRPr lang="en-US" sz="1200" kern="1200">
               <a:solidFill>
                 <a:schemeClr val="tx1"/>
               </a:solidFill>
@@ -915,7 +1066,7 @@
           </a:p>
           <a:p>
             <a:r>
-              <a:rPr lang="en-US" sz="1200" kern="1200" dirty="0">
+              <a:rPr lang="en-US" sz="1200" kern="1200">
                 <a:solidFill>
                   <a:schemeClr val="tx1"/>
                 </a:solidFill>
@@ -926,7 +1077,7 @@
               </a:rPr>
               <a:t>1.       Click View</a:t>
             </a:r>
-            <a:endParaRPr lang="da-DK" sz="1200" kern="1200" dirty="0">
+            <a:endParaRPr lang="da-DK" sz="1200" kern="1200">
               <a:solidFill>
                 <a:schemeClr val="tx1"/>
               </a:solidFill>
@@ -938,7 +1089,7 @@
           </a:p>
           <a:p>
             <a:r>
-              <a:rPr lang="en-US" sz="1200" kern="1200" dirty="0">
+              <a:rPr lang="en-US" sz="1200" kern="1200">
                 <a:solidFill>
                   <a:schemeClr val="tx1"/>
                 </a:solidFill>
@@ -949,7 +1100,7 @@
               </a:rPr>
               <a:t>2.       Click Slide master</a:t>
             </a:r>
-            <a:endParaRPr lang="da-DK" sz="1200" kern="1200" dirty="0">
+            <a:endParaRPr lang="da-DK" sz="1200" kern="1200">
               <a:solidFill>
                 <a:schemeClr val="tx1"/>
               </a:solidFill>
@@ -961,7 +1112,7 @@
           </a:p>
           <a:p>
             <a:r>
-              <a:rPr lang="en-US" sz="1200" kern="1200" dirty="0">
+              <a:rPr lang="en-US" sz="1200" kern="1200">
                 <a:solidFill>
                   <a:schemeClr val="tx1"/>
                 </a:solidFill>
@@ -973,7 +1124,7 @@
               <a:t>3.       Scroll </a:t>
             </a:r>
             <a:r>
-              <a:rPr lang="en-US" sz="1200" kern="1200" dirty="0" err="1">
+              <a:rPr lang="en-US" sz="1200" kern="1200" err="1">
                 <a:solidFill>
                   <a:schemeClr val="tx1"/>
                 </a:solidFill>
@@ -985,7 +1136,7 @@
               <a:t>til</a:t>
             </a:r>
             <a:r>
-              <a:rPr lang="en-US" sz="1200" kern="1200" baseline="0" dirty="0">
+              <a:rPr lang="en-US" sz="1200" kern="1200" baseline="0">
                 <a:solidFill>
                   <a:schemeClr val="tx1"/>
                 </a:solidFill>
@@ -997,7 +1148,7 @@
               <a:t> den </a:t>
             </a:r>
             <a:r>
-              <a:rPr lang="en-US" sz="1200" kern="1200" baseline="0" dirty="0" err="1">
+              <a:rPr lang="en-US" sz="1200" kern="1200" baseline="0" err="1">
                 <a:solidFill>
                   <a:schemeClr val="tx1"/>
                 </a:solidFill>
@@ -1009,7 +1160,7 @@
               <a:t>første</a:t>
             </a:r>
             <a:r>
-              <a:rPr lang="en-US" sz="1200" kern="1200" dirty="0">
+              <a:rPr lang="en-US" sz="1200" kern="1200">
                 <a:solidFill>
                   <a:schemeClr val="tx1"/>
                 </a:solidFill>
@@ -1021,7 +1172,7 @@
               <a:t> slide </a:t>
             </a:r>
             <a:r>
-              <a:rPr lang="en-US" sz="1200" kern="1200" dirty="0" err="1">
+              <a:rPr lang="en-US" sz="1200" kern="1200" err="1">
                 <a:solidFill>
                   <a:schemeClr val="tx1"/>
                 </a:solidFill>
@@ -1033,7 +1184,7 @@
               <a:t>i</a:t>
             </a:r>
             <a:r>
-              <a:rPr lang="en-US" sz="1200" kern="1200" baseline="0" dirty="0">
+              <a:rPr lang="en-US" sz="1200" kern="1200" baseline="0">
                 <a:solidFill>
                   <a:schemeClr val="tx1"/>
                 </a:solidFill>
@@ -1045,7 +1196,7 @@
               <a:t> </a:t>
             </a:r>
             <a:r>
-              <a:rPr lang="en-US" sz="1200" kern="1200" baseline="0" dirty="0" err="1">
+              <a:rPr lang="en-US" sz="1200" kern="1200" baseline="0" err="1">
                 <a:solidFill>
                   <a:schemeClr val="tx1"/>
                 </a:solidFill>
@@ -1057,7 +1208,7 @@
               <a:t>venstre</a:t>
             </a:r>
             <a:r>
-              <a:rPr lang="en-US" sz="1200" kern="1200" baseline="0" dirty="0">
+              <a:rPr lang="en-US" sz="1200" kern="1200" baseline="0">
                 <a:solidFill>
                   <a:schemeClr val="tx1"/>
                 </a:solidFill>
@@ -1069,7 +1220,7 @@
               <a:t> </a:t>
             </a:r>
             <a:r>
-              <a:rPr lang="en-US" sz="1200" kern="1200" baseline="0" dirty="0" err="1">
+              <a:rPr lang="en-US" sz="1200" kern="1200" baseline="0" err="1">
                 <a:solidFill>
                   <a:schemeClr val="tx1"/>
                 </a:solidFill>
@@ -1080,7 +1231,7 @@
               </a:rPr>
               <a:t>menuen</a:t>
             </a:r>
-            <a:endParaRPr lang="da-DK" sz="1200" kern="1200" dirty="0">
+            <a:endParaRPr lang="da-DK" sz="1200" kern="1200">
               <a:solidFill>
                 <a:schemeClr val="tx1"/>
               </a:solidFill>
@@ -1092,7 +1243,7 @@
           </a:p>
           <a:p>
             <a:r>
-              <a:rPr lang="en-US" sz="1200" kern="1200" dirty="0">
+              <a:rPr lang="en-US" sz="1200" kern="1200">
                 <a:solidFill>
                   <a:schemeClr val="tx1"/>
                 </a:solidFill>
@@ -1104,7 +1255,7 @@
               <a:t>4.       Ret KUNDENAVN</a:t>
             </a:r>
             <a:r>
-              <a:rPr lang="en-US" sz="1200" kern="1200" baseline="0" dirty="0">
+              <a:rPr lang="en-US" sz="1200" kern="1200" baseline="0">
                 <a:solidFill>
                   <a:schemeClr val="tx1"/>
                 </a:solidFill>
@@ -1116,7 +1267,7 @@
               <a:t> – PROJEKTNAVN </a:t>
             </a:r>
             <a:r>
-              <a:rPr lang="en-US" sz="1200" kern="1200" baseline="0" dirty="0" err="1">
+              <a:rPr lang="en-US" sz="1200" kern="1200" baseline="0" err="1">
                 <a:solidFill>
                   <a:schemeClr val="tx1"/>
                 </a:solidFill>
@@ -1128,7 +1279,7 @@
               <a:t>i</a:t>
             </a:r>
             <a:r>
-              <a:rPr lang="en-US" sz="1200" kern="1200" baseline="0" dirty="0">
+              <a:rPr lang="en-US" sz="1200" kern="1200" baseline="0">
                 <a:solidFill>
                   <a:schemeClr val="tx1"/>
                 </a:solidFill>
@@ -1140,7 +1291,7 @@
               <a:t> slide </a:t>
             </a:r>
             <a:r>
-              <a:rPr lang="en-US" sz="1200" kern="1200" baseline="0" dirty="0" err="1">
+              <a:rPr lang="en-US" sz="1200" kern="1200" baseline="0" err="1">
                 <a:solidFill>
                   <a:schemeClr val="tx1"/>
                 </a:solidFill>
@@ -1152,7 +1303,7 @@
               <a:t>mastere</a:t>
             </a:r>
             <a:r>
-              <a:rPr lang="en-US" sz="1200" kern="1200" baseline="0" dirty="0">
+              <a:rPr lang="en-US" sz="1200" kern="1200" baseline="0">
                 <a:solidFill>
                   <a:schemeClr val="tx1"/>
                 </a:solidFill>
@@ -1164,7 +1315,7 @@
               <a:t> </a:t>
             </a:r>
             <a:r>
-              <a:rPr lang="en-US" sz="1200" kern="1200" baseline="0" dirty="0" err="1">
+              <a:rPr lang="en-US" sz="1200" kern="1200" baseline="0" err="1">
                 <a:solidFill>
                   <a:schemeClr val="tx1"/>
                 </a:solidFill>
@@ -1176,7 +1327,7 @@
               <a:t>til</a:t>
             </a:r>
             <a:r>
-              <a:rPr lang="en-US" sz="1200" kern="1200" baseline="0" dirty="0">
+              <a:rPr lang="en-US" sz="1200" kern="1200" baseline="0">
                 <a:solidFill>
                   <a:schemeClr val="tx1"/>
                 </a:solidFill>
@@ -1188,7 +1339,7 @@
               <a:t> </a:t>
             </a:r>
             <a:r>
-              <a:rPr lang="en-US" sz="1200" kern="1200" baseline="0" dirty="0" err="1">
+              <a:rPr lang="en-US" sz="1200" kern="1200" baseline="0" err="1">
                 <a:solidFill>
                   <a:schemeClr val="tx1"/>
                 </a:solidFill>
@@ -1199,7 +1350,7 @@
               </a:rPr>
               <a:t>højre</a:t>
             </a:r>
-            <a:endParaRPr lang="da-DK" sz="1200" kern="1200" dirty="0">
+            <a:endParaRPr lang="da-DK" sz="1200" kern="1200">
               <a:solidFill>
                 <a:schemeClr val="tx1"/>
               </a:solidFill>
@@ -1211,7 +1362,7 @@
           </a:p>
           <a:p>
             <a:r>
-              <a:rPr lang="en-US" sz="1200" kern="1200" dirty="0">
+              <a:rPr lang="en-US" sz="1200" kern="1200">
                 <a:solidFill>
                   <a:schemeClr val="tx1"/>
                 </a:solidFill>
@@ -1222,7 +1373,7 @@
               </a:rPr>
               <a:t>5.       Click Close Master View</a:t>
             </a:r>
-            <a:endParaRPr lang="da-DK" sz="1200" kern="1200" dirty="0">
+            <a:endParaRPr lang="da-DK" sz="1200" kern="1200">
               <a:solidFill>
                 <a:schemeClr val="tx1"/>
               </a:solidFill>
@@ -1315,7 +1466,7 @@
           <a:lstStyle/>
           <a:p>
             <a:r>
-              <a:rPr lang="en-US" sz="1200" kern="1200" dirty="0">
+              <a:rPr lang="en-US" sz="1200" kern="1200">
                 <a:solidFill>
                   <a:schemeClr val="tx1"/>
                 </a:solidFill>
@@ -1327,7 +1478,7 @@
               <a:t>For at </a:t>
             </a:r>
             <a:r>
-              <a:rPr lang="en-US" sz="1200" kern="1200" dirty="0" err="1">
+              <a:rPr lang="en-US" sz="1200" kern="1200" err="1">
                 <a:solidFill>
                   <a:schemeClr val="tx1"/>
                 </a:solidFill>
@@ -1339,7 +1490,7 @@
               <a:t>rette</a:t>
             </a:r>
             <a:r>
-              <a:rPr lang="en-US" sz="1200" kern="1200" dirty="0">
+              <a:rPr lang="en-US" sz="1200" kern="1200">
                 <a:solidFill>
                   <a:schemeClr val="tx1"/>
                 </a:solidFill>
@@ -1351,7 +1502,7 @@
               <a:t> KUNDENAVN</a:t>
             </a:r>
             <a:r>
-              <a:rPr lang="en-US" sz="1200" kern="1200" baseline="0" dirty="0">
+              <a:rPr lang="en-US" sz="1200" kern="1200" baseline="0">
                 <a:solidFill>
                   <a:schemeClr val="tx1"/>
                 </a:solidFill>
@@ -1362,7 +1513,7 @@
               </a:rPr>
               <a:t> – PROJEKTNAVN:</a:t>
             </a:r>
-            <a:endParaRPr lang="en-US" sz="1200" kern="1200" dirty="0">
+            <a:endParaRPr lang="en-US" sz="1200" kern="1200">
               <a:solidFill>
                 <a:schemeClr val="tx1"/>
               </a:solidFill>
@@ -1374,7 +1525,7 @@
           </a:p>
           <a:p>
             <a:r>
-              <a:rPr lang="en-US" sz="1200" kern="1200" dirty="0">
+              <a:rPr lang="en-US" sz="1200" kern="1200">
                 <a:solidFill>
                   <a:schemeClr val="tx1"/>
                 </a:solidFill>
@@ -1385,7 +1536,7 @@
               </a:rPr>
               <a:t>1.       Click View</a:t>
             </a:r>
-            <a:endParaRPr lang="da-DK" sz="1200" kern="1200" dirty="0">
+            <a:endParaRPr lang="da-DK" sz="1200" kern="1200">
               <a:solidFill>
                 <a:schemeClr val="tx1"/>
               </a:solidFill>
@@ -1397,7 +1548,7 @@
           </a:p>
           <a:p>
             <a:r>
-              <a:rPr lang="en-US" sz="1200" kern="1200" dirty="0">
+              <a:rPr lang="en-US" sz="1200" kern="1200">
                 <a:solidFill>
                   <a:schemeClr val="tx1"/>
                 </a:solidFill>
@@ -1408,7 +1559,7 @@
               </a:rPr>
               <a:t>2.       Click Slide master</a:t>
             </a:r>
-            <a:endParaRPr lang="da-DK" sz="1200" kern="1200" dirty="0">
+            <a:endParaRPr lang="da-DK" sz="1200" kern="1200">
               <a:solidFill>
                 <a:schemeClr val="tx1"/>
               </a:solidFill>
@@ -1420,7 +1571,7 @@
           </a:p>
           <a:p>
             <a:r>
-              <a:rPr lang="en-US" sz="1200" kern="1200" dirty="0">
+              <a:rPr lang="en-US" sz="1200" kern="1200">
                 <a:solidFill>
                   <a:schemeClr val="tx1"/>
                 </a:solidFill>
@@ -1432,7 +1583,7 @@
               <a:t>3.       Scroll </a:t>
             </a:r>
             <a:r>
-              <a:rPr lang="en-US" sz="1200" kern="1200" dirty="0" err="1">
+              <a:rPr lang="en-US" sz="1200" kern="1200" err="1">
                 <a:solidFill>
                   <a:schemeClr val="tx1"/>
                 </a:solidFill>
@@ -1444,7 +1595,7 @@
               <a:t>til</a:t>
             </a:r>
             <a:r>
-              <a:rPr lang="en-US" sz="1200" kern="1200" baseline="0" dirty="0">
+              <a:rPr lang="en-US" sz="1200" kern="1200" baseline="0">
                 <a:solidFill>
                   <a:schemeClr val="tx1"/>
                 </a:solidFill>
@@ -1456,7 +1607,7 @@
               <a:t> den </a:t>
             </a:r>
             <a:r>
-              <a:rPr lang="en-US" sz="1200" kern="1200" baseline="0" dirty="0" err="1">
+              <a:rPr lang="en-US" sz="1200" kern="1200" baseline="0" err="1">
                 <a:solidFill>
                   <a:schemeClr val="tx1"/>
                 </a:solidFill>
@@ -1468,7 +1619,7 @@
               <a:t>første</a:t>
             </a:r>
             <a:r>
-              <a:rPr lang="en-US" sz="1200" kern="1200" dirty="0">
+              <a:rPr lang="en-US" sz="1200" kern="1200">
                 <a:solidFill>
                   <a:schemeClr val="tx1"/>
                 </a:solidFill>
@@ -1480,7 +1631,7 @@
               <a:t> slide </a:t>
             </a:r>
             <a:r>
-              <a:rPr lang="en-US" sz="1200" kern="1200" dirty="0" err="1">
+              <a:rPr lang="en-US" sz="1200" kern="1200" err="1">
                 <a:solidFill>
                   <a:schemeClr val="tx1"/>
                 </a:solidFill>
@@ -1492,7 +1643,7 @@
               <a:t>i</a:t>
             </a:r>
             <a:r>
-              <a:rPr lang="en-US" sz="1200" kern="1200" baseline="0" dirty="0">
+              <a:rPr lang="en-US" sz="1200" kern="1200" baseline="0">
                 <a:solidFill>
                   <a:schemeClr val="tx1"/>
                 </a:solidFill>
@@ -1504,7 +1655,7 @@
               <a:t> </a:t>
             </a:r>
             <a:r>
-              <a:rPr lang="en-US" sz="1200" kern="1200" baseline="0" dirty="0" err="1">
+              <a:rPr lang="en-US" sz="1200" kern="1200" baseline="0" err="1">
                 <a:solidFill>
                   <a:schemeClr val="tx1"/>
                 </a:solidFill>
@@ -1516,7 +1667,7 @@
               <a:t>venstre</a:t>
             </a:r>
             <a:r>
-              <a:rPr lang="en-US" sz="1200" kern="1200" baseline="0" dirty="0">
+              <a:rPr lang="en-US" sz="1200" kern="1200" baseline="0">
                 <a:solidFill>
                   <a:schemeClr val="tx1"/>
                 </a:solidFill>
@@ -1528,7 +1679,7 @@
               <a:t> </a:t>
             </a:r>
             <a:r>
-              <a:rPr lang="en-US" sz="1200" kern="1200" baseline="0" dirty="0" err="1">
+              <a:rPr lang="en-US" sz="1200" kern="1200" baseline="0" err="1">
                 <a:solidFill>
                   <a:schemeClr val="tx1"/>
                 </a:solidFill>
@@ -1539,7 +1690,7 @@
               </a:rPr>
               <a:t>menuen</a:t>
             </a:r>
-            <a:endParaRPr lang="da-DK" sz="1200" kern="1200" dirty="0">
+            <a:endParaRPr lang="da-DK" sz="1200" kern="1200">
               <a:solidFill>
                 <a:schemeClr val="tx1"/>
               </a:solidFill>
@@ -1551,7 +1702,7 @@
           </a:p>
           <a:p>
             <a:r>
-              <a:rPr lang="en-US" sz="1200" kern="1200" dirty="0">
+              <a:rPr lang="en-US" sz="1200" kern="1200">
                 <a:solidFill>
                   <a:schemeClr val="tx1"/>
                 </a:solidFill>
@@ -1563,7 +1714,7 @@
               <a:t>4.       Ret KUNDENAVN</a:t>
             </a:r>
             <a:r>
-              <a:rPr lang="en-US" sz="1200" kern="1200" baseline="0" dirty="0">
+              <a:rPr lang="en-US" sz="1200" kern="1200" baseline="0">
                 <a:solidFill>
                   <a:schemeClr val="tx1"/>
                 </a:solidFill>
@@ -1575,7 +1726,7 @@
               <a:t> – PROJEKTNAVN </a:t>
             </a:r>
             <a:r>
-              <a:rPr lang="en-US" sz="1200" kern="1200" baseline="0" dirty="0" err="1">
+              <a:rPr lang="en-US" sz="1200" kern="1200" baseline="0" err="1">
                 <a:solidFill>
                   <a:schemeClr val="tx1"/>
                 </a:solidFill>
@@ -1587,7 +1738,7 @@
               <a:t>i</a:t>
             </a:r>
             <a:r>
-              <a:rPr lang="en-US" sz="1200" kern="1200" baseline="0" dirty="0">
+              <a:rPr lang="en-US" sz="1200" kern="1200" baseline="0">
                 <a:solidFill>
                   <a:schemeClr val="tx1"/>
                 </a:solidFill>
@@ -1599,7 +1750,7 @@
               <a:t> slide </a:t>
             </a:r>
             <a:r>
-              <a:rPr lang="en-US" sz="1200" kern="1200" baseline="0" dirty="0" err="1">
+              <a:rPr lang="en-US" sz="1200" kern="1200" baseline="0" err="1">
                 <a:solidFill>
                   <a:schemeClr val="tx1"/>
                 </a:solidFill>
@@ -1611,7 +1762,7 @@
               <a:t>mastere</a:t>
             </a:r>
             <a:r>
-              <a:rPr lang="en-US" sz="1200" kern="1200" baseline="0" dirty="0">
+              <a:rPr lang="en-US" sz="1200" kern="1200" baseline="0">
                 <a:solidFill>
                   <a:schemeClr val="tx1"/>
                 </a:solidFill>
@@ -1623,7 +1774,7 @@
               <a:t> </a:t>
             </a:r>
             <a:r>
-              <a:rPr lang="en-US" sz="1200" kern="1200" baseline="0" dirty="0" err="1">
+              <a:rPr lang="en-US" sz="1200" kern="1200" baseline="0" err="1">
                 <a:solidFill>
                   <a:schemeClr val="tx1"/>
                 </a:solidFill>
@@ -1635,7 +1786,7 @@
               <a:t>til</a:t>
             </a:r>
             <a:r>
-              <a:rPr lang="en-US" sz="1200" kern="1200" baseline="0" dirty="0">
+              <a:rPr lang="en-US" sz="1200" kern="1200" baseline="0">
                 <a:solidFill>
                   <a:schemeClr val="tx1"/>
                 </a:solidFill>
@@ -1647,7 +1798,7 @@
               <a:t> </a:t>
             </a:r>
             <a:r>
-              <a:rPr lang="en-US" sz="1200" kern="1200" baseline="0" dirty="0" err="1">
+              <a:rPr lang="en-US" sz="1200" kern="1200" baseline="0" err="1">
                 <a:solidFill>
                   <a:schemeClr val="tx1"/>
                 </a:solidFill>
@@ -1658,7 +1809,7 @@
               </a:rPr>
               <a:t>højre</a:t>
             </a:r>
-            <a:endParaRPr lang="da-DK" sz="1200" kern="1200" dirty="0">
+            <a:endParaRPr lang="da-DK" sz="1200" kern="1200">
               <a:solidFill>
                 <a:schemeClr val="tx1"/>
               </a:solidFill>
@@ -1670,7 +1821,7 @@
           </a:p>
           <a:p>
             <a:r>
-              <a:rPr lang="en-US" sz="1200" kern="1200" dirty="0">
+              <a:rPr lang="en-US" sz="1200" kern="1200">
                 <a:solidFill>
                   <a:schemeClr val="tx1"/>
                 </a:solidFill>
@@ -1681,7 +1832,7 @@
               </a:rPr>
               <a:t>5.       Click Close Master View</a:t>
             </a:r>
-            <a:endParaRPr lang="da-DK" sz="1200" kern="1200" dirty="0">
+            <a:endParaRPr lang="da-DK" sz="1200" kern="1200">
               <a:solidFill>
                 <a:schemeClr val="tx1"/>
               </a:solidFill>
@@ -1841,7 +1992,7 @@
           </a:lstStyle>
           <a:p>
             <a:r>
-              <a:rPr lang="en-US" noProof="0" dirty="0"/>
+              <a:rPr lang="en-US" noProof="0"/>
               <a:t>Slide Title</a:t>
             </a:r>
           </a:p>
@@ -1888,7 +2039,7 @@
           <a:p>
             <a:pPr lvl="0"/>
             <a:r>
-              <a:rPr lang="en-US" noProof="0" dirty="0"/>
+              <a:rPr lang="en-US" noProof="0"/>
               <a:t>Body Text</a:t>
             </a:r>
           </a:p>
@@ -1966,7 +2117,7 @@
           </a:lstStyle>
           <a:p>
             <a:r>
-              <a:rPr lang="en-US" noProof="0" dirty="0"/>
+              <a:rPr lang="en-US" noProof="0"/>
               <a:t>Presentation Title</a:t>
             </a:r>
           </a:p>
@@ -2087,38 +2238,38 @@
           </a:lstStyle>
           <a:p>
             <a:r>
-              <a:rPr lang="nb-NO" noProof="0" dirty="0"/>
+              <a:rPr lang="nb-NO" noProof="0"/>
               <a:t>[City], [</a:t>
             </a:r>
             <a:r>
-              <a:rPr lang="nb-NO" noProof="0" dirty="0" err="1"/>
+              <a:rPr lang="nb-NO" noProof="0" err="1"/>
               <a:t>dd</a:t>
             </a:r>
             <a:r>
-              <a:rPr lang="nb-NO" noProof="0" dirty="0"/>
+              <a:rPr lang="nb-NO" noProof="0"/>
               <a:t>. </a:t>
             </a:r>
             <a:r>
-              <a:rPr lang="nb-NO" noProof="0" dirty="0" err="1"/>
+              <a:rPr lang="nb-NO" noProof="0" err="1"/>
               <a:t>Month</a:t>
             </a:r>
             <a:r>
-              <a:rPr lang="nb-NO" noProof="0" dirty="0"/>
+              <a:rPr lang="nb-NO" noProof="0"/>
               <a:t> </a:t>
             </a:r>
             <a:r>
-              <a:rPr lang="nb-NO" noProof="0" dirty="0" err="1"/>
+              <a:rPr lang="nb-NO" noProof="0" err="1"/>
               <a:t>yyyy</a:t>
             </a:r>
             <a:r>
-              <a:rPr lang="nb-NO" noProof="0" dirty="0"/>
+              <a:rPr lang="nb-NO" noProof="0"/>
               <a:t>] </a:t>
             </a:r>
             <a:r>
-              <a:rPr lang="en-US" noProof="0" dirty="0"/>
+              <a:rPr lang="en-US" noProof="0"/>
               <a:t>Insert blank if this line is irrelevant</a:t>
             </a:r>
-            <a:endParaRPr lang="nb-NO" noProof="0" dirty="0"/>
+            <a:endParaRPr lang="nb-NO" noProof="0"/>
           </a:p>
         </p:txBody>
       </p:sp>
@@ -2174,7 +2325,7 @@
           <a:p>
             <a:pPr lvl="0"/>
             <a:r>
-              <a:rPr lang="nb-NO" noProof="0" dirty="0"/>
+              <a:rPr lang="nb-NO" noProof="0"/>
               <a:t>Klikk for å redigere teksttypografien i masteren</a:t>
             </a:r>
           </a:p>
@@ -2261,13 +2412,13 @@
               <a:defRPr/>
             </a:pPr>
             <a:r>
-              <a:rPr lang="en-US" noProof="0" dirty="0"/>
+              <a:rPr lang="en-US" noProof="0"/>
               <a:t>Customer name – project name</a:t>
             </a:r>
           </a:p>
           <a:p>
             <a:pPr lvl="0"/>
-            <a:endParaRPr lang="nb-NO" noProof="0" dirty="0"/>
+            <a:endParaRPr lang="nb-NO" noProof="0"/>
           </a:p>
         </p:txBody>
       </p:sp>
@@ -2323,42 +2474,42 @@
           <a:p>
             <a:pPr lvl="0"/>
             <a:r>
-              <a:rPr lang="en-US" noProof="0" dirty="0" err="1"/>
+              <a:rPr lang="en-US" noProof="0" err="1"/>
               <a:t>Klikk</a:t>
             </a:r>
             <a:r>
-              <a:rPr lang="en-US" noProof="0" dirty="0"/>
+              <a:rPr lang="en-US" noProof="0"/>
               <a:t> for å </a:t>
             </a:r>
             <a:r>
-              <a:rPr lang="en-US" noProof="0" dirty="0" err="1"/>
+              <a:rPr lang="en-US" noProof="0" err="1"/>
               <a:t>redigere</a:t>
             </a:r>
             <a:r>
-              <a:rPr lang="en-US" noProof="0" dirty="0"/>
+              <a:rPr lang="en-US" noProof="0"/>
               <a:t> </a:t>
             </a:r>
             <a:r>
-              <a:rPr lang="en-US" noProof="0" dirty="0" err="1"/>
+              <a:rPr lang="en-US" noProof="0" err="1"/>
               <a:t>teksttypografien</a:t>
             </a:r>
             <a:r>
-              <a:rPr lang="en-US" noProof="0" dirty="0"/>
+              <a:rPr lang="en-US" noProof="0"/>
               <a:t> </a:t>
             </a:r>
             <a:r>
-              <a:rPr lang="en-US" noProof="0" dirty="0" err="1"/>
+              <a:rPr lang="en-US" noProof="0" err="1"/>
               <a:t>i</a:t>
             </a:r>
             <a:r>
-              <a:rPr lang="en-US" noProof="0" dirty="0"/>
+              <a:rPr lang="en-US" noProof="0"/>
               <a:t> </a:t>
             </a:r>
             <a:r>
-              <a:rPr lang="en-US" noProof="0" dirty="0" err="1"/>
+              <a:rPr lang="en-US" noProof="0" err="1"/>
               <a:t>masteren</a:t>
             </a:r>
-            <a:endParaRPr lang="en-US" noProof="0" dirty="0"/>
+            <a:endParaRPr lang="en-US" noProof="0"/>
           </a:p>
         </p:txBody>
       </p:sp>
@@ -2533,7 +2684,7 @@
           </a:lstStyle>
           <a:p>
             <a:r>
-              <a:rPr lang="en-US" noProof="0" dirty="0"/>
+              <a:rPr lang="en-US" noProof="0"/>
               <a:t>Slide Title</a:t>
             </a:r>
           </a:p>
@@ -2580,7 +2731,7 @@
           <a:p>
             <a:pPr lvl="0"/>
             <a:r>
-              <a:rPr lang="en-US" noProof="0" dirty="0"/>
+              <a:rPr lang="en-US" noProof="0"/>
               <a:t>Body Text</a:t>
             </a:r>
           </a:p>
@@ -2711,7 +2862,7 @@
           </a:lstStyle>
           <a:p>
             <a:r>
-              <a:rPr lang="en-US" noProof="0" dirty="0"/>
+              <a:rPr lang="en-US" noProof="0"/>
               <a:t>Slide Title</a:t>
             </a:r>
           </a:p>
@@ -2759,7 +2910,7 @@
           <a:p>
             <a:pPr lvl="0"/>
             <a:r>
-              <a:rPr lang="en-US" noProof="0" dirty="0"/>
+              <a:rPr lang="en-US" noProof="0"/>
               <a:t>Body Text</a:t>
             </a:r>
           </a:p>
@@ -2890,7 +3041,7 @@
           </a:lstStyle>
           <a:p>
             <a:r>
-              <a:rPr lang="en-US" noProof="0" dirty="0"/>
+              <a:rPr lang="en-US" noProof="0"/>
               <a:t>Slide Title</a:t>
             </a:r>
           </a:p>
@@ -2938,7 +3089,7 @@
           <a:p>
             <a:pPr lvl="0"/>
             <a:r>
-              <a:rPr lang="en-US" noProof="0" dirty="0"/>
+              <a:rPr lang="en-US" noProof="0"/>
               <a:t>Body Text</a:t>
             </a:r>
           </a:p>
@@ -2994,7 +3145,7 @@
           </a:lstStyle>
           <a:p>
             <a:r>
-              <a:rPr lang="en-US" noProof="0" dirty="0"/>
+              <a:rPr lang="en-US" noProof="0"/>
               <a:t>Slide Title</a:t>
             </a:r>
           </a:p>
@@ -3125,7 +3276,7 @@
           </a:lstStyle>
           <a:p>
             <a:r>
-              <a:rPr lang="en-US" noProof="0" dirty="0"/>
+              <a:rPr lang="en-US" noProof="0"/>
               <a:t>Slide Title</a:t>
             </a:r>
           </a:p>
@@ -3172,7 +3323,7 @@
           <a:p>
             <a:pPr lvl="0"/>
             <a:r>
-              <a:rPr lang="en-US" noProof="0" dirty="0"/>
+              <a:rPr lang="en-US" noProof="0"/>
               <a:t>Body Text</a:t>
             </a:r>
           </a:p>
@@ -3219,7 +3370,7 @@
           <a:p>
             <a:pPr lvl="0"/>
             <a:r>
-              <a:rPr lang="en-US" noProof="0" dirty="0"/>
+              <a:rPr lang="en-US" noProof="0"/>
               <a:t>Body Text</a:t>
             </a:r>
           </a:p>
@@ -3372,7 +3523,7 @@
           <a:p>
             <a:pPr lvl="0"/>
             <a:r>
-              <a:rPr lang="en-US" noProof="0" dirty="0"/>
+              <a:rPr lang="en-US" noProof="0"/>
               <a:t>Body Text</a:t>
             </a:r>
           </a:p>
@@ -3482,7 +3633,7 @@
           </a:lstStyle>
           <a:p>
             <a:r>
-              <a:rPr lang="en-US" noProof="0" dirty="0"/>
+              <a:rPr lang="en-US" noProof="0"/>
               <a:t>Section Title</a:t>
             </a:r>
           </a:p>
@@ -3785,14 +3936,14 @@
           </a:lstStyle>
           <a:p>
             <a:r>
-              <a:rPr lang="en-US" sz="1000" noProof="0" dirty="0"/>
+              <a:rPr lang="en-US" sz="1000" noProof="0"/>
               <a:t>Customer</a:t>
             </a:r>
             <a:r>
-              <a:rPr lang="en-US" sz="1000" baseline="0" noProof="0" dirty="0"/>
+              <a:rPr lang="en-US" sz="1000" baseline="0" noProof="0"/>
               <a:t> name – project name</a:t>
             </a:r>
-            <a:endParaRPr lang="en-US" sz="1000" noProof="0" dirty="0"/>
+            <a:endParaRPr lang="en-US" sz="1000" noProof="0"/>
           </a:p>
         </p:txBody>
       </p:sp>
@@ -3854,7 +4005,7 @@
           <a:p>
             <a:pPr algn="r"/>
             <a:r>
-              <a:rPr lang="nb-NO" sz="900" i="0" kern="1200" noProof="0" dirty="0">
+              <a:rPr lang="nb-NO" sz="900" i="0" kern="1200" noProof="0">
                 <a:solidFill>
                   <a:srgbClr val="395B73"/>
                 </a:solidFill>
@@ -3865,7 +4016,7 @@
               <a:t>© 2017 Netcompany                                                                                                                                                                                                                                                                                                   </a:t>
             </a:r>
             <a:r>
-              <a:rPr lang="nb-NO" altLang="da-DK" sz="900" i="0" noProof="0" dirty="0">
+              <a:rPr lang="nb-NO" altLang="da-DK" sz="900" i="0" noProof="0">
                 <a:solidFill>
                   <a:srgbClr val="395B73"/>
                 </a:solidFill>
@@ -3885,7 +4036,7 @@
               <a:pPr algn="r"/>
               <a:t>‹#›</a:t>
             </a:fld>
-            <a:endParaRPr lang="nb-NO" altLang="da-DK" sz="900" i="0" noProof="0" dirty="0">
+            <a:endParaRPr lang="nb-NO" altLang="da-DK" sz="900" i="0" noProof="0">
               <a:solidFill>
                 <a:srgbClr val="395B73"/>
               </a:solidFill>
@@ -3936,7 +4087,7 @@
               <a:defRPr/>
             </a:pPr>
             <a:r>
-              <a:rPr lang="en-US" noProof="0" dirty="0"/>
+              <a:rPr lang="en-US" noProof="0"/>
               <a:t>Slide Title</a:t>
             </a:r>
           </a:p>
@@ -4564,7 +4715,7 @@
           <a:lstStyle/>
           <a:p>
             <a:r>
-              <a:rPr lang="en-US" dirty="0"/>
+              <a:rPr lang="en-US"/>
               <a:t>Frontend Development</a:t>
             </a:r>
           </a:p>
@@ -4588,7 +4739,7 @@
           <a:lstStyle/>
           <a:p>
             <a:r>
-              <a:rPr lang="en-US" b="1" cap="all" dirty="0" err="1">
+              <a:rPr lang="en-US" b="1" cap="all" err="1">
                 <a:solidFill>
                   <a:schemeClr val="accent1"/>
                 </a:solidFill>
@@ -4596,7 +4747,7 @@
               <a:t>VersIon</a:t>
             </a:r>
             <a:r>
-              <a:rPr lang="en-US" cap="all" dirty="0">
+              <a:rPr lang="en-US" cap="all">
                 <a:solidFill>
                   <a:schemeClr val="accent1"/>
                 </a:solidFill>
@@ -4611,7 +4762,7 @@
               </a:spcAft>
             </a:pPr>
             <a:r>
-              <a:rPr lang="en-US" dirty="0">
+              <a:rPr lang="en-US">
                 <a:solidFill>
                   <a:schemeClr val="accent1"/>
                 </a:solidFill>
@@ -4621,14 +4772,14 @@
           </a:p>
           <a:p>
             <a:r>
-              <a:rPr lang="en-US" b="1" cap="all" dirty="0">
+              <a:rPr lang="en-US" b="1" cap="all">
                 <a:solidFill>
                   <a:schemeClr val="accent1"/>
                 </a:solidFill>
               </a:rPr>
               <a:t>Status:</a:t>
             </a:r>
-            <a:endParaRPr lang="en-US" dirty="0">
+            <a:endParaRPr lang="en-US">
               <a:solidFill>
                 <a:schemeClr val="accent1"/>
               </a:solidFill>
@@ -4641,7 +4792,7 @@
               </a:spcAft>
             </a:pPr>
             <a:r>
-              <a:rPr lang="en-US" dirty="0">
+              <a:rPr lang="en-US">
                 <a:solidFill>
                   <a:schemeClr val="accent1"/>
                 </a:solidFill>
@@ -4651,7 +4802,7 @@
           </a:p>
           <a:p>
             <a:r>
-              <a:rPr lang="en-US" b="1" cap="all" dirty="0">
+              <a:rPr lang="en-US" b="1" cap="all">
                 <a:solidFill>
                   <a:schemeClr val="accent1"/>
                 </a:solidFill>
@@ -4661,7 +4812,7 @@
           </a:p>
           <a:p>
             <a:r>
-              <a:rPr lang="en-US" dirty="0">
+              <a:rPr lang="en-US">
                 <a:solidFill>
                   <a:schemeClr val="accent1"/>
                 </a:solidFill>
@@ -4671,7 +4822,7 @@
           </a:p>
           <a:p>
             <a:r>
-              <a:rPr lang="en-US" dirty="0">
+              <a:rPr lang="en-US">
                 <a:solidFill>
                   <a:schemeClr val="accent1"/>
                 </a:solidFill>
@@ -4680,7 +4831,7 @@
             </a:r>
           </a:p>
           <a:p>
-            <a:endParaRPr lang="en-US" dirty="0">
+            <a:endParaRPr lang="en-US">
               <a:solidFill>
                 <a:schemeClr val="accent1"/>
               </a:solidFill>
@@ -4688,7 +4839,7 @@
           </a:p>
           <a:p>
             <a:r>
-              <a:rPr lang="en-US" dirty="0">
+              <a:rPr lang="en-US">
                 <a:solidFill>
                   <a:schemeClr val="accent1"/>
                 </a:solidFill>
@@ -4696,14 +4847,14 @@
               <a:t>Fredrick </a:t>
             </a:r>
             <a:r>
-              <a:rPr lang="en-US" dirty="0" err="1">
+              <a:rPr lang="en-US" err="1">
                 <a:solidFill>
                   <a:schemeClr val="accent1"/>
                 </a:solidFill>
               </a:rPr>
               <a:t>Biering</a:t>
             </a:r>
-            <a:endParaRPr lang="en-US" dirty="0">
+            <a:endParaRPr lang="en-US">
               <a:solidFill>
                 <a:schemeClr val="accent1"/>
               </a:solidFill>
@@ -4711,7 +4862,7 @@
           </a:p>
           <a:p>
             <a:r>
-              <a:rPr lang="en-US" dirty="0">
+              <a:rPr lang="en-US">
                 <a:solidFill>
                   <a:schemeClr val="accent1"/>
                 </a:solidFill>
@@ -4737,7 +4888,7 @@
           <a:lstStyle/>
           <a:p>
             <a:r>
-              <a:rPr lang="en-US" dirty="0"/>
+              <a:rPr lang="en-US"/>
               <a:t>Netcompany TCCS</a:t>
             </a:r>
           </a:p>
@@ -4759,16 +4910,16 @@
           <a:lstStyle/>
           <a:p>
             <a:r>
-              <a:rPr lang="da-DK" dirty="0"/>
+              <a:rPr lang="da-DK"/>
               <a:t>© Copyright 2018 Netcompany. </a:t>
             </a:r>
           </a:p>
           <a:p>
             <a:r>
-              <a:rPr lang="en-US" dirty="0"/>
+              <a:rPr lang="en-US"/>
               <a:t>Neither this document nor any part thereof may be passed on to others, copied or reproduced in any form or by any means, or translated into another language without the express prior permission in writing from Netcompany.</a:t>
             </a:r>
-            <a:endParaRPr lang="da-DK" dirty="0"/>
+            <a:endParaRPr lang="da-DK"/>
           </a:p>
         </p:txBody>
       </p:sp>
@@ -4790,7 +4941,7 @@
           <a:lstStyle/>
           <a:p>
             <a:r>
-              <a:rPr lang="en-US" dirty="0"/>
+              <a:rPr lang="en-US"/>
               <a:t>Oslo, 04.06.2018</a:t>
             </a:r>
           </a:p>
@@ -4842,8 +4993,8 @@
           <a:lstStyle/>
           <a:p>
             <a:r>
-              <a:rPr lang="en-US" dirty="0"/>
-              <a:t>Assignments 6 - 7</a:t>
+              <a:rPr lang="en-US"/>
+              <a:t>Assignment 5</a:t>
             </a:r>
           </a:p>
         </p:txBody>
@@ -4851,7 +5002,7 @@
     </p:spTree>
     <p:extLst>
       <p:ext uri="{BB962C8B-B14F-4D97-AF65-F5344CB8AC3E}">
-        <p14:creationId xmlns:p14="http://schemas.microsoft.com/office/powerpoint/2010/main" val="2363362234"/>
+        <p14:creationId xmlns:p14="http://schemas.microsoft.com/office/powerpoint/2010/main" val="2059061208"/>
       </p:ext>
     </p:extLst>
   </p:cSld>
@@ -4894,14 +5045,9 @@
           <a:lstStyle/>
           <a:p>
             <a:r>
-              <a:rPr lang="en-US" dirty="0"/>
-              <a:t>Concept: </a:t>
-            </a:r>
-            <a:r>
               <a:rPr lang="en-US"/>
-              <a:t>TDD</a:t>
-            </a:r>
-            <a:endParaRPr lang="en-US" dirty="0"/>
+              <a:t>Concept: Vue Router</a:t>
+            </a:r>
           </a:p>
         </p:txBody>
       </p:sp>
@@ -4926,31 +5072,67 @@
           <a:lstStyle/>
           <a:p>
             <a:r>
-              <a:rPr lang="en-US" dirty="0"/>
-              <a:t>Test Driven Development</a:t>
-            </a:r>
-          </a:p>
-          <a:p>
-            <a:r>
-              <a:rPr lang="en-US" dirty="0"/>
-              <a:t>Why?</a:t>
-            </a:r>
-          </a:p>
-          <a:p>
-            <a:r>
-              <a:rPr lang="en-US" dirty="0"/>
-              <a:t>What to test in GUI</a:t>
-            </a:r>
-          </a:p>
-          <a:p>
-            <a:endParaRPr lang="en-US" dirty="0"/>
+              <a:rPr lang="en-US" err="1"/>
+              <a:t>this.$router</a:t>
+            </a:r>
+          </a:p>
+          <a:p>
+            <a:pPr lvl="1"/>
+            <a:r>
+              <a:rPr lang="en-US" sz="3200"/>
+              <a:t>push</a:t>
+            </a:r>
+          </a:p>
+          <a:p>
+            <a:pPr lvl="1"/>
+            <a:r>
+              <a:rPr lang="en-US" sz="3200"/>
+              <a:t>replace</a:t>
+            </a:r>
+            <a:endParaRPr lang="en-US"/>
+          </a:p>
+          <a:p>
+            <a:pPr lvl="1"/>
+            <a:r>
+              <a:rPr lang="en-US" sz="3200"/>
+              <a:t>go</a:t>
+            </a:r>
+          </a:p>
+          <a:p>
+            <a:r>
+              <a:rPr lang="en-US" sz="3600"/>
+              <a:t>&lt;router-link&gt;&lt;/router-link&gt;</a:t>
+            </a:r>
+          </a:p>
+          <a:p>
+            <a:pPr lvl="1"/>
+            <a:r>
+              <a:rPr lang="en-US" sz="3200"/>
+              <a:t>to</a:t>
+            </a:r>
+          </a:p>
+          <a:p>
+            <a:pPr lvl="1"/>
+            <a:r>
+              <a:rPr lang="en-US" sz="3200"/>
+              <a:t>replace</a:t>
+            </a:r>
+          </a:p>
+          <a:p>
+            <a:endParaRPr lang="en-US"/>
+          </a:p>
+          <a:p>
+            <a:endParaRPr lang="en-US"/>
+          </a:p>
+          <a:p>
+            <a:endParaRPr lang="en-US"/>
           </a:p>
         </p:txBody>
       </p:sp>
     </p:spTree>
     <p:extLst>
       <p:ext uri="{BB962C8B-B14F-4D97-AF65-F5344CB8AC3E}">
-        <p14:creationId xmlns:p14="http://schemas.microsoft.com/office/powerpoint/2010/main" val="2680899846"/>
+        <p14:creationId xmlns:p14="http://schemas.microsoft.com/office/powerpoint/2010/main" val="1289836975"/>
       </p:ext>
     </p:extLst>
   </p:cSld>
@@ -4961,6 +5143,113 @@
 </file>
 
 <file path=ppt/slides/slide12.xml><?xml version="1.0" encoding="utf-8"?>
+<p:sld xmlns:a="http://schemas.openxmlformats.org/drawingml/2006/main" xmlns:r="http://schemas.openxmlformats.org/officeDocument/2006/relationships" xmlns:p="http://schemas.openxmlformats.org/presentationml/2006/main">
+  <p:cSld>
+    <p:spTree>
+      <p:nvGrpSpPr>
+        <p:cNvPr id="1" name=""/>
+        <p:cNvGrpSpPr/>
+        <p:nvPr/>
+      </p:nvGrpSpPr>
+      <p:grpSpPr>
+        <a:xfrm>
+          <a:off x="0" y="0"/>
+          <a:ext cx="0" cy="0"/>
+          <a:chOff x="0" y="0"/>
+          <a:chExt cx="0" cy="0"/>
+        </a:xfrm>
+      </p:grpSpPr>
+      <p:sp>
+        <p:nvSpPr>
+          <p:cNvPr id="2" name="Title 1">
+            <a:extLst>
+              <a:ext uri="{FF2B5EF4-FFF2-40B4-BE49-F238E27FC236}">
+                <a16:creationId xmlns:a16="http://schemas.microsoft.com/office/drawing/2014/main" id="{765494E7-3FE9-498F-B9EC-0ACD8C5EE489}"/>
+              </a:ext>
+            </a:extLst>
+          </p:cNvPr>
+          <p:cNvSpPr>
+            <a:spLocks noGrp="1"/>
+          </p:cNvSpPr>
+          <p:nvPr>
+            <p:ph type="title"/>
+          </p:nvPr>
+        </p:nvSpPr>
+        <p:spPr/>
+        <p:txBody>
+          <a:bodyPr/>
+          <a:lstStyle/>
+          <a:p>
+            <a:r>
+              <a:rPr lang="en-US"/>
+              <a:t>Concept: Vue Route</a:t>
+            </a:r>
+          </a:p>
+        </p:txBody>
+      </p:sp>
+      <p:sp>
+        <p:nvSpPr>
+          <p:cNvPr id="3" name="Content Placeholder 2">
+            <a:extLst>
+              <a:ext uri="{FF2B5EF4-FFF2-40B4-BE49-F238E27FC236}">
+                <a16:creationId xmlns:a16="http://schemas.microsoft.com/office/drawing/2014/main" id="{ACC9B6C6-8614-43EA-B5C0-A4402A1EA750}"/>
+              </a:ext>
+            </a:extLst>
+          </p:cNvPr>
+          <p:cNvSpPr>
+            <a:spLocks noGrp="1"/>
+          </p:cNvSpPr>
+          <p:nvPr>
+            <p:ph sz="quarter" idx="14"/>
+          </p:nvPr>
+        </p:nvSpPr>
+        <p:spPr/>
+        <p:txBody>
+          <a:bodyPr anchor="t"/>
+          <a:lstStyle/>
+          <a:p>
+            <a:r>
+              <a:rPr lang="en-US" err="1"/>
+              <a:t>this.$route</a:t>
+            </a:r>
+          </a:p>
+          <a:p>
+            <a:pPr lvl="1"/>
+            <a:r>
+              <a:rPr lang="en-US" err="1"/>
+              <a:t>params</a:t>
+            </a:r>
+          </a:p>
+          <a:p>
+            <a:pPr lvl="1"/>
+            <a:r>
+              <a:rPr lang="en-US"/>
+              <a:t>query</a:t>
+            </a:r>
+          </a:p>
+          <a:p>
+            <a:pPr lvl="1"/>
+            <a:r>
+              <a:rPr lang="en-US"/>
+              <a:t>...</a:t>
+            </a:r>
+          </a:p>
+        </p:txBody>
+      </p:sp>
+    </p:spTree>
+    <p:extLst>
+      <p:ext uri="{BB962C8B-B14F-4D97-AF65-F5344CB8AC3E}">
+        <p14:creationId xmlns:p14="http://schemas.microsoft.com/office/powerpoint/2010/main" val="1688171124"/>
+      </p:ext>
+    </p:extLst>
+  </p:cSld>
+  <p:clrMapOvr>
+    <a:masterClrMapping/>
+  </p:clrMapOvr>
+</p:sld>
+</file>
+
+<file path=ppt/slides/slide13.xml><?xml version="1.0" encoding="utf-8"?>
 <p:sld xmlns:a="http://schemas.openxmlformats.org/drawingml/2006/main" xmlns:r="http://schemas.openxmlformats.org/officeDocument/2006/relationships" xmlns:p="http://schemas.openxmlformats.org/presentationml/2006/main">
   <p:cSld>
     <p:spTree>
@@ -4993,8 +5282,8 @@
           <a:lstStyle/>
           <a:p>
             <a:r>
-              <a:rPr lang="en-US" dirty="0"/>
-              <a:t>Assignment 8</a:t>
+              <a:rPr lang="en-US"/>
+              <a:t>Assignments 6 - 7</a:t>
             </a:r>
           </a:p>
         </p:txBody>
@@ -5002,7 +5291,7 @@
     </p:spTree>
     <p:extLst>
       <p:ext uri="{BB962C8B-B14F-4D97-AF65-F5344CB8AC3E}">
-        <p14:creationId xmlns:p14="http://schemas.microsoft.com/office/powerpoint/2010/main" val="132389489"/>
+        <p14:creationId xmlns:p14="http://schemas.microsoft.com/office/powerpoint/2010/main" val="2363362234"/>
       </p:ext>
     </p:extLst>
   </p:cSld>
@@ -5012,7 +5301,7 @@
 </p:sld>
 </file>
 
-<file path=ppt/slides/slide13.xml><?xml version="1.0" encoding="utf-8"?>
+<file path=ppt/slides/slide14.xml><?xml version="1.0" encoding="utf-8"?>
 <p:sld xmlns:a="http://schemas.openxmlformats.org/drawingml/2006/main" xmlns:r="http://schemas.openxmlformats.org/officeDocument/2006/relationships" xmlns:p="http://schemas.openxmlformats.org/presentationml/2006/main">
   <p:cSld>
     <p:spTree>
@@ -5046,7 +5335,7 @@
           <a:p>
             <a:r>
               <a:rPr lang="en-US"/>
-              <a:t>Concept: Talk to server</a:t>
+              <a:t>Concept: TDD</a:t>
             </a:r>
           </a:p>
         </p:txBody>
@@ -5072,45 +5361,31 @@
           <a:lstStyle/>
           <a:p>
             <a:r>
-              <a:rPr lang="en-US" dirty="0"/>
-              <a:t>REST</a:t>
-            </a:r>
-          </a:p>
-          <a:p>
-            <a:pPr lvl="1"/>
-            <a:r>
-              <a:rPr lang="en-US" dirty="0"/>
-              <a:t>POST, GET, PUT, DELETE</a:t>
-            </a:r>
-          </a:p>
-          <a:p>
-            <a:pPr lvl="1"/>
-            <a:r>
-              <a:rPr lang="en-US" dirty="0"/>
-              <a:t>CRUD</a:t>
-            </a:r>
-          </a:p>
-          <a:p>
-            <a:r>
-              <a:rPr lang="en-US" dirty="0"/>
-              <a:t>JSON = JavaScript Object Notation</a:t>
-            </a:r>
-          </a:p>
-          <a:p>
-            <a:r>
-              <a:rPr lang="en-US" dirty="0"/>
-              <a:t>Firebase</a:t>
-            </a:r>
-          </a:p>
-          <a:p>
-            <a:endParaRPr lang="en-US" dirty="0"/>
+              <a:rPr lang="en-US"/>
+              <a:t>Test Driven Development</a:t>
+            </a:r>
+          </a:p>
+          <a:p>
+            <a:r>
+              <a:rPr lang="en-US"/>
+              <a:t>Why?</a:t>
+            </a:r>
+          </a:p>
+          <a:p>
+            <a:r>
+              <a:rPr lang="en-US"/>
+              <a:t>What to test in GUI</a:t>
+            </a:r>
+          </a:p>
+          <a:p>
+            <a:endParaRPr lang="en-US"/>
           </a:p>
         </p:txBody>
       </p:sp>
     </p:spTree>
     <p:extLst>
       <p:ext uri="{BB962C8B-B14F-4D97-AF65-F5344CB8AC3E}">
-        <p14:creationId xmlns:p14="http://schemas.microsoft.com/office/powerpoint/2010/main" val="516405358"/>
+        <p14:creationId xmlns:p14="http://schemas.microsoft.com/office/powerpoint/2010/main" val="2680899846"/>
       </p:ext>
     </p:extLst>
   </p:cSld>
@@ -5120,7 +5395,7 @@
 </p:sld>
 </file>
 
-<file path=ppt/slides/slide14.xml><?xml version="1.0" encoding="utf-8"?>
+<file path=ppt/slides/slide15.xml><?xml version="1.0" encoding="utf-8"?>
 <p:sld xmlns:a="http://schemas.openxmlformats.org/drawingml/2006/main" xmlns:r="http://schemas.openxmlformats.org/officeDocument/2006/relationships" xmlns:p="http://schemas.openxmlformats.org/presentationml/2006/main">
   <p:cSld>
     <p:spTree>
@@ -5153,8 +5428,8 @@
           <a:lstStyle/>
           <a:p>
             <a:r>
-              <a:rPr lang="en-US" dirty="0"/>
-              <a:t>Assignment 9</a:t>
+              <a:rPr lang="en-US"/>
+              <a:t>Assignment 8</a:t>
             </a:r>
           </a:p>
         </p:txBody>
@@ -5162,7 +5437,7 @@
     </p:spTree>
     <p:extLst>
       <p:ext uri="{BB962C8B-B14F-4D97-AF65-F5344CB8AC3E}">
-        <p14:creationId xmlns:p14="http://schemas.microsoft.com/office/powerpoint/2010/main" val="2873545856"/>
+        <p14:creationId xmlns:p14="http://schemas.microsoft.com/office/powerpoint/2010/main" val="132389489"/>
       </p:ext>
     </p:extLst>
   </p:cSld>
@@ -5172,7 +5447,7 @@
 </p:sld>
 </file>
 
-<file path=ppt/slides/slide15.xml><?xml version="1.0" encoding="utf-8"?>
+<file path=ppt/slides/slide16.xml><?xml version="1.0" encoding="utf-8"?>
 <p:sld xmlns:a="http://schemas.openxmlformats.org/drawingml/2006/main" xmlns:r="http://schemas.openxmlformats.org/officeDocument/2006/relationships" xmlns:p="http://schemas.openxmlformats.org/presentationml/2006/main">
   <p:cSld>
     <p:spTree>
@@ -5232,38 +5507,204 @@
           <a:lstStyle/>
           <a:p>
             <a:r>
-              <a:rPr lang="en-US" dirty="0"/>
+              <a:rPr lang="en-US"/>
+              <a:t>Fetch</a:t>
+            </a:r>
+          </a:p>
+          <a:p>
+            <a:r>
+              <a:rPr lang="en-US"/>
               <a:t>REST</a:t>
             </a:r>
           </a:p>
           <a:p>
             <a:pPr lvl="1"/>
             <a:r>
-              <a:rPr lang="en-US" dirty="0"/>
+              <a:rPr lang="en-US"/>
               <a:t>POST, GET, PUT, DELETE</a:t>
             </a:r>
           </a:p>
           <a:p>
             <a:pPr lvl="1"/>
             <a:r>
-              <a:rPr lang="en-US" dirty="0"/>
+              <a:rPr lang="en-US"/>
               <a:t>CRUD</a:t>
             </a:r>
           </a:p>
           <a:p>
             <a:r>
-              <a:rPr lang="en-US" dirty="0"/>
+              <a:rPr lang="en-US"/>
               <a:t>JSON = JavaScript Object Notation</a:t>
             </a:r>
           </a:p>
           <a:p>
             <a:r>
-              <a:rPr lang="en-US" dirty="0"/>
+              <a:rPr lang="en-US"/>
               <a:t>Firebase</a:t>
             </a:r>
           </a:p>
           <a:p>
-            <a:endParaRPr lang="en-US" dirty="0"/>
+            <a:endParaRPr lang="en-US"/>
+          </a:p>
+        </p:txBody>
+      </p:sp>
+    </p:spTree>
+    <p:extLst>
+      <p:ext uri="{BB962C8B-B14F-4D97-AF65-F5344CB8AC3E}">
+        <p14:creationId xmlns:p14="http://schemas.microsoft.com/office/powerpoint/2010/main" val="516405358"/>
+      </p:ext>
+    </p:extLst>
+  </p:cSld>
+  <p:clrMapOvr>
+    <a:masterClrMapping/>
+  </p:clrMapOvr>
+</p:sld>
+</file>
+
+<file path=ppt/slides/slide17.xml><?xml version="1.0" encoding="utf-8"?>
+<p:sld xmlns:a="http://schemas.openxmlformats.org/drawingml/2006/main" xmlns:r="http://schemas.openxmlformats.org/officeDocument/2006/relationships" xmlns:p="http://schemas.openxmlformats.org/presentationml/2006/main">
+  <p:cSld>
+    <p:spTree>
+      <p:nvGrpSpPr>
+        <p:cNvPr id="1" name=""/>
+        <p:cNvGrpSpPr/>
+        <p:nvPr/>
+      </p:nvGrpSpPr>
+      <p:grpSpPr>
+        <a:xfrm>
+          <a:off x="0" y="0"/>
+          <a:ext cx="0" cy="0"/>
+          <a:chOff x="0" y="0"/>
+          <a:chExt cx="0" cy="0"/>
+        </a:xfrm>
+      </p:grpSpPr>
+      <p:sp>
+        <p:nvSpPr>
+          <p:cNvPr id="3" name="Title 2"/>
+          <p:cNvSpPr>
+            <a:spLocks noGrp="1"/>
+          </p:cNvSpPr>
+          <p:nvPr>
+            <p:ph type="ctrTitle"/>
+          </p:nvPr>
+        </p:nvSpPr>
+        <p:spPr/>
+        <p:txBody>
+          <a:bodyPr/>
+          <a:lstStyle/>
+          <a:p>
+            <a:r>
+              <a:rPr lang="en-US"/>
+              <a:t>Assignment 9</a:t>
+            </a:r>
+          </a:p>
+        </p:txBody>
+      </p:sp>
+    </p:spTree>
+    <p:extLst>
+      <p:ext uri="{BB962C8B-B14F-4D97-AF65-F5344CB8AC3E}">
+        <p14:creationId xmlns:p14="http://schemas.microsoft.com/office/powerpoint/2010/main" val="2873545856"/>
+      </p:ext>
+    </p:extLst>
+  </p:cSld>
+  <p:clrMapOvr>
+    <a:masterClrMapping/>
+  </p:clrMapOvr>
+</p:sld>
+</file>
+
+<file path=ppt/slides/slide18.xml><?xml version="1.0" encoding="utf-8"?>
+<p:sld xmlns:a="http://schemas.openxmlformats.org/drawingml/2006/main" xmlns:r="http://schemas.openxmlformats.org/officeDocument/2006/relationships" xmlns:p="http://schemas.openxmlformats.org/presentationml/2006/main">
+  <p:cSld>
+    <p:spTree>
+      <p:nvGrpSpPr>
+        <p:cNvPr id="1" name=""/>
+        <p:cNvGrpSpPr/>
+        <p:nvPr/>
+      </p:nvGrpSpPr>
+      <p:grpSpPr>
+        <a:xfrm>
+          <a:off x="0" y="0"/>
+          <a:ext cx="0" cy="0"/>
+          <a:chOff x="0" y="0"/>
+          <a:chExt cx="0" cy="0"/>
+        </a:xfrm>
+      </p:grpSpPr>
+      <p:sp>
+        <p:nvSpPr>
+          <p:cNvPr id="4" name="Title 3"/>
+          <p:cNvSpPr>
+            <a:spLocks noGrp="1"/>
+          </p:cNvSpPr>
+          <p:nvPr>
+            <p:ph type="title"/>
+          </p:nvPr>
+        </p:nvSpPr>
+        <p:spPr/>
+        <p:txBody>
+          <a:bodyPr/>
+          <a:lstStyle/>
+          <a:p>
+            <a:r>
+              <a:rPr lang="en-US"/>
+              <a:t>Concept: Talk to server</a:t>
+            </a:r>
+          </a:p>
+        </p:txBody>
+      </p:sp>
+      <p:sp>
+        <p:nvSpPr>
+          <p:cNvPr id="5" name="Content Placeholder 4"/>
+          <p:cNvSpPr>
+            <a:spLocks noGrp="1"/>
+          </p:cNvSpPr>
+          <p:nvPr>
+            <p:ph sz="quarter" idx="14"/>
+          </p:nvPr>
+        </p:nvSpPr>
+        <p:spPr>
+          <a:xfrm>
+            <a:off x="1321914" y="1484313"/>
+            <a:ext cx="10625581" cy="4679950"/>
+          </a:xfrm>
+        </p:spPr>
+        <p:txBody>
+          <a:bodyPr anchor="t"/>
+          <a:lstStyle/>
+          <a:p>
+            <a:r>
+              <a:rPr lang="en-US"/>
+              <a:t>REST</a:t>
+            </a:r>
+          </a:p>
+          <a:p>
+            <a:pPr lvl="1"/>
+            <a:r>
+              <a:rPr lang="en-US"/>
+              <a:t>POST, GET, PUT, DELETE</a:t>
+            </a:r>
+          </a:p>
+          <a:p>
+            <a:pPr lvl="1"/>
+            <a:r>
+              <a:rPr lang="en-US"/>
+              <a:t>CRUD</a:t>
+            </a:r>
+          </a:p>
+          <a:p>
+            <a:r>
+              <a:rPr lang="en-US"/>
+              <a:t>JSON = JavaScript Object Notation</a:t>
+            </a:r>
+          </a:p>
+          <a:p>
+            <a:r>
+              <a:rPr lang="en-US"/>
+              <a:t>Firebase</a:t>
+            </a:r>
+          </a:p>
+          <a:p>
+            <a:endParaRPr lang="en-US"/>
           </a:p>
         </p:txBody>
       </p:sp>
@@ -5340,60 +5781,60 @@
           <a:lstStyle/>
           <a:p>
             <a:r>
-              <a:rPr lang="en-US" dirty="0"/>
+              <a:rPr lang="en-US"/>
               <a:t>Welcome</a:t>
             </a:r>
           </a:p>
           <a:p>
             <a:r>
-              <a:rPr lang="en-US" dirty="0"/>
+              <a:rPr lang="en-US"/>
               <a:t>Frontend stack</a:t>
             </a:r>
           </a:p>
           <a:p>
             <a:r>
-              <a:rPr lang="en-US" dirty="0"/>
+              <a:rPr lang="en-US"/>
               <a:t>Concepts &amp; Assignments</a:t>
             </a:r>
           </a:p>
           <a:p>
             <a:pPr lvl="1"/>
             <a:r>
-              <a:rPr lang="en-US" dirty="0"/>
+              <a:rPr lang="en-US"/>
               <a:t>2-4 Getting started</a:t>
             </a:r>
           </a:p>
           <a:p>
             <a:pPr lvl="1"/>
             <a:r>
-              <a:rPr lang="en-US" dirty="0"/>
+              <a:rPr lang="en-US"/>
               <a:t>5 Getting dirty</a:t>
             </a:r>
           </a:p>
           <a:p>
             <a:pPr lvl="1"/>
             <a:r>
-              <a:rPr lang="en-US" dirty="0"/>
+              <a:rPr lang="en-US"/>
               <a:t>6-7 A little breather</a:t>
             </a:r>
           </a:p>
           <a:p>
             <a:pPr lvl="1"/>
             <a:r>
-              <a:rPr lang="en-US" dirty="0"/>
+              <a:rPr lang="en-US"/>
               <a:t>8 Being sensible</a:t>
             </a:r>
           </a:p>
           <a:p>
             <a:pPr lvl="1"/>
             <a:r>
-              <a:rPr lang="en-US" dirty="0"/>
+              <a:rPr lang="en-US"/>
               <a:t>9 Going crazy (as in fun)</a:t>
             </a:r>
           </a:p>
           <a:p>
             <a:r>
-              <a:rPr lang="en-US" dirty="0"/>
+              <a:rPr lang="en-US"/>
               <a:t>Lunch 11:30 and snacks later</a:t>
             </a:r>
           </a:p>
@@ -5446,11 +5887,7 @@
           <a:p>
             <a:r>
               <a:rPr lang="en-US"/>
-              <a:t>Our Frontend </a:t>
-            </a:r>
-            <a:r>
-              <a:rPr lang="en-US" dirty="0"/>
-              <a:t>Stack</a:t>
+              <a:t>Our Frontend Stack</a:t>
             </a:r>
           </a:p>
         </p:txBody>
@@ -5471,61 +5908,61 @@
           <a:lstStyle/>
           <a:p>
             <a:r>
-              <a:rPr lang="en-US" dirty="0" err="1"/>
+              <a:rPr lang="en-US" err="1"/>
               <a:t>Vue</a:t>
             </a:r>
             <a:r>
-              <a:rPr lang="en-US" dirty="0"/>
+              <a:rPr lang="en-US"/>
               <a:t> + </a:t>
             </a:r>
             <a:r>
-              <a:rPr lang="en-US" dirty="0" err="1"/>
+              <a:rPr lang="en-US" err="1"/>
               <a:t>VueX</a:t>
             </a:r>
-            <a:endParaRPr lang="en-US" dirty="0"/>
+            <a:endParaRPr lang="en-US"/>
           </a:p>
           <a:p>
             <a:pPr lvl="1"/>
             <a:r>
-              <a:rPr lang="en-US" dirty="0"/>
+              <a:rPr lang="en-US"/>
               <a:t>The frontend code where 99% of the coding is done</a:t>
             </a:r>
           </a:p>
           <a:p>
             <a:r>
-              <a:rPr lang="en-US" dirty="0"/>
+              <a:rPr lang="en-US"/>
               <a:t>Babel</a:t>
             </a:r>
           </a:p>
           <a:p>
             <a:pPr lvl="1"/>
             <a:r>
-              <a:rPr lang="en-US" dirty="0"/>
+              <a:rPr lang="en-US"/>
               <a:t>The </a:t>
             </a:r>
             <a:r>
-              <a:rPr lang="en-US" dirty="0" err="1"/>
+              <a:rPr lang="en-US" err="1"/>
               <a:t>transpiler</a:t>
             </a:r>
             <a:r>
-              <a:rPr lang="en-US" dirty="0"/>
+              <a:rPr lang="en-US"/>
               <a:t> that makes your cutting edge code run even on old browsers</a:t>
             </a:r>
           </a:p>
           <a:p>
             <a:r>
-              <a:rPr lang="en-US" dirty="0" err="1"/>
+              <a:rPr lang="en-US" err="1"/>
               <a:t>Webpack</a:t>
             </a:r>
             <a:r>
-              <a:rPr lang="en-US" dirty="0"/>
+              <a:rPr lang="en-US"/>
               <a:t> 4</a:t>
             </a:r>
           </a:p>
           <a:p>
             <a:pPr lvl="1"/>
             <a:r>
-              <a:rPr lang="en-US" dirty="0"/>
+              <a:rPr lang="en-US"/>
               <a:t>The bundler which combines everything into a package you can deploy &amp; run</a:t>
             </a:r>
           </a:p>
@@ -5577,12 +6014,8 @@
           <a:lstStyle/>
           <a:p>
             <a:r>
-              <a:rPr lang="en-US" dirty="0"/>
-              <a:t>Concept:</a:t>
-            </a:r>
-            <a:r>
               <a:rPr lang="en-US"/>
-              <a:t> Component </a:t>
+              <a:t>Concept: Component </a:t>
             </a:r>
           </a:p>
         </p:txBody>
@@ -5608,43 +6041,43 @@
           <a:lstStyle/>
           <a:p>
             <a:r>
-              <a:rPr lang="en-US" dirty="0"/>
+              <a:rPr lang="en-US"/>
               <a:t>export something</a:t>
             </a:r>
           </a:p>
           <a:p>
             <a:r>
-              <a:rPr lang="en-US" dirty="0"/>
+              <a:rPr lang="en-US"/>
               <a:t>export default C</a:t>
             </a:r>
           </a:p>
           <a:p>
             <a:r>
-              <a:rPr lang="en-US" dirty="0"/>
+              <a:rPr lang="en-US"/>
               <a:t>import C from './module'</a:t>
             </a:r>
           </a:p>
           <a:p>
             <a:r>
-              <a:rPr lang="en-US" dirty="0"/>
+              <a:rPr lang="en-US"/>
               <a:t>import { something } from './module'   === </a:t>
             </a:r>
             <a:r>
-              <a:rPr lang="en-US" dirty="0" err="1"/>
+              <a:rPr lang="en-US" err="1"/>
               <a:t>C.something</a:t>
             </a:r>
           </a:p>
           <a:p>
             <a:r>
-              <a:rPr lang="en-US" dirty="0"/>
+              <a:rPr lang="en-US"/>
               <a:t>.</a:t>
             </a:r>
             <a:r>
-              <a:rPr lang="en-US" dirty="0" err="1"/>
+              <a:rPr lang="en-US" err="1"/>
               <a:t>vue</a:t>
             </a:r>
             <a:r>
-              <a:rPr lang="en-US" dirty="0"/>
+              <a:rPr lang="en-US"/>
               <a:t> files:</a:t>
             </a:r>
           </a:p>
@@ -5653,7 +6086,7 @@
               <a:buNone/>
             </a:pPr>
             <a:r>
-              <a:rPr lang="en-US" dirty="0"/>
+              <a:rPr lang="en-US"/>
               <a:t>&lt;template&gt;&lt;/template&gt;</a:t>
             </a:r>
           </a:p>
@@ -5662,7 +6095,7 @@
               <a:buNone/>
             </a:pPr>
             <a:r>
-              <a:rPr lang="en-US" dirty="0"/>
+              <a:rPr lang="en-US"/>
               <a:t>&lt;script&gt;&lt;/script&gt;</a:t>
             </a:r>
           </a:p>
@@ -5671,7 +6104,7 @@
               <a:buNone/>
             </a:pPr>
             <a:r>
-              <a:rPr lang="en-US" dirty="0"/>
+              <a:rPr lang="en-US"/>
               <a:t>&lt;style&gt;&lt;/style&gt;</a:t>
             </a:r>
           </a:p>
@@ -5750,33 +6183,33 @@
           <a:lstStyle/>
           <a:p>
             <a:r>
-              <a:rPr lang="en-US" dirty="0"/>
+              <a:rPr lang="en-US"/>
               <a:t>props =&gt; external</a:t>
             </a:r>
           </a:p>
           <a:p>
             <a:r>
-              <a:rPr lang="en-US" dirty="0"/>
+              <a:rPr lang="en-US"/>
               <a:t>data =&gt; internal</a:t>
             </a:r>
           </a:p>
           <a:p>
             <a:r>
-              <a:rPr lang="en-US" dirty="0"/>
+              <a:rPr lang="en-US"/>
               <a:t>computed =&gt; generated (functions)</a:t>
             </a:r>
           </a:p>
           <a:p>
             <a:r>
-              <a:rPr lang="en-US" dirty="0"/>
+              <a:rPr lang="en-US"/>
               <a:t>methods =&gt; methods for events</a:t>
             </a:r>
           </a:p>
           <a:p>
-            <a:endParaRPr lang="en-US" dirty="0"/>
-          </a:p>
-          <a:p>
-            <a:endParaRPr lang="en-US" dirty="0"/>
+            <a:endParaRPr lang="en-US"/>
+          </a:p>
+          <a:p>
+            <a:endParaRPr lang="en-US"/>
           </a:p>
         </p:txBody>
       </p:sp>
@@ -5829,7 +6262,6 @@
               <a:rPr lang="en-US"/>
               <a:t>Assignments 2 - 4</a:t>
             </a:r>
-            <a:endParaRPr lang="en-US" dirty="0"/>
           </a:p>
         </p:txBody>
       </p:sp>
@@ -5847,6 +6279,248 @@
 </file>
 
 <file path=ppt/slides/slide7.xml><?xml version="1.0" encoding="utf-8"?>
+<p:sld xmlns:a="http://schemas.openxmlformats.org/drawingml/2006/main" xmlns:r="http://schemas.openxmlformats.org/officeDocument/2006/relationships" xmlns:p="http://schemas.openxmlformats.org/presentationml/2006/main">
+  <p:cSld>
+    <p:spTree>
+      <p:nvGrpSpPr>
+        <p:cNvPr id="1" name=""/>
+        <p:cNvGrpSpPr/>
+        <p:nvPr/>
+      </p:nvGrpSpPr>
+      <p:grpSpPr>
+        <a:xfrm>
+          <a:off x="0" y="0"/>
+          <a:ext cx="0" cy="0"/>
+          <a:chOff x="0" y="0"/>
+          <a:chExt cx="0" cy="0"/>
+        </a:xfrm>
+      </p:grpSpPr>
+      <p:sp>
+        <p:nvSpPr>
+          <p:cNvPr id="2" name="Title 1">
+            <a:extLst>
+              <a:ext uri="{FF2B5EF4-FFF2-40B4-BE49-F238E27FC236}">
+                <a16:creationId xmlns:a16="http://schemas.microsoft.com/office/drawing/2014/main" id="{CDCEC67E-57C3-4F1E-A6A5-E892C0BD9427}"/>
+              </a:ext>
+            </a:extLst>
+          </p:cNvPr>
+          <p:cNvSpPr>
+            <a:spLocks noGrp="1"/>
+          </p:cNvSpPr>
+          <p:nvPr>
+            <p:ph type="title"/>
+          </p:nvPr>
+        </p:nvSpPr>
+        <p:spPr/>
+        <p:txBody>
+          <a:bodyPr/>
+          <a:lstStyle/>
+          <a:p>
+            <a:r>
+              <a:rPr lang="en-US"/>
+              <a:t>Concept: EcmaScript6 -&gt; </a:t>
+            </a:r>
+            <a:r>
+              <a:rPr lang="en-US" err="1"/>
+              <a:t>Destructuring</a:t>
+            </a:r>
+          </a:p>
+        </p:txBody>
+      </p:sp>
+      <p:sp>
+        <p:nvSpPr>
+          <p:cNvPr id="3" name="Content Placeholder 2">
+            <a:extLst>
+              <a:ext uri="{FF2B5EF4-FFF2-40B4-BE49-F238E27FC236}">
+                <a16:creationId xmlns:a16="http://schemas.microsoft.com/office/drawing/2014/main" id="{BF13524A-CB33-4460-BD7C-4B1509E7B1C3}"/>
+              </a:ext>
+            </a:extLst>
+          </p:cNvPr>
+          <p:cNvSpPr>
+            <a:spLocks noGrp="1"/>
+          </p:cNvSpPr>
+          <p:nvPr>
+            <p:ph sz="quarter" idx="14"/>
+          </p:nvPr>
+        </p:nvSpPr>
+        <p:spPr/>
+        <p:txBody>
+          <a:bodyPr anchor="t"/>
+          <a:lstStyle/>
+          <a:p>
+            <a:pPr marL="0" indent="0">
+              <a:buNone/>
+            </a:pPr>
+            <a:endParaRPr lang="en-US"/>
+          </a:p>
+          <a:p>
+            <a:endParaRPr lang="en-US"/>
+          </a:p>
+        </p:txBody>
+      </p:sp>
+      <p:pic>
+        <p:nvPicPr>
+          <p:cNvPr id="4" name="Picture 4" descr="A screenshot of a cell phone&#10;&#10;Description generated with very high confidence">
+            <a:extLst>
+              <a:ext uri="{FF2B5EF4-FFF2-40B4-BE49-F238E27FC236}">
+                <a16:creationId xmlns:a16="http://schemas.microsoft.com/office/drawing/2014/main" id="{87B18EE3-4E4A-4E76-A626-533A2D86C108}"/>
+              </a:ext>
+            </a:extLst>
+          </p:cNvPr>
+          <p:cNvPicPr>
+            <a:picLocks noChangeAspect="1"/>
+          </p:cNvPicPr>
+          <p:nvPr/>
+        </p:nvPicPr>
+        <p:blipFill>
+          <a:blip r:embed="rId2"/>
+          <a:stretch>
+            <a:fillRect/>
+          </a:stretch>
+        </p:blipFill>
+        <p:spPr>
+          <a:xfrm>
+            <a:off x="1319211" y="1423674"/>
+            <a:ext cx="10125073" cy="3605837"/>
+          </a:xfrm>
+          <a:prstGeom prst="rect">
+            <a:avLst/>
+          </a:prstGeom>
+        </p:spPr>
+      </p:pic>
+    </p:spTree>
+    <p:extLst>
+      <p:ext uri="{BB962C8B-B14F-4D97-AF65-F5344CB8AC3E}">
+        <p14:creationId xmlns:p14="http://schemas.microsoft.com/office/powerpoint/2010/main" val="1233184607"/>
+      </p:ext>
+    </p:extLst>
+  </p:cSld>
+  <p:clrMapOvr>
+    <a:masterClrMapping/>
+  </p:clrMapOvr>
+</p:sld>
+</file>
+
+<file path=ppt/slides/slide8.xml><?xml version="1.0" encoding="utf-8"?>
+<p:sld xmlns:a="http://schemas.openxmlformats.org/drawingml/2006/main" xmlns:r="http://schemas.openxmlformats.org/officeDocument/2006/relationships" xmlns:p="http://schemas.openxmlformats.org/presentationml/2006/main">
+  <p:cSld>
+    <p:spTree>
+      <p:nvGrpSpPr>
+        <p:cNvPr id="1" name=""/>
+        <p:cNvGrpSpPr/>
+        <p:nvPr/>
+      </p:nvGrpSpPr>
+      <p:grpSpPr>
+        <a:xfrm>
+          <a:off x="0" y="0"/>
+          <a:ext cx="0" cy="0"/>
+          <a:chOff x="0" y="0"/>
+          <a:chExt cx="0" cy="0"/>
+        </a:xfrm>
+      </p:grpSpPr>
+      <p:sp>
+        <p:nvSpPr>
+          <p:cNvPr id="2" name="Title 1">
+            <a:extLst>
+              <a:ext uri="{FF2B5EF4-FFF2-40B4-BE49-F238E27FC236}">
+                <a16:creationId xmlns:a16="http://schemas.microsoft.com/office/drawing/2014/main" id="{0385963C-19C0-4807-AF91-8F32E7E4D014}"/>
+              </a:ext>
+            </a:extLst>
+          </p:cNvPr>
+          <p:cNvSpPr>
+            <a:spLocks noGrp="1"/>
+          </p:cNvSpPr>
+          <p:nvPr>
+            <p:ph type="title"/>
+          </p:nvPr>
+        </p:nvSpPr>
+        <p:spPr/>
+        <p:txBody>
+          <a:bodyPr/>
+          <a:lstStyle/>
+          <a:p>
+            <a:r>
+              <a:rPr lang="en-US" sz="4000"/>
+              <a:t>Concept: EcmaScript6 -&gt; Spread operator</a:t>
+            </a:r>
+          </a:p>
+        </p:txBody>
+      </p:sp>
+      <p:sp>
+        <p:nvSpPr>
+          <p:cNvPr id="3" name="Content Placeholder 2">
+            <a:extLst>
+              <a:ext uri="{FF2B5EF4-FFF2-40B4-BE49-F238E27FC236}">
+                <a16:creationId xmlns:a16="http://schemas.microsoft.com/office/drawing/2014/main" id="{DDB1B732-D530-4F66-9120-5FE05F13CFFB}"/>
+              </a:ext>
+            </a:extLst>
+          </p:cNvPr>
+          <p:cNvSpPr>
+            <a:spLocks noGrp="1"/>
+          </p:cNvSpPr>
+          <p:nvPr>
+            <p:ph sz="quarter" idx="14"/>
+          </p:nvPr>
+        </p:nvSpPr>
+        <p:spPr/>
+        <p:txBody>
+          <a:bodyPr anchor="t"/>
+          <a:lstStyle/>
+          <a:p>
+            <a:pPr marL="0" indent="0">
+              <a:buNone/>
+            </a:pPr>
+            <a:endParaRPr lang="en-US" sz="3200"/>
+          </a:p>
+          <a:p>
+            <a:endParaRPr lang="en-US" sz="3200"/>
+          </a:p>
+        </p:txBody>
+      </p:sp>
+      <p:pic>
+        <p:nvPicPr>
+          <p:cNvPr id="6" name="Picture 6" descr="A screenshot of a cell phone&#10;&#10;Description generated with very high confidence">
+            <a:extLst>
+              <a:ext uri="{FF2B5EF4-FFF2-40B4-BE49-F238E27FC236}">
+                <a16:creationId xmlns:a16="http://schemas.microsoft.com/office/drawing/2014/main" id="{88DB142A-0725-4B32-B2CC-0D1FA70A8690}"/>
+              </a:ext>
+            </a:extLst>
+          </p:cNvPr>
+          <p:cNvPicPr>
+            <a:picLocks noChangeAspect="1"/>
+          </p:cNvPicPr>
+          <p:nvPr/>
+        </p:nvPicPr>
+        <p:blipFill>
+          <a:blip r:embed="rId2"/>
+          <a:stretch>
+            <a:fillRect/>
+          </a:stretch>
+        </p:blipFill>
+        <p:spPr>
+          <a:xfrm>
+            <a:off x="1319211" y="1486058"/>
+            <a:ext cx="6904433" cy="4266883"/>
+          </a:xfrm>
+          <a:prstGeom prst="rect">
+            <a:avLst/>
+          </a:prstGeom>
+        </p:spPr>
+      </p:pic>
+    </p:spTree>
+    <p:extLst>
+      <p:ext uri="{BB962C8B-B14F-4D97-AF65-F5344CB8AC3E}">
+        <p14:creationId xmlns:p14="http://schemas.microsoft.com/office/powerpoint/2010/main" val="1892805665"/>
+      </p:ext>
+    </p:extLst>
+  </p:cSld>
+  <p:clrMapOvr>
+    <a:masterClrMapping/>
+  </p:clrMapOvr>
+</p:sld>
+</file>
+
+<file path=ppt/slides/slide9.xml><?xml version="1.0" encoding="utf-8"?>
 <p:sld xmlns:a="http://schemas.openxmlformats.org/drawingml/2006/main" xmlns:r="http://schemas.openxmlformats.org/officeDocument/2006/relationships" xmlns:p="http://schemas.openxmlformats.org/presentationml/2006/main">
   <p:cSld>
     <p:spTree>
@@ -5944,20 +6618,20 @@
           <a:lstStyle/>
           <a:p>
             <a:r>
-              <a:rPr lang="en-US" dirty="0"/>
+              <a:rPr lang="en-US"/>
               <a:t>State</a:t>
             </a:r>
-            <a:endParaRPr lang="en-US" sz="2800" dirty="0"/>
-          </a:p>
-          <a:p>
-            <a:r>
-              <a:rPr lang="en-US" dirty="0"/>
+            <a:endParaRPr lang="en-US" sz="2800"/>
+          </a:p>
+          <a:p>
+            <a:r>
+              <a:rPr lang="en-US"/>
               <a:t>Mutations</a:t>
             </a:r>
           </a:p>
           <a:p>
             <a:r>
-              <a:rPr lang="en-US" dirty="0"/>
+              <a:rPr lang="en-US"/>
               <a:t>Actions</a:t>
             </a:r>
           </a:p>
@@ -5967,189 +6641,6 @@
     <p:extLst>
       <p:ext uri="{BB962C8B-B14F-4D97-AF65-F5344CB8AC3E}">
         <p14:creationId xmlns:p14="http://schemas.microsoft.com/office/powerpoint/2010/main" val="857154214"/>
-      </p:ext>
-    </p:extLst>
-  </p:cSld>
-  <p:clrMapOvr>
-    <a:masterClrMapping/>
-  </p:clrMapOvr>
-</p:sld>
-</file>
-
-<file path=ppt/slides/slide8.xml><?xml version="1.0" encoding="utf-8"?>
-<p:sld xmlns:a="http://schemas.openxmlformats.org/drawingml/2006/main" xmlns:r="http://schemas.openxmlformats.org/officeDocument/2006/relationships" xmlns:p="http://schemas.openxmlformats.org/presentationml/2006/main">
-  <p:cSld>
-    <p:spTree>
-      <p:nvGrpSpPr>
-        <p:cNvPr id="1" name=""/>
-        <p:cNvGrpSpPr/>
-        <p:nvPr/>
-      </p:nvGrpSpPr>
-      <p:grpSpPr>
-        <a:xfrm>
-          <a:off x="0" y="0"/>
-          <a:ext cx="0" cy="0"/>
-          <a:chOff x="0" y="0"/>
-          <a:chExt cx="0" cy="0"/>
-        </a:xfrm>
-      </p:grpSpPr>
-      <p:sp>
-        <p:nvSpPr>
-          <p:cNvPr id="3" name="Title 2"/>
-          <p:cNvSpPr>
-            <a:spLocks noGrp="1"/>
-          </p:cNvSpPr>
-          <p:nvPr>
-            <p:ph type="ctrTitle"/>
-          </p:nvPr>
-        </p:nvSpPr>
-        <p:spPr/>
-        <p:txBody>
-          <a:bodyPr/>
-          <a:lstStyle/>
-          <a:p>
-            <a:r>
-              <a:rPr lang="en-US" dirty="0"/>
-              <a:t>Assignment 5</a:t>
-            </a:r>
-          </a:p>
-        </p:txBody>
-      </p:sp>
-    </p:spTree>
-    <p:extLst>
-      <p:ext uri="{BB962C8B-B14F-4D97-AF65-F5344CB8AC3E}">
-        <p14:creationId xmlns:p14="http://schemas.microsoft.com/office/powerpoint/2010/main" val="2059061208"/>
-      </p:ext>
-    </p:extLst>
-  </p:cSld>
-  <p:clrMapOvr>
-    <a:masterClrMapping/>
-  </p:clrMapOvr>
-</p:sld>
-</file>
-
-<file path=ppt/slides/slide9.xml><?xml version="1.0" encoding="utf-8"?>
-<p:sld xmlns:a="http://schemas.openxmlformats.org/drawingml/2006/main" xmlns:r="http://schemas.openxmlformats.org/officeDocument/2006/relationships" xmlns:p="http://schemas.openxmlformats.org/presentationml/2006/main">
-  <p:cSld>
-    <p:spTree>
-      <p:nvGrpSpPr>
-        <p:cNvPr id="1" name=""/>
-        <p:cNvGrpSpPr/>
-        <p:nvPr/>
-      </p:nvGrpSpPr>
-      <p:grpSpPr>
-        <a:xfrm>
-          <a:off x="0" y="0"/>
-          <a:ext cx="0" cy="0"/>
-          <a:chOff x="0" y="0"/>
-          <a:chExt cx="0" cy="0"/>
-        </a:xfrm>
-      </p:grpSpPr>
-      <p:sp>
-        <p:nvSpPr>
-          <p:cNvPr id="4" name="Title 3"/>
-          <p:cNvSpPr>
-            <a:spLocks noGrp="1"/>
-          </p:cNvSpPr>
-          <p:nvPr>
-            <p:ph type="title"/>
-          </p:nvPr>
-        </p:nvSpPr>
-        <p:spPr/>
-        <p:txBody>
-          <a:bodyPr/>
-          <a:lstStyle/>
-          <a:p>
-            <a:r>
-              <a:rPr lang="en-US"/>
-              <a:t>Concept: Vue Router</a:t>
-            </a:r>
-            <a:endParaRPr lang="en-US" dirty="0"/>
-          </a:p>
-        </p:txBody>
-      </p:sp>
-      <p:sp>
-        <p:nvSpPr>
-          <p:cNvPr id="5" name="Content Placeholder 4"/>
-          <p:cNvSpPr>
-            <a:spLocks noGrp="1"/>
-          </p:cNvSpPr>
-          <p:nvPr>
-            <p:ph sz="quarter" idx="14"/>
-          </p:nvPr>
-        </p:nvSpPr>
-        <p:spPr>
-          <a:xfrm>
-            <a:off x="1321914" y="1484313"/>
-            <a:ext cx="10625581" cy="4679950"/>
-          </a:xfrm>
-        </p:spPr>
-        <p:txBody>
-          <a:bodyPr anchor="t"/>
-          <a:lstStyle/>
-          <a:p>
-            <a:r>
-              <a:rPr lang="en-US" dirty="0" err="1"/>
-              <a:t>this.$router</a:t>
-            </a:r>
-          </a:p>
-          <a:p>
-            <a:pPr lvl="1"/>
-            <a:r>
-              <a:rPr lang="en-US" dirty="0"/>
-              <a:t>push</a:t>
-            </a:r>
-          </a:p>
-          <a:p>
-            <a:pPr lvl="1"/>
-            <a:r>
-              <a:rPr lang="en-US" sz="3200" dirty="0"/>
-              <a:t>replace</a:t>
-            </a:r>
-            <a:endParaRPr lang="en-US" dirty="0"/>
-          </a:p>
-          <a:p>
-            <a:pPr lvl="1"/>
-            <a:r>
-              <a:rPr lang="en-US" sz="3200" dirty="0"/>
-              <a:t>go</a:t>
-            </a:r>
-          </a:p>
-          <a:p>
-            <a:r>
-              <a:rPr lang="en-US" sz="3600" dirty="0"/>
-              <a:t>&lt;router-link&gt;&lt;/router-link&gt;</a:t>
-            </a:r>
-          </a:p>
-          <a:p>
-            <a:pPr lvl="1"/>
-            <a:r>
-              <a:rPr lang="en-US" sz="3200" dirty="0"/>
-              <a:t>to</a:t>
-            </a:r>
-          </a:p>
-          <a:p>
-            <a:pPr lvl="1"/>
-            <a:r>
-              <a:rPr lang="en-US" sz="3200" dirty="0"/>
-              <a:t>replace</a:t>
-            </a:r>
-          </a:p>
-          <a:p>
-            <a:endParaRPr lang="en-US" dirty="0"/>
-          </a:p>
-          <a:p>
-            <a:endParaRPr lang="en-US" dirty="0"/>
-          </a:p>
-          <a:p>
-            <a:endParaRPr lang="en-US" dirty="0"/>
-          </a:p>
-        </p:txBody>
-      </p:sp>
-    </p:spTree>
-    <p:extLst>
-      <p:ext uri="{BB962C8B-B14F-4D97-AF65-F5344CB8AC3E}">
-        <p14:creationId xmlns:p14="http://schemas.microsoft.com/office/powerpoint/2010/main" val="1289836975"/>
       </p:ext>
     </p:extLst>
   </p:cSld>
@@ -7176,6 +7667,15 @@
 </file>
 
 <file path=customXml/item2.xml><?xml version="1.0" encoding="utf-8"?>
+<?mso-contentType ?>
+<FormTemplates xmlns="http://schemas.microsoft.com/sharepoint/v3/contenttype/forms">
+  <Display>DocumentLibraryForm</Display>
+  <Edit>DocumentLibraryForm</Edit>
+  <New>DocumentLibraryForm</New>
+</FormTemplates>
+</file>
+
+<file path=customXml/item3.xml><?xml version="1.0" encoding="utf-8"?>
 <ct:contentTypeSchema xmlns:ct="http://schemas.microsoft.com/office/2006/metadata/contentType" xmlns:ma="http://schemas.microsoft.com/office/2006/metadata/properties/metaAttributes" ct:_="" ma:_="" ma:contentTypeName="Dokument" ma:contentTypeID="0x010100B43365BADAF0A24D90DB1F3DE146000C" ma:contentTypeVersion="14" ma:contentTypeDescription="Opret et nyt dokument." ma:contentTypeScope="" ma:versionID="b741021eedef7a7115eb72c43f129bee">
   <xsd:schema xmlns:xsd="http://www.w3.org/2001/XMLSchema" xmlns:xs="http://www.w3.org/2001/XMLSchema" xmlns:p="http://schemas.microsoft.com/office/2006/metadata/properties" xmlns:ns1="http://schemas.microsoft.com/sharepoint/v3" xmlns:ns2="3062a005-2a53-49b8-87d1-0d9762f3d40a" xmlns:ns3="9c035199-34fe-41f5-aa4a-b81609954cdd" targetNamespace="http://schemas.microsoft.com/office/2006/metadata/properties" ma:root="true" ma:fieldsID="2c5dfc0e83f06806dd4d1cafe43f1ef1" ns1:_="" ns2:_="" ns3:_="">
     <xsd:import namespace="http://schemas.microsoft.com/sharepoint/v3"/>
@@ -7415,7 +7915,7 @@
 </ct:contentTypeSchema>
 </file>
 
-<file path=customXml/item3.xml><?xml version="1.0" encoding="utf-8"?>
+<file path=customXml/item4.xml><?xml version="1.0" encoding="utf-8"?>
 <?mso-contentType ?>
 <spe:Receivers xmlns:spe="http://schemas.microsoft.com/sharepoint/events">
   <Receiver>
@@ -7465,65 +7965,56 @@
 </spe:Receivers>
 </file>
 
-<file path=customXml/item4.xml><?xml version="1.0" encoding="utf-8"?>
-<?mso-contentType ?>
-<FormTemplates xmlns="http://schemas.microsoft.com/sharepoint/v3/contenttype/forms">
-  <Display>DocumentLibraryForm</Display>
-  <Edit>DocumentLibraryForm</Edit>
-  <New>DocumentLibraryForm</New>
-</FormTemplates>
-</file>
-
 <file path=customXml/itemProps1.xml><?xml version="1.0" encoding="utf-8"?>
 <ds:datastoreItem xmlns:ds="http://schemas.openxmlformats.org/officeDocument/2006/customXml" ds:itemID="{09A24B84-AF68-4B06-89ED-A483BC44F19D}">
   <ds:schemaRefs>
-    <ds:schemaRef ds:uri="http://schemas.openxmlformats.org/package/2006/metadata/core-properties"/>
-    <ds:schemaRef ds:uri="http://purl.org/dc/terms/"/>
-    <ds:schemaRef ds:uri="http://www.w3.org/XML/1998/namespace"/>
-    <ds:schemaRef ds:uri="http://schemas.microsoft.com/sharepoint/v3"/>
-    <ds:schemaRef ds:uri="http://schemas.microsoft.com/office/2006/metadata/properties"/>
-    <ds:schemaRef ds:uri="http://purl.org/dc/elements/1.1/"/>
-    <ds:schemaRef ds:uri="http://schemas.microsoft.com/office/2006/documentManagement/types"/>
     <ds:schemaRef ds:uri="3062a005-2a53-49b8-87d1-0d9762f3d40a"/>
     <ds:schemaRef ds:uri="9c035199-34fe-41f5-aa4a-b81609954cdd"/>
+    <ds:schemaRef ds:uri="http://purl.org/dc/dcmitype/"/>
+    <ds:schemaRef ds:uri="http://purl.org/dc/elements/1.1/"/>
+    <ds:schemaRef ds:uri="http://purl.org/dc/terms/"/>
+    <ds:schemaRef ds:uri="http://schemas.microsoft.com/office/2006/documentManagement/types"/>
+    <ds:schemaRef ds:uri="http://schemas.microsoft.com/office/2006/metadata/properties"/>
     <ds:schemaRef ds:uri="http://schemas.microsoft.com/office/infopath/2007/PartnerControls"/>
-    <ds:schemaRef ds:uri="http://purl.org/dc/dcmitype/"/>
+    <ds:schemaRef ds:uri="http://schemas.microsoft.com/sharepoint/v3"/>
+    <ds:schemaRef ds:uri="http://schemas.openxmlformats.org/package/2006/metadata/core-properties"/>
+    <ds:schemaRef ds:uri="http://www.w3.org/XML/1998/namespace"/>
   </ds:schemaRefs>
 </ds:datastoreItem>
 </file>
 
 <file path=customXml/itemProps2.xml><?xml version="1.0" encoding="utf-8"?>
-<ds:datastoreItem xmlns:ds="http://schemas.openxmlformats.org/officeDocument/2006/customXml" ds:itemID="{CE944545-B07D-4744-9E03-4F3AE3179F49}">
+<ds:datastoreItem xmlns:ds="http://schemas.openxmlformats.org/officeDocument/2006/customXml" ds:itemID="{2F079C28-9DF0-4EFB-8188-5610D5EC9E09}">
   <ds:schemaRefs>
-    <ds:schemaRef ds:uri="http://schemas.microsoft.com/office/2006/metadata/contentType"/>
-    <ds:schemaRef ds:uri="http://schemas.microsoft.com/office/2006/metadata/properties/metaAttributes"/>
-    <ds:schemaRef ds:uri="http://www.w3.org/2001/XMLSchema"/>
-    <ds:schemaRef ds:uri="http://schemas.microsoft.com/office/2006/metadata/properties"/>
-    <ds:schemaRef ds:uri="http://schemas.microsoft.com/sharepoint/v3"/>
-    <ds:schemaRef ds:uri="3062a005-2a53-49b8-87d1-0d9762f3d40a"/>
-    <ds:schemaRef ds:uri="9c035199-34fe-41f5-aa4a-b81609954cdd"/>
-    <ds:schemaRef ds:uri="http://schemas.microsoft.com/office/2006/documentManagement/types"/>
-    <ds:schemaRef ds:uri="http://schemas.microsoft.com/office/infopath/2007/PartnerControls"/>
-    <ds:schemaRef ds:uri="http://schemas.openxmlformats.org/package/2006/metadata/core-properties"/>
-    <ds:schemaRef ds:uri="http://purl.org/dc/elements/1.1/"/>
-    <ds:schemaRef ds:uri="http://purl.org/dc/terms/"/>
-    <ds:schemaRef ds:uri="http://schemas.microsoft.com/internal/obd"/>
+    <ds:schemaRef ds:uri="http://schemas.microsoft.com/sharepoint/v3/contenttype/forms"/>
   </ds:schemaRefs>
 </ds:datastoreItem>
 </file>
 
 <file path=customXml/itemProps3.xml><?xml version="1.0" encoding="utf-8"?>
+<ds:datastoreItem xmlns:ds="http://schemas.openxmlformats.org/officeDocument/2006/customXml" ds:itemID="{CE944545-B07D-4744-9E03-4F3AE3179F49}">
+  <ds:schemaRefs>
+    <ds:schemaRef ds:uri="3062a005-2a53-49b8-87d1-0d9762f3d40a"/>
+    <ds:schemaRef ds:uri="9c035199-34fe-41f5-aa4a-b81609954cdd"/>
+    <ds:schemaRef ds:uri="http://purl.org/dc/elements/1.1/"/>
+    <ds:schemaRef ds:uri="http://purl.org/dc/terms/"/>
+    <ds:schemaRef ds:uri="http://schemas.microsoft.com/internal/obd"/>
+    <ds:schemaRef ds:uri="http://schemas.microsoft.com/office/2006/documentManagement/types"/>
+    <ds:schemaRef ds:uri="http://schemas.microsoft.com/office/2006/metadata/contentType"/>
+    <ds:schemaRef ds:uri="http://schemas.microsoft.com/office/2006/metadata/properties"/>
+    <ds:schemaRef ds:uri="http://schemas.microsoft.com/office/2006/metadata/properties/metaAttributes"/>
+    <ds:schemaRef ds:uri="http://schemas.microsoft.com/office/infopath/2007/PartnerControls"/>
+    <ds:schemaRef ds:uri="http://schemas.microsoft.com/sharepoint/v3"/>
+    <ds:schemaRef ds:uri="http://schemas.openxmlformats.org/package/2006/metadata/core-properties"/>
+    <ds:schemaRef ds:uri="http://www.w3.org/2001/XMLSchema"/>
+  </ds:schemaRefs>
+</ds:datastoreItem>
+</file>
+
+<file path=customXml/itemProps4.xml><?xml version="1.0" encoding="utf-8"?>
 <ds:datastoreItem xmlns:ds="http://schemas.openxmlformats.org/officeDocument/2006/customXml" ds:itemID="{D1E5903D-C562-45A7-965B-C767CC23E665}">
   <ds:schemaRefs>
     <ds:schemaRef ds:uri="http://schemas.microsoft.com/sharepoint/events"/>
   </ds:schemaRefs>
 </ds:datastoreItem>
-</file>
-
-<file path=customXml/itemProps4.xml><?xml version="1.0" encoding="utf-8"?>
-<ds:datastoreItem xmlns:ds="http://schemas.openxmlformats.org/officeDocument/2006/customXml" ds:itemID="{2F079C28-9DF0-4EFB-8188-5610D5EC9E09}">
-  <ds:schemaRefs>
-    <ds:schemaRef ds:uri="http://schemas.microsoft.com/sharepoint/v3/contenttype/forms"/>
-  </ds:schemaRefs>
-</ds:datastoreItem>
 </file>
--- a/course_material/TCCS-Frontend.pptx
+++ b/course_material/TCCS-Frontend.pptx
@@ -696,7 +696,7 @@
           </a:lstStyle>
           <a:p>
             <a:fld id="{C7DBBFD3-6343-324F-8648-82EA0B3F1D65}" type="datetimeFigureOut">
-              <a:t>6/5/2018</a:t>
+              <a:t>10.02.2019</a:t>
             </a:fld>
             <a:endParaRPr lang="da-DK"/>
           </a:p>
@@ -1871,6 +1871,120 @@
     <p:extLst>
       <p:ext uri="{BB962C8B-B14F-4D97-AF65-F5344CB8AC3E}">
         <p14:creationId xmlns:p14="http://schemas.microsoft.com/office/powerpoint/2010/main" val="1748757401"/>
+      </p:ext>
+    </p:extLst>
+  </p:cSld>
+  <p:clrMapOvr>
+    <a:masterClrMapping/>
+  </p:clrMapOvr>
+</p:notes>
+</file>
+
+<file path=ppt/notesSlides/notesSlide3.xml><?xml version="1.0" encoding="utf-8"?>
+<p:notes xmlns:a="http://schemas.openxmlformats.org/drawingml/2006/main" xmlns:r="http://schemas.openxmlformats.org/officeDocument/2006/relationships" xmlns:p="http://schemas.openxmlformats.org/presentationml/2006/main">
+  <p:cSld>
+    <p:spTree>
+      <p:nvGrpSpPr>
+        <p:cNvPr id="1" name=""/>
+        <p:cNvGrpSpPr/>
+        <p:nvPr/>
+      </p:nvGrpSpPr>
+      <p:grpSpPr>
+        <a:xfrm>
+          <a:off x="0" y="0"/>
+          <a:ext cx="0" cy="0"/>
+          <a:chOff x="0" y="0"/>
+          <a:chExt cx="0" cy="0"/>
+        </a:xfrm>
+      </p:grpSpPr>
+      <p:sp>
+        <p:nvSpPr>
+          <p:cNvPr id="2" name="Slide Image Placeholder 1"/>
+          <p:cNvSpPr>
+            <a:spLocks noGrp="1" noRot="1" noChangeAspect="1"/>
+          </p:cNvSpPr>
+          <p:nvPr>
+            <p:ph type="sldImg"/>
+          </p:nvPr>
+        </p:nvSpPr>
+        <p:spPr/>
+      </p:sp>
+      <p:sp>
+        <p:nvSpPr>
+          <p:cNvPr id="3" name="Notes Placeholder 2"/>
+          <p:cNvSpPr>
+            <a:spLocks noGrp="1"/>
+          </p:cNvSpPr>
+          <p:nvPr>
+            <p:ph type="body" idx="1"/>
+          </p:nvPr>
+        </p:nvSpPr>
+        <p:spPr/>
+        <p:txBody>
+          <a:bodyPr/>
+          <a:lstStyle/>
+          <a:p>
+            <a:pPr marL="171450" indent="-171450">
+              <a:buFontTx/>
+              <a:buChar char="-"/>
+            </a:pPr>
+            <a:r>
+              <a:rPr lang="nb-NO" dirty="0"/>
+              <a:t>Tilsvarer </a:t>
+            </a:r>
+            <a:r>
+              <a:rPr lang="nb-NO" dirty="0" err="1"/>
+              <a:t>Browser</a:t>
+            </a:r>
+            <a:r>
+              <a:rPr lang="nb-NO" dirty="0"/>
+              <a:t> </a:t>
+            </a:r>
+            <a:r>
+              <a:rPr lang="nb-NO" dirty="0" err="1"/>
+              <a:t>History</a:t>
+            </a:r>
+            <a:r>
+              <a:rPr lang="nb-NO" dirty="0"/>
+              <a:t> API</a:t>
+            </a:r>
+          </a:p>
+          <a:p>
+            <a:pPr marL="171450" indent="-171450">
+              <a:buFontTx/>
+              <a:buChar char="-"/>
+            </a:pPr>
+            <a:endParaRPr lang="nb-NO" dirty="0"/>
+          </a:p>
+        </p:txBody>
+      </p:sp>
+      <p:sp>
+        <p:nvSpPr>
+          <p:cNvPr id="4" name="Slide Number Placeholder 3"/>
+          <p:cNvSpPr>
+            <a:spLocks noGrp="1"/>
+          </p:cNvSpPr>
+          <p:nvPr>
+            <p:ph type="sldNum" sz="quarter" idx="5"/>
+          </p:nvPr>
+        </p:nvSpPr>
+        <p:spPr/>
+        <p:txBody>
+          <a:bodyPr/>
+          <a:lstStyle/>
+          <a:p>
+            <a:fld id="{EFAC016E-5E5F-3248-8F94-DBEB972C2B51}" type="slidenum">
+              <a:rPr lang="nb-NO" smtClean="0"/>
+              <a:t>11</a:t>
+            </a:fld>
+            <a:endParaRPr lang="nb-NO"/>
+          </a:p>
+        </p:txBody>
+      </p:sp>
+    </p:spTree>
+    <p:extLst>
+      <p:ext uri="{BB962C8B-B14F-4D97-AF65-F5344CB8AC3E}">
+        <p14:creationId xmlns:p14="http://schemas.microsoft.com/office/powerpoint/2010/main" val="2630292947"/>
       </p:ext>
     </p:extLst>
   </p:cSld>
@@ -5072,60 +5186,67 @@
           <a:lstStyle/>
           <a:p>
             <a:r>
-              <a:rPr lang="en-US" err="1"/>
+              <a:rPr lang="en-US" dirty="0"/>
+              <a:t>&lt;router-view/&gt;</a:t>
+            </a:r>
+          </a:p>
+          <a:p>
+            <a:r>
+              <a:rPr lang="en-US" dirty="0" err="1"/>
               <a:t>this.$router</a:t>
             </a:r>
+            <a:endParaRPr lang="en-US" dirty="0"/>
           </a:p>
           <a:p>
             <a:pPr lvl="1"/>
             <a:r>
-              <a:rPr lang="en-US" sz="3200"/>
+              <a:rPr lang="en-US" sz="3200" dirty="0"/>
               <a:t>push</a:t>
             </a:r>
           </a:p>
           <a:p>
             <a:pPr lvl="1"/>
             <a:r>
-              <a:rPr lang="en-US" sz="3200"/>
+              <a:rPr lang="en-US" sz="3200" dirty="0"/>
               <a:t>replace</a:t>
             </a:r>
-            <a:endParaRPr lang="en-US"/>
+            <a:endParaRPr lang="en-US" dirty="0"/>
           </a:p>
           <a:p>
             <a:pPr lvl="1"/>
             <a:r>
-              <a:rPr lang="en-US" sz="3200"/>
+              <a:rPr lang="en-US" sz="3200" dirty="0"/>
               <a:t>go</a:t>
             </a:r>
           </a:p>
           <a:p>
             <a:r>
-              <a:rPr lang="en-US" sz="3600"/>
+              <a:rPr lang="en-US" sz="3600" dirty="0"/>
               <a:t>&lt;router-link&gt;&lt;/router-link&gt;</a:t>
             </a:r>
           </a:p>
           <a:p>
             <a:pPr lvl="1"/>
             <a:r>
-              <a:rPr lang="en-US" sz="3200"/>
+              <a:rPr lang="en-US" sz="3200" dirty="0"/>
               <a:t>to</a:t>
             </a:r>
           </a:p>
           <a:p>
             <a:pPr lvl="1"/>
             <a:r>
-              <a:rPr lang="en-US" sz="3200"/>
+              <a:rPr lang="en-US" sz="3200" dirty="0"/>
               <a:t>replace</a:t>
             </a:r>
           </a:p>
           <a:p>
-            <a:endParaRPr lang="en-US"/>
-          </a:p>
-          <a:p>
-            <a:endParaRPr lang="en-US"/>
-          </a:p>
-          <a:p>
-            <a:endParaRPr lang="en-US"/>
+            <a:endParaRPr lang="en-US" dirty="0"/>
+          </a:p>
+          <a:p>
+            <a:endParaRPr lang="en-US" dirty="0"/>
+          </a:p>
+          <a:p>
+            <a:endParaRPr lang="en-US" dirty="0"/>
           </a:p>
         </p:txBody>
       </p:sp>
@@ -5209,28 +5330,29 @@
           <a:lstStyle/>
           <a:p>
             <a:r>
-              <a:rPr lang="en-US" err="1"/>
+              <a:rPr lang="en-US" dirty="0" err="1"/>
               <a:t>this.$route</a:t>
             </a:r>
+            <a:endParaRPr lang="en-US" dirty="0"/>
           </a:p>
           <a:p>
             <a:pPr lvl="1"/>
             <a:r>
-              <a:rPr lang="en-US" err="1"/>
+              <a:rPr lang="en-US" dirty="0"/>
               <a:t>params</a:t>
             </a:r>
           </a:p>
           <a:p>
             <a:pPr lvl="1"/>
             <a:r>
-              <a:rPr lang="en-US"/>
+              <a:rPr lang="en-US" dirty="0"/>
               <a:t>query</a:t>
             </a:r>
           </a:p>
           <a:p>
             <a:pPr lvl="1"/>
             <a:r>
-              <a:rPr lang="en-US"/>
+              <a:rPr lang="en-US" dirty="0"/>
               <a:t>...</a:t>
             </a:r>
           </a:p>
@@ -5361,24 +5483,24 @@
           <a:lstStyle/>
           <a:p>
             <a:r>
-              <a:rPr lang="en-US"/>
+              <a:rPr lang="en-US" dirty="0"/>
               <a:t>Test Driven Development</a:t>
             </a:r>
           </a:p>
           <a:p>
             <a:r>
-              <a:rPr lang="en-US"/>
+              <a:rPr lang="en-US" dirty="0"/>
               <a:t>Why?</a:t>
             </a:r>
           </a:p>
           <a:p>
             <a:r>
-              <a:rPr lang="en-US"/>
+              <a:rPr lang="en-US" dirty="0"/>
               <a:t>What to test in GUI</a:t>
             </a:r>
           </a:p>
           <a:p>
-            <a:endParaRPr lang="en-US"/>
+            <a:endParaRPr lang="en-US" dirty="0"/>
           </a:p>
         </p:txBody>
       </p:sp>
@@ -6014,7 +6136,7 @@
           <a:lstStyle/>
           <a:p>
             <a:r>
-              <a:rPr lang="en-US"/>
+              <a:rPr lang="en-US" dirty="0"/>
               <a:t>Concept: Component </a:t>
             </a:r>
           </a:p>
@@ -6041,43 +6163,44 @@
           <a:lstStyle/>
           <a:p>
             <a:r>
-              <a:rPr lang="en-US"/>
+              <a:rPr lang="en-US" dirty="0"/>
               <a:t>export something</a:t>
             </a:r>
           </a:p>
           <a:p>
             <a:r>
-              <a:rPr lang="en-US"/>
+              <a:rPr lang="en-US" dirty="0"/>
               <a:t>export default C</a:t>
             </a:r>
           </a:p>
           <a:p>
             <a:r>
-              <a:rPr lang="en-US"/>
+              <a:rPr lang="en-US" dirty="0"/>
               <a:t>import C from './module'</a:t>
             </a:r>
           </a:p>
           <a:p>
             <a:r>
-              <a:rPr lang="en-US"/>
+              <a:rPr lang="en-US" dirty="0"/>
               <a:t>import { something } from './module'   === </a:t>
             </a:r>
             <a:r>
-              <a:rPr lang="en-US" err="1"/>
+              <a:rPr lang="en-US" dirty="0" err="1"/>
               <a:t>C.something</a:t>
             </a:r>
-          </a:p>
-          <a:p>
-            <a:r>
-              <a:rPr lang="en-US"/>
+            <a:endParaRPr lang="en-US" dirty="0"/>
+          </a:p>
+          <a:p>
+            <a:r>
+              <a:rPr lang="en-US" dirty="0"/>
               <a:t>.</a:t>
             </a:r>
             <a:r>
-              <a:rPr lang="en-US" err="1"/>
+              <a:rPr lang="en-US" dirty="0" err="1"/>
               <a:t>vue</a:t>
             </a:r>
             <a:r>
-              <a:rPr lang="en-US"/>
+              <a:rPr lang="en-US" dirty="0"/>
               <a:t> files:</a:t>
             </a:r>
           </a:p>
@@ -6086,7 +6209,7 @@
               <a:buNone/>
             </a:pPr>
             <a:r>
-              <a:rPr lang="en-US"/>
+              <a:rPr lang="en-US" dirty="0"/>
               <a:t>&lt;template&gt;&lt;/template&gt;</a:t>
             </a:r>
           </a:p>
@@ -6095,7 +6218,7 @@
               <a:buNone/>
             </a:pPr>
             <a:r>
-              <a:rPr lang="en-US"/>
+              <a:rPr lang="en-US" dirty="0"/>
               <a:t>&lt;script&gt;&lt;/script&gt;</a:t>
             </a:r>
           </a:p>
@@ -6104,7 +6227,7 @@
               <a:buNone/>
             </a:pPr>
             <a:r>
-              <a:rPr lang="en-US"/>
+              <a:rPr lang="en-US" dirty="0"/>
               <a:t>&lt;style&gt;&lt;/style&gt;</a:t>
             </a:r>
           </a:p>
@@ -6183,33 +6306,33 @@
           <a:lstStyle/>
           <a:p>
             <a:r>
-              <a:rPr lang="en-US"/>
+              <a:rPr lang="en-US" dirty="0"/>
               <a:t>props =&gt; external</a:t>
             </a:r>
           </a:p>
           <a:p>
             <a:r>
-              <a:rPr lang="en-US"/>
+              <a:rPr lang="en-US" dirty="0"/>
               <a:t>data =&gt; internal</a:t>
             </a:r>
           </a:p>
           <a:p>
             <a:r>
-              <a:rPr lang="en-US"/>
+              <a:rPr lang="en-US" dirty="0"/>
               <a:t>computed =&gt; generated (functions)</a:t>
             </a:r>
           </a:p>
           <a:p>
             <a:r>
-              <a:rPr lang="en-US"/>
+              <a:rPr lang="en-US" dirty="0"/>
               <a:t>methods =&gt; methods for events</a:t>
             </a:r>
           </a:p>
           <a:p>
-            <a:endParaRPr lang="en-US"/>
-          </a:p>
-          <a:p>
-            <a:endParaRPr lang="en-US"/>
+            <a:endParaRPr lang="en-US" dirty="0"/>
+          </a:p>
+          <a:p>
+            <a:endParaRPr lang="en-US" dirty="0"/>
           </a:p>
         </p:txBody>
       </p:sp>
@@ -7637,45 +7760,6 @@
 </file>
 
 <file path=customXml/item1.xml><?xml version="1.0" encoding="utf-8"?>
-<p:properties xmlns:p="http://schemas.microsoft.com/office/2006/metadata/properties" xmlns:xsi="http://www.w3.org/2001/XMLSchema-instance" xmlns:pc="http://schemas.microsoft.com/office/infopath/2007/PartnerControls">
-  <documentManagement>
-    <R_x00e6_kkef_x00f8_lge xmlns="9c035199-34fe-41f5-aa4a-b81609954cdd">30</R_x00e6_kkef_x00f8_lge>
-    <Guideline xmlns="9c035199-34fe-41f5-aa4a-b81609954cdd">
-      <Url xsi:nil="true"/>
-      <Description xsi:nil="true"/>
-    </Guideline>
-    <CCMTemplateName xmlns="http://schemas.microsoft.com/sharepoint/v3" xsi:nil="true"/>
-    <CCMTemplateVersion xmlns="http://schemas.microsoft.com/sharepoint/v3" xsi:nil="true"/>
-    <Sprog xmlns="9c035199-34fe-41f5-aa4a-b81609954cdd">DA</Sprog>
-    <CCMTemplateDate xmlns="http://schemas.microsoft.com/sharepoint/v3">2014-07-30T22:00:00+00:00</CCMTemplateDate>
-    <CCMTemplateResponsible xmlns="http://schemas.microsoft.com/sharepoint/v3">
-      <UserInfo>
-        <DisplayName/>
-        <AccountId xsi:nil="true"/>
-        <AccountType/>
-      </UserInfo>
-    </CCMTemplateResponsible>
-    <TemplateType xmlns="9c035199-34fe-41f5-aa4a-b81609954cdd">Generelt</TemplateType>
-    <Deliverable xmlns="http://schemas.microsoft.com/sharepoint/v3" xsi:nil="true"/>
-    <_dlc_DocId xmlns="3062a005-2a53-49b8-87d1-0d9762f3d40a">T2YKUWDCCE4Z-12-78</_dlc_DocId>
-    <_dlc_DocIdUrl xmlns="3062a005-2a53-49b8-87d1-0d9762f3d40a">
-      <Url>https://goto.netcompany.com/GOAdministration/_layouts/15/DocIdRedir.aspx?ID=T2YKUWDCCE4Z-12-78</Url>
-      <Description>T2YKUWDCCE4Z-12-78</Description>
-    </_dlc_DocIdUrl>
-  </documentManagement>
-</p:properties>
-</file>
-
-<file path=customXml/item2.xml><?xml version="1.0" encoding="utf-8"?>
-<?mso-contentType ?>
-<FormTemplates xmlns="http://schemas.microsoft.com/sharepoint/v3/contenttype/forms">
-  <Display>DocumentLibraryForm</Display>
-  <Edit>DocumentLibraryForm</Edit>
-  <New>DocumentLibraryForm</New>
-</FormTemplates>
-</file>
-
-<file path=customXml/item3.xml><?xml version="1.0" encoding="utf-8"?>
 <ct:contentTypeSchema xmlns:ct="http://schemas.microsoft.com/office/2006/metadata/contentType" xmlns:ma="http://schemas.microsoft.com/office/2006/metadata/properties/metaAttributes" ct:_="" ma:_="" ma:contentTypeName="Dokument" ma:contentTypeID="0x010100B43365BADAF0A24D90DB1F3DE146000C" ma:contentTypeVersion="14" ma:contentTypeDescription="Opret et nyt dokument." ma:contentTypeScope="" ma:versionID="b741021eedef7a7115eb72c43f129bee">
   <xsd:schema xmlns:xsd="http://www.w3.org/2001/XMLSchema" xmlns:xs="http://www.w3.org/2001/XMLSchema" xmlns:p="http://schemas.microsoft.com/office/2006/metadata/properties" xmlns:ns1="http://schemas.microsoft.com/sharepoint/v3" xmlns:ns2="3062a005-2a53-49b8-87d1-0d9762f3d40a" xmlns:ns3="9c035199-34fe-41f5-aa4a-b81609954cdd" targetNamespace="http://schemas.microsoft.com/office/2006/metadata/properties" ma:root="true" ma:fieldsID="2c5dfc0e83f06806dd4d1cafe43f1ef1" ns1:_="" ns2:_="" ns3:_="">
     <xsd:import namespace="http://schemas.microsoft.com/sharepoint/v3"/>
@@ -7915,6 +7999,45 @@
 </ct:contentTypeSchema>
 </file>
 
+<file path=customXml/item2.xml><?xml version="1.0" encoding="utf-8"?>
+<?mso-contentType ?>
+<FormTemplates xmlns="http://schemas.microsoft.com/sharepoint/v3/contenttype/forms">
+  <Display>DocumentLibraryForm</Display>
+  <Edit>DocumentLibraryForm</Edit>
+  <New>DocumentLibraryForm</New>
+</FormTemplates>
+</file>
+
+<file path=customXml/item3.xml><?xml version="1.0" encoding="utf-8"?>
+<p:properties xmlns:p="http://schemas.microsoft.com/office/2006/metadata/properties" xmlns:xsi="http://www.w3.org/2001/XMLSchema-instance" xmlns:pc="http://schemas.microsoft.com/office/infopath/2007/PartnerControls">
+  <documentManagement>
+    <R_x00e6_kkef_x00f8_lge xmlns="9c035199-34fe-41f5-aa4a-b81609954cdd">30</R_x00e6_kkef_x00f8_lge>
+    <Guideline xmlns="9c035199-34fe-41f5-aa4a-b81609954cdd">
+      <Url xsi:nil="true"/>
+      <Description xsi:nil="true"/>
+    </Guideline>
+    <CCMTemplateName xmlns="http://schemas.microsoft.com/sharepoint/v3" xsi:nil="true"/>
+    <CCMTemplateVersion xmlns="http://schemas.microsoft.com/sharepoint/v3" xsi:nil="true"/>
+    <Sprog xmlns="9c035199-34fe-41f5-aa4a-b81609954cdd">DA</Sprog>
+    <CCMTemplateDate xmlns="http://schemas.microsoft.com/sharepoint/v3">2014-07-30T22:00:00+00:00</CCMTemplateDate>
+    <CCMTemplateResponsible xmlns="http://schemas.microsoft.com/sharepoint/v3">
+      <UserInfo>
+        <DisplayName/>
+        <AccountId xsi:nil="true"/>
+        <AccountType/>
+      </UserInfo>
+    </CCMTemplateResponsible>
+    <TemplateType xmlns="9c035199-34fe-41f5-aa4a-b81609954cdd">Generelt</TemplateType>
+    <Deliverable xmlns="http://schemas.microsoft.com/sharepoint/v3" xsi:nil="true"/>
+    <_dlc_DocId xmlns="3062a005-2a53-49b8-87d1-0d9762f3d40a">T2YKUWDCCE4Z-12-78</_dlc_DocId>
+    <_dlc_DocIdUrl xmlns="3062a005-2a53-49b8-87d1-0d9762f3d40a">
+      <Url>https://goto.netcompany.com/GOAdministration/_layouts/15/DocIdRedir.aspx?ID=T2YKUWDCCE4Z-12-78</Url>
+      <Description>T2YKUWDCCE4Z-12-78</Description>
+    </_dlc_DocIdUrl>
+  </documentManagement>
+</p:properties>
+</file>
+
 <file path=customXml/item4.xml><?xml version="1.0" encoding="utf-8"?>
 <?mso-contentType ?>
 <spe:Receivers xmlns:spe="http://schemas.microsoft.com/sharepoint/events">
@@ -7966,32 +8089,6 @@
 </file>
 
 <file path=customXml/itemProps1.xml><?xml version="1.0" encoding="utf-8"?>
-<ds:datastoreItem xmlns:ds="http://schemas.openxmlformats.org/officeDocument/2006/customXml" ds:itemID="{09A24B84-AF68-4B06-89ED-A483BC44F19D}">
-  <ds:schemaRefs>
-    <ds:schemaRef ds:uri="3062a005-2a53-49b8-87d1-0d9762f3d40a"/>
-    <ds:schemaRef ds:uri="9c035199-34fe-41f5-aa4a-b81609954cdd"/>
-    <ds:schemaRef ds:uri="http://purl.org/dc/dcmitype/"/>
-    <ds:schemaRef ds:uri="http://purl.org/dc/elements/1.1/"/>
-    <ds:schemaRef ds:uri="http://purl.org/dc/terms/"/>
-    <ds:schemaRef ds:uri="http://schemas.microsoft.com/office/2006/documentManagement/types"/>
-    <ds:schemaRef ds:uri="http://schemas.microsoft.com/office/2006/metadata/properties"/>
-    <ds:schemaRef ds:uri="http://schemas.microsoft.com/office/infopath/2007/PartnerControls"/>
-    <ds:schemaRef ds:uri="http://schemas.microsoft.com/sharepoint/v3"/>
-    <ds:schemaRef ds:uri="http://schemas.openxmlformats.org/package/2006/metadata/core-properties"/>
-    <ds:schemaRef ds:uri="http://www.w3.org/XML/1998/namespace"/>
-  </ds:schemaRefs>
-</ds:datastoreItem>
-</file>
-
-<file path=customXml/itemProps2.xml><?xml version="1.0" encoding="utf-8"?>
-<ds:datastoreItem xmlns:ds="http://schemas.openxmlformats.org/officeDocument/2006/customXml" ds:itemID="{2F079C28-9DF0-4EFB-8188-5610D5EC9E09}">
-  <ds:schemaRefs>
-    <ds:schemaRef ds:uri="http://schemas.microsoft.com/sharepoint/v3/contenttype/forms"/>
-  </ds:schemaRefs>
-</ds:datastoreItem>
-</file>
-
-<file path=customXml/itemProps3.xml><?xml version="1.0" encoding="utf-8"?>
 <ds:datastoreItem xmlns:ds="http://schemas.openxmlformats.org/officeDocument/2006/customXml" ds:itemID="{CE944545-B07D-4744-9E03-4F3AE3179F49}">
   <ds:schemaRefs>
     <ds:schemaRef ds:uri="3062a005-2a53-49b8-87d1-0d9762f3d40a"/>
@@ -8011,6 +8108,32 @@
 </ds:datastoreItem>
 </file>
 
+<file path=customXml/itemProps2.xml><?xml version="1.0" encoding="utf-8"?>
+<ds:datastoreItem xmlns:ds="http://schemas.openxmlformats.org/officeDocument/2006/customXml" ds:itemID="{2F079C28-9DF0-4EFB-8188-5610D5EC9E09}">
+  <ds:schemaRefs>
+    <ds:schemaRef ds:uri="http://schemas.microsoft.com/sharepoint/v3/contenttype/forms"/>
+  </ds:schemaRefs>
+</ds:datastoreItem>
+</file>
+
+<file path=customXml/itemProps3.xml><?xml version="1.0" encoding="utf-8"?>
+<ds:datastoreItem xmlns:ds="http://schemas.openxmlformats.org/officeDocument/2006/customXml" ds:itemID="{09A24B84-AF68-4B06-89ED-A483BC44F19D}">
+  <ds:schemaRefs>
+    <ds:schemaRef ds:uri="3062a005-2a53-49b8-87d1-0d9762f3d40a"/>
+    <ds:schemaRef ds:uri="9c035199-34fe-41f5-aa4a-b81609954cdd"/>
+    <ds:schemaRef ds:uri="http://purl.org/dc/dcmitype/"/>
+    <ds:schemaRef ds:uri="http://purl.org/dc/elements/1.1/"/>
+    <ds:schemaRef ds:uri="http://purl.org/dc/terms/"/>
+    <ds:schemaRef ds:uri="http://schemas.microsoft.com/office/2006/documentManagement/types"/>
+    <ds:schemaRef ds:uri="http://schemas.microsoft.com/office/2006/metadata/properties"/>
+    <ds:schemaRef ds:uri="http://schemas.microsoft.com/office/infopath/2007/PartnerControls"/>
+    <ds:schemaRef ds:uri="http://schemas.microsoft.com/sharepoint/v3"/>
+    <ds:schemaRef ds:uri="http://schemas.openxmlformats.org/package/2006/metadata/core-properties"/>
+    <ds:schemaRef ds:uri="http://www.w3.org/XML/1998/namespace"/>
+  </ds:schemaRefs>
+</ds:datastoreItem>
+</file>
+
 <file path=customXml/itemProps4.xml><?xml version="1.0" encoding="utf-8"?>
 <ds:datastoreItem xmlns:ds="http://schemas.openxmlformats.org/officeDocument/2006/customXml" ds:itemID="{D1E5903D-C562-45A7-965B-C767CC23E665}">
   <ds:schemaRefs>

--- a/course_material/TCCS-Frontend.pptx
+++ b/course_material/TCCS-Frontend.pptx
@@ -188,433 +188,6 @@
 </p1510:revInfo>
 </file>
 
-<file path=ppt/changesInfos/changesInfo1.xml><?xml version="1.0" encoding="utf-8"?>
-<pc:chgInfo xmlns:a="http://schemas.openxmlformats.org/drawingml/2006/main" xmlns:r="http://schemas.openxmlformats.org/officeDocument/2006/relationships" xmlns:ac="http://schemas.microsoft.com/office/drawing/2013/main/command" xmlns:pc="http://schemas.microsoft.com/office/powerpoint/2013/main/command">
-  <pc:docChgLst>
-    <pc:chgData name="Mikkel Steine" userId="S::mikkels@netcompany.com::e3a6fa7f-6b43-4e52-b274-68841d710d1d" providerId="AD" clId="Web-{49E9DBAE-4FEF-41EE-8BD6-43D78200E18B}"/>
-    <pc:docChg chg="addSld modSld sldOrd">
-      <pc:chgData name="Mikkel Steine" userId="S::mikkels@netcompany.com::e3a6fa7f-6b43-4e52-b274-68841d710d1d" providerId="AD" clId="Web-{49E9DBAE-4FEF-41EE-8BD6-43D78200E18B}" dt="2018-06-04T21:40:42.708" v="665" actId="20577"/>
-      <pc:docMkLst>
-        <pc:docMk/>
-      </pc:docMkLst>
-      <pc:sldChg chg="modSp">
-        <pc:chgData name="Mikkel Steine" userId="S::mikkels@netcompany.com::e3a6fa7f-6b43-4e52-b274-68841d710d1d" providerId="AD" clId="Web-{49E9DBAE-4FEF-41EE-8BD6-43D78200E18B}" dt="2018-06-04T21:40:42.708" v="664" actId="20577"/>
-        <pc:sldMkLst>
-          <pc:docMk/>
-          <pc:sldMk cId="3657994961" sldId="256"/>
-        </pc:sldMkLst>
-        <pc:spChg chg="mod">
-          <ac:chgData name="Mikkel Steine" userId="S::mikkels@netcompany.com::e3a6fa7f-6b43-4e52-b274-68841d710d1d" providerId="AD" clId="Web-{49E9DBAE-4FEF-41EE-8BD6-43D78200E18B}" dt="2018-06-04T21:40:42.708" v="664" actId="20577"/>
-          <ac:spMkLst>
-            <pc:docMk/>
-            <pc:sldMk cId="3657994961" sldId="256"/>
-            <ac:spMk id="2" creationId="{00000000-0000-0000-0000-000000000000}"/>
-          </ac:spMkLst>
-        </pc:spChg>
-        <pc:spChg chg="mod">
-          <ac:chgData name="Mikkel Steine" userId="S::mikkels@netcompany.com::e3a6fa7f-6b43-4e52-b274-68841d710d1d" providerId="AD" clId="Web-{49E9DBAE-4FEF-41EE-8BD6-43D78200E18B}" dt="2018-06-04T21:40:29.848" v="657" actId="20577"/>
-          <ac:spMkLst>
-            <pc:docMk/>
-            <pc:sldMk cId="3657994961" sldId="256"/>
-            <ac:spMk id="6" creationId="{00000000-0000-0000-0000-000000000000}"/>
-          </ac:spMkLst>
-        </pc:spChg>
-      </pc:sldChg>
-      <pc:sldChg chg="modSp">
-        <pc:chgData name="Mikkel Steine" userId="S::mikkels@netcompany.com::e3a6fa7f-6b43-4e52-b274-68841d710d1d" providerId="AD" clId="Web-{49E9DBAE-4FEF-41EE-8BD6-43D78200E18B}" dt="2018-06-04T21:35:49.435" v="537" actId="20577"/>
-        <pc:sldMkLst>
-          <pc:docMk/>
-          <pc:sldMk cId="779671666" sldId="267"/>
-        </pc:sldMkLst>
-        <pc:spChg chg="mod">
-          <ac:chgData name="Mikkel Steine" userId="S::mikkels@netcompany.com::e3a6fa7f-6b43-4e52-b274-68841d710d1d" providerId="AD" clId="Web-{49E9DBAE-4FEF-41EE-8BD6-43D78200E18B}" dt="2018-06-04T21:35:49.435" v="537" actId="20577"/>
-          <ac:spMkLst>
-            <pc:docMk/>
-            <pc:sldMk cId="779671666" sldId="267"/>
-            <ac:spMk id="3" creationId="{00000000-0000-0000-0000-000000000000}"/>
-          </ac:spMkLst>
-        </pc:spChg>
-        <pc:spChg chg="mod">
-          <ac:chgData name="Mikkel Steine" userId="S::mikkels@netcompany.com::e3a6fa7f-6b43-4e52-b274-68841d710d1d" providerId="AD" clId="Web-{49E9DBAE-4FEF-41EE-8BD6-43D78200E18B}" dt="2018-06-04T21:31:17.691" v="397" actId="20577"/>
-          <ac:spMkLst>
-            <pc:docMk/>
-            <pc:sldMk cId="779671666" sldId="267"/>
-            <ac:spMk id="8" creationId="{00000000-0000-0000-0000-000000000000}"/>
-          </ac:spMkLst>
-        </pc:spChg>
-      </pc:sldChg>
-      <pc:sldChg chg="addSp modSp ord">
-        <pc:chgData name="Mikkel Steine" userId="S::mikkels@netcompany.com::e3a6fa7f-6b43-4e52-b274-68841d710d1d" providerId="AD" clId="Web-{49E9DBAE-4FEF-41EE-8BD6-43D78200E18B}" dt="2018-06-04T21:23:26.398" v="311" actId="1076"/>
-        <pc:sldMkLst>
-          <pc:docMk/>
-          <pc:sldMk cId="857154214" sldId="268"/>
-        </pc:sldMkLst>
-        <pc:spChg chg="mod">
-          <ac:chgData name="Mikkel Steine" userId="S::mikkels@netcompany.com::e3a6fa7f-6b43-4e52-b274-68841d710d1d" providerId="AD" clId="Web-{49E9DBAE-4FEF-41EE-8BD6-43D78200E18B}" dt="2018-06-04T21:22:36.381" v="307" actId="20577"/>
-          <ac:spMkLst>
-            <pc:docMk/>
-            <pc:sldMk cId="857154214" sldId="268"/>
-            <ac:spMk id="4" creationId="{00000000-0000-0000-0000-000000000000}"/>
-          </ac:spMkLst>
-        </pc:spChg>
-        <pc:spChg chg="mod">
-          <ac:chgData name="Mikkel Steine" userId="S::mikkels@netcompany.com::e3a6fa7f-6b43-4e52-b274-68841d710d1d" providerId="AD" clId="Web-{49E9DBAE-4FEF-41EE-8BD6-43D78200E18B}" dt="2018-06-04T21:22:23.881" v="296" actId="20577"/>
-          <ac:spMkLst>
-            <pc:docMk/>
-            <pc:sldMk cId="857154214" sldId="268"/>
-            <ac:spMk id="5" creationId="{00000000-0000-0000-0000-000000000000}"/>
-          </ac:spMkLst>
-        </pc:spChg>
-        <pc:picChg chg="add mod ord modCrop">
-          <ac:chgData name="Mikkel Steine" userId="S::mikkels@netcompany.com::e3a6fa7f-6b43-4e52-b274-68841d710d1d" providerId="AD" clId="Web-{49E9DBAE-4FEF-41EE-8BD6-43D78200E18B}" dt="2018-06-04T21:23:26.398" v="311" actId="1076"/>
-          <ac:picMkLst>
-            <pc:docMk/>
-            <pc:sldMk cId="857154214" sldId="268"/>
-            <ac:picMk id="2" creationId="{98CD9DAE-C2E2-4026-9BBB-03C80EDAAED9}"/>
-          </ac:picMkLst>
-        </pc:picChg>
-      </pc:sldChg>
-      <pc:sldChg chg="modSp add ord replId">
-        <pc:chgData name="Mikkel Steine" userId="S::mikkels@netcompany.com::e3a6fa7f-6b43-4e52-b274-68841d710d1d" providerId="AD" clId="Web-{49E9DBAE-4FEF-41EE-8BD6-43D78200E18B}" dt="2018-06-04T21:07:41.544" v="136" actId="14100"/>
-        <pc:sldMkLst>
-          <pc:docMk/>
-          <pc:sldMk cId="391190896" sldId="269"/>
-        </pc:sldMkLst>
-        <pc:spChg chg="mod">
-          <ac:chgData name="Mikkel Steine" userId="S::mikkels@netcompany.com::e3a6fa7f-6b43-4e52-b274-68841d710d1d" providerId="AD" clId="Web-{49E9DBAE-4FEF-41EE-8BD6-43D78200E18B}" dt="2018-06-04T21:00:45.326" v="7" actId="20577"/>
-          <ac:spMkLst>
-            <pc:docMk/>
-            <pc:sldMk cId="391190896" sldId="269"/>
-            <ac:spMk id="4" creationId="{00000000-0000-0000-0000-000000000000}"/>
-          </ac:spMkLst>
-        </pc:spChg>
-        <pc:spChg chg="mod">
-          <ac:chgData name="Mikkel Steine" userId="S::mikkels@netcompany.com::e3a6fa7f-6b43-4e52-b274-68841d710d1d" providerId="AD" clId="Web-{49E9DBAE-4FEF-41EE-8BD6-43D78200E18B}" dt="2018-06-04T21:07:41.544" v="136" actId="14100"/>
-          <ac:spMkLst>
-            <pc:docMk/>
-            <pc:sldMk cId="391190896" sldId="269"/>
-            <ac:spMk id="5" creationId="{00000000-0000-0000-0000-000000000000}"/>
-          </ac:spMkLst>
-        </pc:spChg>
-      </pc:sldChg>
-      <pc:sldChg chg="modSp add replId">
-        <pc:chgData name="Mikkel Steine" userId="S::mikkels@netcompany.com::e3a6fa7f-6b43-4e52-b274-68841d710d1d" providerId="AD" clId="Web-{49E9DBAE-4FEF-41EE-8BD6-43D78200E18B}" dt="2018-06-04T21:17:13.606" v="272" actId="20577"/>
-        <pc:sldMkLst>
-          <pc:docMk/>
-          <pc:sldMk cId="476488934" sldId="270"/>
-        </pc:sldMkLst>
-        <pc:spChg chg="mod">
-          <ac:chgData name="Mikkel Steine" userId="S::mikkels@netcompany.com::e3a6fa7f-6b43-4e52-b274-68841d710d1d" providerId="AD" clId="Web-{49E9DBAE-4FEF-41EE-8BD6-43D78200E18B}" dt="2018-06-04T21:15:23.884" v="248" actId="20577"/>
-          <ac:spMkLst>
-            <pc:docMk/>
-            <pc:sldMk cId="476488934" sldId="270"/>
-            <ac:spMk id="4" creationId="{00000000-0000-0000-0000-000000000000}"/>
-          </ac:spMkLst>
-        </pc:spChg>
-        <pc:spChg chg="mod">
-          <ac:chgData name="Mikkel Steine" userId="S::mikkels@netcompany.com::e3a6fa7f-6b43-4e52-b274-68841d710d1d" providerId="AD" clId="Web-{49E9DBAE-4FEF-41EE-8BD6-43D78200E18B}" dt="2018-06-04T21:17:13.606" v="272" actId="20577"/>
-          <ac:spMkLst>
-            <pc:docMk/>
-            <pc:sldMk cId="476488934" sldId="270"/>
-            <ac:spMk id="5" creationId="{00000000-0000-0000-0000-000000000000}"/>
-          </ac:spMkLst>
-        </pc:spChg>
-      </pc:sldChg>
-      <pc:sldChg chg="modSp add ord replId">
-        <pc:chgData name="Mikkel Steine" userId="S::mikkels@netcompany.com::e3a6fa7f-6b43-4e52-b274-68841d710d1d" providerId="AD" clId="Web-{49E9DBAE-4FEF-41EE-8BD6-43D78200E18B}" dt="2018-06-04T21:24:06.024" v="318" actId="20577"/>
-        <pc:sldMkLst>
-          <pc:docMk/>
-          <pc:sldMk cId="2059061208" sldId="271"/>
-        </pc:sldMkLst>
-        <pc:spChg chg="mod">
-          <ac:chgData name="Mikkel Steine" userId="S::mikkels@netcompany.com::e3a6fa7f-6b43-4e52-b274-68841d710d1d" providerId="AD" clId="Web-{49E9DBAE-4FEF-41EE-8BD6-43D78200E18B}" dt="2018-06-04T21:24:06.024" v="318" actId="20577"/>
-          <ac:spMkLst>
-            <pc:docMk/>
-            <pc:sldMk cId="2059061208" sldId="271"/>
-            <ac:spMk id="3" creationId="{00000000-0000-0000-0000-000000000000}"/>
-          </ac:spMkLst>
-        </pc:spChg>
-      </pc:sldChg>
-      <pc:sldChg chg="modSp add ord replId">
-        <pc:chgData name="Mikkel Steine" userId="S::mikkels@netcompany.com::e3a6fa7f-6b43-4e52-b274-68841d710d1d" providerId="AD" clId="Web-{49E9DBAE-4FEF-41EE-8BD6-43D78200E18B}" dt="2018-06-04T21:30:52.503" v="389" actId="20577"/>
-        <pc:sldMkLst>
-          <pc:docMk/>
-          <pc:sldMk cId="1289836975" sldId="272"/>
-        </pc:sldMkLst>
-        <pc:spChg chg="mod">
-          <ac:chgData name="Mikkel Steine" userId="S::mikkels@netcompany.com::e3a6fa7f-6b43-4e52-b274-68841d710d1d" providerId="AD" clId="Web-{49E9DBAE-4FEF-41EE-8BD6-43D78200E18B}" dt="2018-06-04T21:27:15.513" v="337" actId="20577"/>
-          <ac:spMkLst>
-            <pc:docMk/>
-            <pc:sldMk cId="1289836975" sldId="272"/>
-            <ac:spMk id="4" creationId="{00000000-0000-0000-0000-000000000000}"/>
-          </ac:spMkLst>
-        </pc:spChg>
-        <pc:spChg chg="mod">
-          <ac:chgData name="Mikkel Steine" userId="S::mikkels@netcompany.com::e3a6fa7f-6b43-4e52-b274-68841d710d1d" providerId="AD" clId="Web-{49E9DBAE-4FEF-41EE-8BD6-43D78200E18B}" dt="2018-06-04T21:30:52.503" v="389" actId="20577"/>
-          <ac:spMkLst>
-            <pc:docMk/>
-            <pc:sldMk cId="1289836975" sldId="272"/>
-            <ac:spMk id="5" creationId="{00000000-0000-0000-0000-000000000000}"/>
-          </ac:spMkLst>
-        </pc:spChg>
-      </pc:sldChg>
-      <pc:sldChg chg="modSp add ord replId">
-        <pc:chgData name="Mikkel Steine" userId="S::mikkels@netcompany.com::e3a6fa7f-6b43-4e52-b274-68841d710d1d" providerId="AD" clId="Web-{49E9DBAE-4FEF-41EE-8BD6-43D78200E18B}" dt="2018-06-04T21:38:05.579" v="606" actId="20577"/>
-        <pc:sldMkLst>
-          <pc:docMk/>
-          <pc:sldMk cId="2363362234" sldId="273"/>
-        </pc:sldMkLst>
-        <pc:spChg chg="mod">
-          <ac:chgData name="Mikkel Steine" userId="S::mikkels@netcompany.com::e3a6fa7f-6b43-4e52-b274-68841d710d1d" providerId="AD" clId="Web-{49E9DBAE-4FEF-41EE-8BD6-43D78200E18B}" dt="2018-06-04T21:38:05.579" v="606" actId="20577"/>
-          <ac:spMkLst>
-            <pc:docMk/>
-            <pc:sldMk cId="2363362234" sldId="273"/>
-            <ac:spMk id="3" creationId="{00000000-0000-0000-0000-000000000000}"/>
-          </ac:spMkLst>
-        </pc:spChg>
-      </pc:sldChg>
-      <pc:sldChg chg="add replId">
-        <pc:chgData name="Mikkel Steine" userId="S::mikkels@netcompany.com::e3a6fa7f-6b43-4e52-b274-68841d710d1d" providerId="AD" clId="Web-{49E9DBAE-4FEF-41EE-8BD6-43D78200E18B}" dt="2018-06-04T21:31:11.285" v="395" actId="20577"/>
-        <pc:sldMkLst>
-          <pc:docMk/>
-          <pc:sldMk cId="224518926" sldId="274"/>
-        </pc:sldMkLst>
-      </pc:sldChg>
-      <pc:sldChg chg="modSp add replId">
-        <pc:chgData name="Mikkel Steine" userId="S::mikkels@netcompany.com::e3a6fa7f-6b43-4e52-b274-68841d710d1d" providerId="AD" clId="Web-{49E9DBAE-4FEF-41EE-8BD6-43D78200E18B}" dt="2018-06-04T21:37:51.891" v="596" actId="20577"/>
-        <pc:sldMkLst>
-          <pc:docMk/>
-          <pc:sldMk cId="2680899846" sldId="275"/>
-        </pc:sldMkLst>
-        <pc:spChg chg="mod">
-          <ac:chgData name="Mikkel Steine" userId="S::mikkels@netcompany.com::e3a6fa7f-6b43-4e52-b274-68841d710d1d" providerId="AD" clId="Web-{49E9DBAE-4FEF-41EE-8BD6-43D78200E18B}" dt="2018-06-04T21:36:37.405" v="547" actId="20577"/>
-          <ac:spMkLst>
-            <pc:docMk/>
-            <pc:sldMk cId="2680899846" sldId="275"/>
-            <ac:spMk id="4" creationId="{00000000-0000-0000-0000-000000000000}"/>
-          </ac:spMkLst>
-        </pc:spChg>
-        <pc:spChg chg="mod">
-          <ac:chgData name="Mikkel Steine" userId="S::mikkels@netcompany.com::e3a6fa7f-6b43-4e52-b274-68841d710d1d" providerId="AD" clId="Web-{49E9DBAE-4FEF-41EE-8BD6-43D78200E18B}" dt="2018-06-04T21:37:51.891" v="596" actId="20577"/>
-          <ac:spMkLst>
-            <pc:docMk/>
-            <pc:sldMk cId="2680899846" sldId="275"/>
-            <ac:spMk id="5" creationId="{00000000-0000-0000-0000-000000000000}"/>
-          </ac:spMkLst>
-        </pc:spChg>
-      </pc:sldChg>
-      <pc:sldChg chg="modSp add ord replId">
-        <pc:chgData name="Mikkel Steine" userId="S::mikkels@netcompany.com::e3a6fa7f-6b43-4e52-b274-68841d710d1d" providerId="AD" clId="Web-{49E9DBAE-4FEF-41EE-8BD6-43D78200E18B}" dt="2018-06-04T21:38:01.110" v="603" actId="20577"/>
-        <pc:sldMkLst>
-          <pc:docMk/>
-          <pc:sldMk cId="132389489" sldId="276"/>
-        </pc:sldMkLst>
-        <pc:spChg chg="mod">
-          <ac:chgData name="Mikkel Steine" userId="S::mikkels@netcompany.com::e3a6fa7f-6b43-4e52-b274-68841d710d1d" providerId="AD" clId="Web-{49E9DBAE-4FEF-41EE-8BD6-43D78200E18B}" dt="2018-06-04T21:38:01.110" v="603" actId="20577"/>
-          <ac:spMkLst>
-            <pc:docMk/>
-            <pc:sldMk cId="132389489" sldId="276"/>
-            <ac:spMk id="3" creationId="{00000000-0000-0000-0000-000000000000}"/>
-          </ac:spMkLst>
-        </pc:spChg>
-      </pc:sldChg>
-      <pc:sldChg chg="modSp add replId">
-        <pc:chgData name="Mikkel Steine" userId="S::mikkels@netcompany.com::e3a6fa7f-6b43-4e52-b274-68841d710d1d" providerId="AD" clId="Web-{49E9DBAE-4FEF-41EE-8BD6-43D78200E18B}" dt="2018-06-04T21:39:37.456" v="646" actId="20577"/>
-        <pc:sldMkLst>
-          <pc:docMk/>
-          <pc:sldMk cId="516405358" sldId="277"/>
-        </pc:sldMkLst>
-        <pc:spChg chg="mod">
-          <ac:chgData name="Mikkel Steine" userId="S::mikkels@netcompany.com::e3a6fa7f-6b43-4e52-b274-68841d710d1d" providerId="AD" clId="Web-{49E9DBAE-4FEF-41EE-8BD6-43D78200E18B}" dt="2018-06-04T21:38:31.611" v="615" actId="20577"/>
-          <ac:spMkLst>
-            <pc:docMk/>
-            <pc:sldMk cId="516405358" sldId="277"/>
-            <ac:spMk id="4" creationId="{00000000-0000-0000-0000-000000000000}"/>
-          </ac:spMkLst>
-        </pc:spChg>
-        <pc:spChg chg="mod">
-          <ac:chgData name="Mikkel Steine" userId="S::mikkels@netcompany.com::e3a6fa7f-6b43-4e52-b274-68841d710d1d" providerId="AD" clId="Web-{49E9DBAE-4FEF-41EE-8BD6-43D78200E18B}" dt="2018-06-04T21:39:37.456" v="646" actId="20577"/>
-          <ac:spMkLst>
-            <pc:docMk/>
-            <pc:sldMk cId="516405358" sldId="277"/>
-            <ac:spMk id="5" creationId="{00000000-0000-0000-0000-000000000000}"/>
-          </ac:spMkLst>
-        </pc:spChg>
-      </pc:sldChg>
-      <pc:sldChg chg="modSp add replId">
-        <pc:chgData name="Mikkel Steine" userId="S::mikkels@netcompany.com::e3a6fa7f-6b43-4e52-b274-68841d710d1d" providerId="AD" clId="Web-{49E9DBAE-4FEF-41EE-8BD6-43D78200E18B}" dt="2018-06-04T21:39:43.769" v="648" actId="20577"/>
-        <pc:sldMkLst>
-          <pc:docMk/>
-          <pc:sldMk cId="2873545856" sldId="278"/>
-        </pc:sldMkLst>
-        <pc:spChg chg="mod">
-          <ac:chgData name="Mikkel Steine" userId="S::mikkels@netcompany.com::e3a6fa7f-6b43-4e52-b274-68841d710d1d" providerId="AD" clId="Web-{49E9DBAE-4FEF-41EE-8BD6-43D78200E18B}" dt="2018-06-04T21:39:43.769" v="648" actId="20577"/>
-          <ac:spMkLst>
-            <pc:docMk/>
-            <pc:sldMk cId="2873545856" sldId="278"/>
-            <ac:spMk id="3" creationId="{00000000-0000-0000-0000-000000000000}"/>
-          </ac:spMkLst>
-        </pc:spChg>
-      </pc:sldChg>
-      <pc:sldChg chg="add replId">
-        <pc:chgData name="Mikkel Steine" userId="S::mikkels@netcompany.com::e3a6fa7f-6b43-4e52-b274-68841d710d1d" providerId="AD" clId="Web-{49E9DBAE-4FEF-41EE-8BD6-43D78200E18B}" dt="2018-06-04T21:39:53.738" v="651" actId="20577"/>
-        <pc:sldMkLst>
-          <pc:docMk/>
-          <pc:sldMk cId="3634765285" sldId="279"/>
-        </pc:sldMkLst>
-      </pc:sldChg>
-    </pc:docChg>
-  </pc:docChgLst>
-  <pc:docChgLst>
-    <pc:chgData name="Fredrick Biering" userId="S::fredrickb@netcompany.com::18ac142e-7d44-450e-bab3-e9c59ebfbf95" providerId="AD" clId="Web-{CB932D6E-56D1-46C2-A157-7A807C2C9548}"/>
-    <pc:docChg chg="addSld delSld modSld sldOrd">
-      <pc:chgData name="Fredrick Biering" userId="S::fredrickb@netcompany.com::18ac142e-7d44-450e-bab3-e9c59ebfbf95" providerId="AD" clId="Web-{CB932D6E-56D1-46C2-A157-7A807C2C9548}" dt="2018-06-05T09:25:06.279" v="117"/>
-      <pc:docMkLst>
-        <pc:docMk/>
-      </pc:docMkLst>
-      <pc:sldChg chg="modSp">
-        <pc:chgData name="Fredrick Biering" userId="S::fredrickb@netcompany.com::18ac142e-7d44-450e-bab3-e9c59ebfbf95" providerId="AD" clId="Web-{CB932D6E-56D1-46C2-A157-7A807C2C9548}" dt="2018-06-05T08:50:55.842" v="84" actId="20577"/>
-        <pc:sldMkLst>
-          <pc:docMk/>
-          <pc:sldMk cId="1289836975" sldId="272"/>
-        </pc:sldMkLst>
-        <pc:spChg chg="mod">
-          <ac:chgData name="Fredrick Biering" userId="S::fredrickb@netcompany.com::18ac142e-7d44-450e-bab3-e9c59ebfbf95" providerId="AD" clId="Web-{CB932D6E-56D1-46C2-A157-7A807C2C9548}" dt="2018-06-05T08:50:55.842" v="84" actId="20577"/>
-          <ac:spMkLst>
-            <pc:docMk/>
-            <pc:sldMk cId="1289836975" sldId="272"/>
-            <ac:spMk id="5" creationId="{00000000-0000-0000-0000-000000000000}"/>
-          </ac:spMkLst>
-        </pc:spChg>
-      </pc:sldChg>
-      <pc:sldChg chg="modSp">
-        <pc:chgData name="Fredrick Biering" userId="S::fredrickb@netcompany.com::18ac142e-7d44-450e-bab3-e9c59ebfbf95" providerId="AD" clId="Web-{CB932D6E-56D1-46C2-A157-7A807C2C9548}" dt="2018-06-05T08:07:46.272" v="4" actId="20577"/>
-        <pc:sldMkLst>
-          <pc:docMk/>
-          <pc:sldMk cId="516405358" sldId="277"/>
-        </pc:sldMkLst>
-        <pc:spChg chg="mod">
-          <ac:chgData name="Fredrick Biering" userId="S::fredrickb@netcompany.com::18ac142e-7d44-450e-bab3-e9c59ebfbf95" providerId="AD" clId="Web-{CB932D6E-56D1-46C2-A157-7A807C2C9548}" dt="2018-06-05T08:07:46.272" v="4" actId="20577"/>
-          <ac:spMkLst>
-            <pc:docMk/>
-            <pc:sldMk cId="516405358" sldId="277"/>
-            <ac:spMk id="5" creationId="{00000000-0000-0000-0000-000000000000}"/>
-          </ac:spMkLst>
-        </pc:spChg>
-      </pc:sldChg>
-      <pc:sldChg chg="addSp delSp modSp new ord">
-        <pc:chgData name="Fredrick Biering" userId="S::fredrickb@netcompany.com::18ac142e-7d44-450e-bab3-e9c59ebfbf95" providerId="AD" clId="Web-{CB932D6E-56D1-46C2-A157-7A807C2C9548}" dt="2018-06-05T08:30:27.545" v="70" actId="14100"/>
-        <pc:sldMkLst>
-          <pc:docMk/>
-          <pc:sldMk cId="1892805665" sldId="280"/>
-        </pc:sldMkLst>
-        <pc:spChg chg="mod">
-          <ac:chgData name="Fredrick Biering" userId="S::fredrickb@netcompany.com::18ac142e-7d44-450e-bab3-e9c59ebfbf95" providerId="AD" clId="Web-{CB932D6E-56D1-46C2-A157-7A807C2C9548}" dt="2018-06-05T08:30:02.356" v="60" actId="20577"/>
-          <ac:spMkLst>
-            <pc:docMk/>
-            <pc:sldMk cId="1892805665" sldId="280"/>
-            <ac:spMk id="2" creationId="{0385963C-19C0-4807-AF91-8F32E7E4D014}"/>
-          </ac:spMkLst>
-        </pc:spChg>
-        <pc:spChg chg="mod">
-          <ac:chgData name="Fredrick Biering" userId="S::fredrickb@netcompany.com::18ac142e-7d44-450e-bab3-e9c59ebfbf95" providerId="AD" clId="Web-{CB932D6E-56D1-46C2-A157-7A807C2C9548}" dt="2018-06-05T08:30:21.076" v="68" actId="20577"/>
-          <ac:spMkLst>
-            <pc:docMk/>
-            <pc:sldMk cId="1892805665" sldId="280"/>
-            <ac:spMk id="3" creationId="{DDB1B732-D530-4F66-9120-5FE05F13CFFB}"/>
-          </ac:spMkLst>
-        </pc:spChg>
-        <pc:picChg chg="add del mod">
-          <ac:chgData name="Fredrick Biering" userId="S::fredrickb@netcompany.com::18ac142e-7d44-450e-bab3-e9c59ebfbf95" providerId="AD" clId="Web-{CB932D6E-56D1-46C2-A157-7A807C2C9548}" dt="2018-06-05T08:25:05.279" v="22" actId="14100"/>
-          <ac:picMkLst>
-            <pc:docMk/>
-            <pc:sldMk cId="1892805665" sldId="280"/>
-            <ac:picMk id="4" creationId="{677B3854-FFAB-4183-A21B-F7F31234660D}"/>
-          </ac:picMkLst>
-        </pc:picChg>
-        <pc:picChg chg="add mod">
-          <ac:chgData name="Fredrick Biering" userId="S::fredrickb@netcompany.com::18ac142e-7d44-450e-bab3-e9c59ebfbf95" providerId="AD" clId="Web-{CB932D6E-56D1-46C2-A157-7A807C2C9548}" dt="2018-06-05T08:30:27.545" v="70" actId="14100"/>
-          <ac:picMkLst>
-            <pc:docMk/>
-            <pc:sldMk cId="1892805665" sldId="280"/>
-            <ac:picMk id="6" creationId="{88DB142A-0725-4B32-B2CC-0D1FA70A8690}"/>
-          </ac:picMkLst>
-        </pc:picChg>
-      </pc:sldChg>
-      <pc:sldChg chg="addSp modSp new ord">
-        <pc:chgData name="Fredrick Biering" userId="S::fredrickb@netcompany.com::18ac142e-7d44-450e-bab3-e9c59ebfbf95" providerId="AD" clId="Web-{CB932D6E-56D1-46C2-A157-7A807C2C9548}" dt="2018-06-05T08:30:48.499" v="72" actId="14100"/>
-        <pc:sldMkLst>
-          <pc:docMk/>
-          <pc:sldMk cId="1233184607" sldId="281"/>
-        </pc:sldMkLst>
-        <pc:spChg chg="mod">
-          <ac:chgData name="Fredrick Biering" userId="S::fredrickb@netcompany.com::18ac142e-7d44-450e-bab3-e9c59ebfbf95" providerId="AD" clId="Web-{CB932D6E-56D1-46C2-A157-7A807C2C9548}" dt="2018-06-05T08:30:12.294" v="65" actId="20577"/>
-          <ac:spMkLst>
-            <pc:docMk/>
-            <pc:sldMk cId="1233184607" sldId="281"/>
-            <ac:spMk id="2" creationId="{CDCEC67E-57C3-4F1E-A6A5-E892C0BD9427}"/>
-          </ac:spMkLst>
-        </pc:spChg>
-        <pc:spChg chg="mod">
-          <ac:chgData name="Fredrick Biering" userId="S::fredrickb@netcompany.com::18ac142e-7d44-450e-bab3-e9c59ebfbf95" providerId="AD" clId="Web-{CB932D6E-56D1-46C2-A157-7A807C2C9548}" dt="2018-06-05T08:29:35.058" v="50" actId="20577"/>
-          <ac:spMkLst>
-            <pc:docMk/>
-            <pc:sldMk cId="1233184607" sldId="281"/>
-            <ac:spMk id="3" creationId="{BF13524A-CB33-4460-BD7C-4B1509E7B1C3}"/>
-          </ac:spMkLst>
-        </pc:spChg>
-        <pc:picChg chg="add mod">
-          <ac:chgData name="Fredrick Biering" userId="S::fredrickb@netcompany.com::18ac142e-7d44-450e-bab3-e9c59ebfbf95" providerId="AD" clId="Web-{CB932D6E-56D1-46C2-A157-7A807C2C9548}" dt="2018-06-05T08:30:48.499" v="72" actId="14100"/>
-          <ac:picMkLst>
-            <pc:docMk/>
-            <pc:sldMk cId="1233184607" sldId="281"/>
-            <ac:picMk id="4" creationId="{87B18EE3-4E4A-4E76-A626-533A2D86C108}"/>
-          </ac:picMkLst>
-        </pc:picChg>
-      </pc:sldChg>
-      <pc:sldChg chg="modSp new ord">
-        <pc:chgData name="Fredrick Biering" userId="S::fredrickb@netcompany.com::18ac142e-7d44-450e-bab3-e9c59ebfbf95" providerId="AD" clId="Web-{CB932D6E-56D1-46C2-A157-7A807C2C9548}" dt="2018-06-05T09:25:06.279" v="117"/>
-        <pc:sldMkLst>
-          <pc:docMk/>
-          <pc:sldMk cId="1688171124" sldId="282"/>
-        </pc:sldMkLst>
-        <pc:spChg chg="mod">
-          <ac:chgData name="Fredrick Biering" userId="S::fredrickb@netcompany.com::18ac142e-7d44-450e-bab3-e9c59ebfbf95" providerId="AD" clId="Web-{CB932D6E-56D1-46C2-A157-7A807C2C9548}" dt="2018-06-05T08:52:44.629" v="92" actId="20577"/>
-          <ac:spMkLst>
-            <pc:docMk/>
-            <pc:sldMk cId="1688171124" sldId="282"/>
-            <ac:spMk id="2" creationId="{765494E7-3FE9-498F-B9EC-0ACD8C5EE489}"/>
-          </ac:spMkLst>
-        </pc:spChg>
-        <pc:spChg chg="mod">
-          <ac:chgData name="Fredrick Biering" userId="S::fredrickb@netcompany.com::18ac142e-7d44-450e-bab3-e9c59ebfbf95" providerId="AD" clId="Web-{CB932D6E-56D1-46C2-A157-7A807C2C9548}" dt="2018-06-05T08:59:20.431" v="115" actId="20577"/>
-          <ac:spMkLst>
-            <pc:docMk/>
-            <pc:sldMk cId="1688171124" sldId="282"/>
-            <ac:spMk id="3" creationId="{ACC9B6C6-8614-43EA-B5C0-A4402A1EA750}"/>
-          </ac:spMkLst>
-        </pc:spChg>
-      </pc:sldChg>
-      <pc:sldChg chg="modSp new del">
-        <pc:chgData name="Fredrick Biering" userId="S::fredrickb@netcompany.com::18ac142e-7d44-450e-bab3-e9c59ebfbf95" providerId="AD" clId="Web-{CB932D6E-56D1-46C2-A157-7A807C2C9548}" dt="2018-06-05T08:50:22.466" v="83" actId="20577"/>
-        <pc:sldMkLst>
-          <pc:docMk/>
-          <pc:sldMk cId="3565507738" sldId="282"/>
-        </pc:sldMkLst>
-        <pc:spChg chg="mod">
-          <ac:chgData name="Fredrick Biering" userId="S::fredrickb@netcompany.com::18ac142e-7d44-450e-bab3-e9c59ebfbf95" providerId="AD" clId="Web-{CB932D6E-56D1-46C2-A157-7A807C2C9548}" dt="2018-06-05T08:50:07.481" v="82" actId="20577"/>
-          <ac:spMkLst>
-            <pc:docMk/>
-            <pc:sldMk cId="3565507738" sldId="282"/>
-            <ac:spMk id="2" creationId="{C6D5308C-8300-4640-97C1-81D3803CC9CC}"/>
-          </ac:spMkLst>
-        </pc:spChg>
-      </pc:sldChg>
-    </pc:docChg>
-  </pc:docChgLst>
-</pc:chgInfo>
-</file>
-
 <file path=ppt/notesMasters/notesMaster1.xml><?xml version="1.0" encoding="utf-8"?>
 <p:notesMaster xmlns:a="http://schemas.openxmlformats.org/drawingml/2006/main" xmlns:r="http://schemas.openxmlformats.org/officeDocument/2006/relationships" xmlns:p="http://schemas.openxmlformats.org/presentationml/2006/main">
   <p:cSld>
@@ -696,7 +269,7 @@
           </a:lstStyle>
           <a:p>
             <a:fld id="{C7DBBFD3-6343-324F-8648-82EA0B3F1D65}" type="datetimeFigureOut">
-              <a:t>10.02.2019</a:t>
+              <a:t>03.06.2019</a:t>
             </a:fld>
             <a:endParaRPr lang="da-DK"/>
           </a:p>
@@ -1930,6 +1503,265 @@
             </a:pPr>
             <a:r>
               <a:rPr lang="nb-NO" dirty="0"/>
+              <a:t>props: </a:t>
+            </a:r>
+            <a:r>
+              <a:rPr lang="nb-NO" dirty="0" err="1"/>
+              <a:t>interfacet</a:t>
+            </a:r>
+            <a:r>
+              <a:rPr lang="nb-NO" dirty="0"/>
+              <a:t> til komponenter</a:t>
+            </a:r>
+          </a:p>
+          <a:p>
+            <a:pPr marL="171450" indent="-171450">
+              <a:buFontTx/>
+              <a:buChar char="-"/>
+            </a:pPr>
+            <a:r>
+              <a:rPr lang="nb-NO" dirty="0"/>
+              <a:t>Data: lokal </a:t>
+            </a:r>
+            <a:r>
+              <a:rPr lang="nb-NO" dirty="0" err="1"/>
+              <a:t>state</a:t>
+            </a:r>
+            <a:r>
+              <a:rPr lang="nb-NO" dirty="0"/>
+              <a:t> for komponenter. Kun komponenten selv kan/skal endre denne</a:t>
+            </a:r>
+          </a:p>
+          <a:p>
+            <a:pPr marL="171450" indent="-171450">
+              <a:buFontTx/>
+              <a:buChar char="-"/>
+            </a:pPr>
+            <a:r>
+              <a:rPr lang="nb-NO" dirty="0" err="1"/>
+              <a:t>Computed</a:t>
+            </a:r>
+            <a:r>
+              <a:rPr lang="nb-NO" dirty="0"/>
+              <a:t>: Kan aksesseres fra visningslaget på samme måte som data, men outputen er generert fra annen data </a:t>
+            </a:r>
+          </a:p>
+          <a:p>
+            <a:pPr marL="171450" indent="-171450">
+              <a:buFontTx/>
+              <a:buChar char="-"/>
+            </a:pPr>
+            <a:r>
+              <a:rPr lang="nb-NO" dirty="0"/>
+              <a:t>Methods: Brukes stort sett for å håndtere </a:t>
+            </a:r>
+            <a:r>
+              <a:rPr lang="nb-NO" dirty="0" err="1"/>
+              <a:t>events</a:t>
+            </a:r>
+            <a:r>
+              <a:rPr lang="nb-NO" dirty="0"/>
+              <a:t> som f.eks. tastetrykk. Her </a:t>
+            </a:r>
+            <a:r>
+              <a:rPr lang="nb-NO" dirty="0" err="1"/>
+              <a:t>dispatches</a:t>
+            </a:r>
+            <a:r>
+              <a:rPr lang="nb-NO" dirty="0"/>
+              <a:t> typisk </a:t>
+            </a:r>
+            <a:r>
+              <a:rPr lang="nb-NO" dirty="0" err="1"/>
+              <a:t>actions</a:t>
+            </a:r>
+            <a:endParaRPr lang="nb-NO" dirty="0"/>
+          </a:p>
+          <a:p>
+            <a:endParaRPr lang="nb-NO" dirty="0"/>
+          </a:p>
+        </p:txBody>
+      </p:sp>
+      <p:sp>
+        <p:nvSpPr>
+          <p:cNvPr id="4" name="Slide Number Placeholder 3"/>
+          <p:cNvSpPr>
+            <a:spLocks noGrp="1"/>
+          </p:cNvSpPr>
+          <p:nvPr>
+            <p:ph type="sldNum" sz="quarter" idx="5"/>
+          </p:nvPr>
+        </p:nvSpPr>
+        <p:spPr/>
+        <p:txBody>
+          <a:bodyPr/>
+          <a:lstStyle/>
+          <a:p>
+            <a:fld id="{EFAC016E-5E5F-3248-8F94-DBEB972C2B51}" type="slidenum">
+              <a:rPr lang="nb-NO" smtClean="0"/>
+              <a:t>5</a:t>
+            </a:fld>
+            <a:endParaRPr lang="nb-NO"/>
+          </a:p>
+        </p:txBody>
+      </p:sp>
+    </p:spTree>
+    <p:extLst>
+      <p:ext uri="{BB962C8B-B14F-4D97-AF65-F5344CB8AC3E}">
+        <p14:creationId xmlns:p14="http://schemas.microsoft.com/office/powerpoint/2010/main" val="3355304406"/>
+      </p:ext>
+    </p:extLst>
+  </p:cSld>
+  <p:clrMapOvr>
+    <a:masterClrMapping/>
+  </p:clrMapOvr>
+</p:notes>
+</file>
+
+<file path=ppt/notesSlides/notesSlide4.xml><?xml version="1.0" encoding="utf-8"?>
+<p:notes xmlns:a="http://schemas.openxmlformats.org/drawingml/2006/main" xmlns:r="http://schemas.openxmlformats.org/officeDocument/2006/relationships" xmlns:p="http://schemas.openxmlformats.org/presentationml/2006/main">
+  <p:cSld>
+    <p:spTree>
+      <p:nvGrpSpPr>
+        <p:cNvPr id="1" name=""/>
+        <p:cNvGrpSpPr/>
+        <p:nvPr/>
+      </p:nvGrpSpPr>
+      <p:grpSpPr>
+        <a:xfrm>
+          <a:off x="0" y="0"/>
+          <a:ext cx="0" cy="0"/>
+          <a:chOff x="0" y="0"/>
+          <a:chExt cx="0" cy="0"/>
+        </a:xfrm>
+      </p:grpSpPr>
+      <p:sp>
+        <p:nvSpPr>
+          <p:cNvPr id="2" name="Slide Image Placeholder 1"/>
+          <p:cNvSpPr>
+            <a:spLocks noGrp="1" noRot="1" noChangeAspect="1"/>
+          </p:cNvSpPr>
+          <p:nvPr>
+            <p:ph type="sldImg"/>
+          </p:nvPr>
+        </p:nvSpPr>
+        <p:spPr/>
+      </p:sp>
+      <p:sp>
+        <p:nvSpPr>
+          <p:cNvPr id="3" name="Notes Placeholder 2"/>
+          <p:cNvSpPr>
+            <a:spLocks noGrp="1"/>
+          </p:cNvSpPr>
+          <p:nvPr>
+            <p:ph type="body" idx="1"/>
+          </p:nvPr>
+        </p:nvSpPr>
+        <p:spPr/>
+        <p:txBody>
+          <a:bodyPr/>
+          <a:lstStyle/>
+          <a:p>
+            <a:r>
+              <a:rPr lang="nb-NO" dirty="0"/>
+              <a:t>- Video: </a:t>
+            </a:r>
+            <a:r>
+              <a:rPr lang="nb-NO" dirty="0">
+                <a:hlinkClick r:id="rId3"/>
+              </a:rPr>
+              <a:t>https://vuex.vuejs.org/</a:t>
+            </a:r>
+            <a:endParaRPr lang="nb-NO" dirty="0"/>
+          </a:p>
+        </p:txBody>
+      </p:sp>
+      <p:sp>
+        <p:nvSpPr>
+          <p:cNvPr id="4" name="Slide Number Placeholder 3"/>
+          <p:cNvSpPr>
+            <a:spLocks noGrp="1"/>
+          </p:cNvSpPr>
+          <p:nvPr>
+            <p:ph type="sldNum" sz="quarter" idx="5"/>
+          </p:nvPr>
+        </p:nvSpPr>
+        <p:spPr/>
+        <p:txBody>
+          <a:bodyPr/>
+          <a:lstStyle/>
+          <a:p>
+            <a:fld id="{EFAC016E-5E5F-3248-8F94-DBEB972C2B51}" type="slidenum">
+              <a:rPr lang="nb-NO" smtClean="0"/>
+              <a:t>9</a:t>
+            </a:fld>
+            <a:endParaRPr lang="nb-NO"/>
+          </a:p>
+        </p:txBody>
+      </p:sp>
+    </p:spTree>
+    <p:extLst>
+      <p:ext uri="{BB962C8B-B14F-4D97-AF65-F5344CB8AC3E}">
+        <p14:creationId xmlns:p14="http://schemas.microsoft.com/office/powerpoint/2010/main" val="637162742"/>
+      </p:ext>
+    </p:extLst>
+  </p:cSld>
+  <p:clrMapOvr>
+    <a:masterClrMapping/>
+  </p:clrMapOvr>
+</p:notes>
+</file>
+
+<file path=ppt/notesSlides/notesSlide5.xml><?xml version="1.0" encoding="utf-8"?>
+<p:notes xmlns:a="http://schemas.openxmlformats.org/drawingml/2006/main" xmlns:r="http://schemas.openxmlformats.org/officeDocument/2006/relationships" xmlns:p="http://schemas.openxmlformats.org/presentationml/2006/main">
+  <p:cSld>
+    <p:spTree>
+      <p:nvGrpSpPr>
+        <p:cNvPr id="1" name=""/>
+        <p:cNvGrpSpPr/>
+        <p:nvPr/>
+      </p:nvGrpSpPr>
+      <p:grpSpPr>
+        <a:xfrm>
+          <a:off x="0" y="0"/>
+          <a:ext cx="0" cy="0"/>
+          <a:chOff x="0" y="0"/>
+          <a:chExt cx="0" cy="0"/>
+        </a:xfrm>
+      </p:grpSpPr>
+      <p:sp>
+        <p:nvSpPr>
+          <p:cNvPr id="2" name="Slide Image Placeholder 1"/>
+          <p:cNvSpPr>
+            <a:spLocks noGrp="1" noRot="1" noChangeAspect="1"/>
+          </p:cNvSpPr>
+          <p:nvPr>
+            <p:ph type="sldImg"/>
+          </p:nvPr>
+        </p:nvSpPr>
+        <p:spPr/>
+      </p:sp>
+      <p:sp>
+        <p:nvSpPr>
+          <p:cNvPr id="3" name="Notes Placeholder 2"/>
+          <p:cNvSpPr>
+            <a:spLocks noGrp="1"/>
+          </p:cNvSpPr>
+          <p:nvPr>
+            <p:ph type="body" idx="1"/>
+          </p:nvPr>
+        </p:nvSpPr>
+        <p:spPr/>
+        <p:txBody>
+          <a:bodyPr/>
+          <a:lstStyle/>
+          <a:p>
+            <a:pPr marL="171450" indent="-171450">
+              <a:buFontTx/>
+              <a:buChar char="-"/>
+            </a:pPr>
+            <a:r>
+              <a:rPr lang="nb-NO" dirty="0"/>
               <a:t>Tilsvarer </a:t>
             </a:r>
             <a:r>
@@ -1947,6 +1779,16 @@
             <a:r>
               <a:rPr lang="nb-NO" dirty="0"/>
               <a:t> API</a:t>
+            </a:r>
+          </a:p>
+          <a:p>
+            <a:pPr marL="171450" indent="-171450">
+              <a:buFontTx/>
+              <a:buChar char="-"/>
+            </a:pPr>
+            <a:r>
+              <a:rPr lang="nb-NO" dirty="0"/>
+              <a:t>Go = antall steg fremover eller bakover i historien</a:t>
             </a:r>
           </a:p>
           <a:p>
@@ -5055,9 +4897,14 @@
           <a:lstStyle/>
           <a:p>
             <a:r>
+              <a:rPr lang="en-US" dirty="0"/>
+              <a:t>Oslo</a:t>
+            </a:r>
+            <a:r>
               <a:rPr lang="en-US"/>
-              <a:t>Oslo, 04.06.2018</a:t>
-            </a:r>
+              <a:t>, 04.06.2019</a:t>
+            </a:r>
+            <a:endParaRPr lang="en-US" dirty="0"/>
           </a:p>
         </p:txBody>
       </p:sp>
@@ -6675,7 +6522,7 @@
           <p:nvPr/>
         </p:nvPicPr>
         <p:blipFill rotWithShape="1">
-          <a:blip r:embed="rId2"/>
+          <a:blip r:embed="rId3"/>
           <a:srcRect l="1527" t="6960" r="4341" b="10952"/>
           <a:stretch/>
         </p:blipFill>
@@ -8119,16 +7966,16 @@
 <file path=customXml/itemProps3.xml><?xml version="1.0" encoding="utf-8"?>
 <ds:datastoreItem xmlns:ds="http://schemas.openxmlformats.org/officeDocument/2006/customXml" ds:itemID="{09A24B84-AF68-4B06-89ED-A483BC44F19D}">
   <ds:schemaRefs>
+    <ds:schemaRef ds:uri="http://schemas.microsoft.com/sharepoint/v3"/>
+    <ds:schemaRef ds:uri="http://purl.org/dc/terms/"/>
+    <ds:schemaRef ds:uri="http://purl.org/dc/dcmitype/"/>
     <ds:schemaRef ds:uri="3062a005-2a53-49b8-87d1-0d9762f3d40a"/>
-    <ds:schemaRef ds:uri="9c035199-34fe-41f5-aa4a-b81609954cdd"/>
-    <ds:schemaRef ds:uri="http://purl.org/dc/dcmitype/"/>
+    <ds:schemaRef ds:uri="http://schemas.microsoft.com/office/2006/documentManagement/types"/>
     <ds:schemaRef ds:uri="http://purl.org/dc/elements/1.1/"/>
-    <ds:schemaRef ds:uri="http://purl.org/dc/terms/"/>
-    <ds:schemaRef ds:uri="http://schemas.microsoft.com/office/2006/documentManagement/types"/>
     <ds:schemaRef ds:uri="http://schemas.microsoft.com/office/2006/metadata/properties"/>
     <ds:schemaRef ds:uri="http://schemas.microsoft.com/office/infopath/2007/PartnerControls"/>
-    <ds:schemaRef ds:uri="http://schemas.microsoft.com/sharepoint/v3"/>
     <ds:schemaRef ds:uri="http://schemas.openxmlformats.org/package/2006/metadata/core-properties"/>
+    <ds:schemaRef ds:uri="9c035199-34fe-41f5-aa4a-b81609954cdd"/>
     <ds:schemaRef ds:uri="http://www.w3.org/XML/1998/namespace"/>
   </ds:schemaRefs>
 </ds:datastoreItem>

--- a/course_material/TCCS-Frontend.pptx
+++ b/course_material/TCCS-Frontend.pptx
@@ -156,6 +156,7 @@
   <p1510:revLst>
     <p1510:client id="{1466A448-422F-E805-FC55-6E4E7C33FA5E}" v="104" dt="2020-06-02T13:36:50.050"/>
     <p1510:client id="{36DE2F71-07E5-E0CB-C059-E66A5A046D79}" v="617" dt="2020-06-02T18:34:38.777"/>
+    <p1510:client id="{3C409AE2-A24A-3FFD-4DF9-B55782C144A6}" v="601" dt="2020-08-24T17:06:45.123"/>
     <p1510:client id="{43FD2034-788A-15D2-A537-CAB46E3F808E}" v="483" dt="2020-06-02T18:51:46.557"/>
     <p1510:client id="{9A6406E3-8CE0-4052-A64F-061140C954AE}" v="1422" dt="2020-06-03T03:13:16.076"/>
     <p1510:client id="{A17A8181-0169-E88D-DF50-3886C1AE032F}" v="927" dt="2020-06-02T19:57:14.969"/>
@@ -258,7 +259,7 @@
           <a:p>
             <a:fld id="{834E6BEA-3EAF-184F-971B-CE59E0ED1E73}" type="datetimeFigureOut">
               <a:rPr lang="da-DK" smtClean="0"/>
-              <a:t>02-06-2020</a:t>
+              <a:t>25-08-2020</a:t>
             </a:fld>
             <a:endParaRPr lang="da-DK"/>
           </a:p>
@@ -435,7 +436,7 @@
           <a:p>
             <a:fld id="{72AACAED-7BFE-974C-9513-70D0F3B3319B}" type="datetimeFigureOut">
               <a:rPr lang="da-DK" smtClean="0"/>
-              <a:t>02-06-2020</a:t>
+              <a:t>25-08-2020</a:t>
             </a:fld>
             <a:endParaRPr lang="da-DK"/>
           </a:p>
@@ -11993,16 +11994,16 @@
           <a:lstStyle/>
           <a:p>
             <a:r>
-              <a:rPr lang="da-DK">
+              <a:rPr lang="da-DK" dirty="0">
                 <a:solidFill>
                   <a:srgbClr val="FFFFFF"/>
                 </a:solidFill>
                 <a:latin typeface="Arial"/>
               </a:rPr>
-              <a:t>Oslo, 03.06.2020</a:t>
-            </a:r>
-            <a:r>
-              <a:rPr lang="da-DK">
+              <a:t>Oslo, 25.08.2020</a:t>
+            </a:r>
+            <a:r>
+              <a:rPr lang="da-DK" dirty="0">
                 <a:latin typeface="Arial"/>
                 <a:ea typeface="Arial"/>
                 <a:cs typeface="Arial"/>
@@ -14603,63 +14604,91 @@
           </a:xfrm>
         </p:spPr>
         <p:txBody>
-          <a:bodyPr/>
+          <a:bodyPr>
+            <a:normAutofit/>
+          </a:bodyPr>
           <a:lstStyle/>
           <a:p>
             <a:r>
               <a:rPr lang="en-US" dirty="0">
-                <a:cs typeface="Calibri"/>
+                <a:ea typeface="+mn-lt"/>
+                <a:cs typeface="+mn-lt"/>
               </a:rPr>
-              <a:t>08.00 - 09.00: Welcome and presentation</a:t>
-            </a:r>
+              <a:t>08.00 - 08.30: Welcome and presentation</a:t>
+            </a:r>
+            <a:endParaRPr lang="en-US" dirty="0"/>
           </a:p>
           <a:p>
             <a:r>
               <a:rPr lang="en-US" dirty="0">
-                <a:cs typeface="Calibri"/>
+                <a:ea typeface="+mn-lt"/>
+                <a:cs typeface="+mn-lt"/>
               </a:rPr>
-              <a:t>09.00 - 11.00: Assignment 1, 2 &amp; 3</a:t>
-            </a:r>
+              <a:t>08.30 - 11.00: Assignment 1, 2 &amp; 3</a:t>
+            </a:r>
+            <a:endParaRPr lang="da-DK" dirty="0"/>
           </a:p>
           <a:p>
             <a:r>
               <a:rPr lang="en-US" dirty="0">
-                <a:cs typeface="Calibri"/>
+                <a:ea typeface="+mn-lt"/>
+                <a:cs typeface="+mn-lt"/>
               </a:rPr>
-              <a:t>11.00 - 11.30: Lunch break</a:t>
-            </a:r>
+              <a:t>11.00 - 12.00: Assignment 4</a:t>
+            </a:r>
+            <a:endParaRPr lang="en-US" dirty="0">
+              <a:cs typeface="Calibri"/>
+            </a:endParaRPr>
           </a:p>
           <a:p>
             <a:r>
               <a:rPr lang="en-US" dirty="0">
-                <a:cs typeface="Calibri"/>
+                <a:ea typeface="+mn-lt"/>
+                <a:cs typeface="+mn-lt"/>
               </a:rPr>
-              <a:t>11.30 - 12.30: Assignment 4</a:t>
+              <a:t>12.00 - 13.00: Lunch break</a:t>
             </a:r>
           </a:p>
           <a:p>
             <a:r>
               <a:rPr lang="en-US" dirty="0">
-                <a:cs typeface="Calibri"/>
+                <a:ea typeface="+mn-lt"/>
+                <a:cs typeface="+mn-lt"/>
               </a:rPr>
-              <a:t>12.30 - 13.30: Assignment 5</a:t>
+              <a:t>13.00 - 14.00: Assignment 5</a:t>
+            </a:r>
+            <a:endParaRPr lang="da-DK">
+              <a:cs typeface="Calibri" panose="020F0502020204030204"/>
+            </a:endParaRPr>
+          </a:p>
+          <a:p>
+            <a:r>
+              <a:rPr lang="da-DK" dirty="0">
+                <a:ea typeface="+mn-lt"/>
+                <a:cs typeface="+mn-lt"/>
+              </a:rPr>
+              <a:t>14.00 - 14.15: Snack break</a:t>
             </a:r>
           </a:p>
           <a:p>
             <a:r>
               <a:rPr lang="en-US" dirty="0">
-                <a:cs typeface="Calibri"/>
+                <a:ea typeface="+mn-lt"/>
+                <a:cs typeface="+mn-lt"/>
               </a:rPr>
-              <a:t>13.30 - 15.00: Assignment 6</a:t>
-            </a:r>
+              <a:t>14.15 - 15.30: Assignment 6</a:t>
+            </a:r>
+            <a:endParaRPr lang="da-DK" dirty="0"/>
           </a:p>
           <a:p>
             <a:r>
               <a:rPr lang="en-US" dirty="0">
-                <a:cs typeface="Calibri"/>
+                <a:ea typeface="+mn-lt"/>
+                <a:cs typeface="+mn-lt"/>
               </a:rPr>
-              <a:t>15.00 - 15.30: Assignment 7</a:t>
-            </a:r>
+              <a:t>15.30 - 16.00: Assignment 7</a:t>
+            </a:r>
+            <a:endParaRPr lang="da-DK" dirty="0"/>
           </a:p>
           <a:p>
             <a:r>
@@ -14668,6 +14697,17 @@
                 <a:cs typeface="+mn-lt"/>
               </a:rPr>
               <a:t>Rest of the day: Assignment 8 &amp; 9. If you run out of time, prioritize assignment 9.</a:t>
+            </a:r>
+            <a:endParaRPr lang="en-US" dirty="0">
+              <a:cs typeface="Calibri"/>
+            </a:endParaRPr>
+          </a:p>
+          <a:p>
+            <a:r>
+              <a:rPr lang="en-US" dirty="0">
+                <a:cs typeface="Calibri"/>
+              </a:rPr>
+              <a:t>16.30-ish: Wrapping up</a:t>
             </a:r>
           </a:p>
           <a:p>
@@ -14771,116 +14811,215 @@
         </p:spPr>
         <p:txBody>
           <a:bodyPr anchor="t">
-            <a:normAutofit lnSpcReduction="10000"/>
+            <a:normAutofit fontScale="92500" lnSpcReduction="10000"/>
           </a:bodyPr>
           <a:lstStyle/>
           <a:p>
             <a:r>
-              <a:rPr lang="da-DK" dirty="0"/>
+              <a:rPr lang="da-DK" dirty="0" err="1">
+                <a:ea typeface="+mn-lt"/>
+                <a:cs typeface="+mn-lt"/>
+              </a:rPr>
               <a:t>Welcome</a:t>
             </a:r>
+            <a:endParaRPr lang="da-DK">
+              <a:ea typeface="+mn-lt"/>
+              <a:cs typeface="+mn-lt"/>
+            </a:endParaRPr>
+          </a:p>
+          <a:p>
+            <a:r>
+              <a:rPr lang="da-DK" dirty="0" err="1">
+                <a:ea typeface="+mn-lt"/>
+                <a:cs typeface="+mn-lt"/>
+              </a:rPr>
+              <a:t>Frontend</a:t>
+            </a:r>
+            <a:r>
+              <a:rPr lang="da-DK" dirty="0">
+                <a:ea typeface="+mn-lt"/>
+                <a:cs typeface="+mn-lt"/>
+              </a:rPr>
+              <a:t> </a:t>
+            </a:r>
+            <a:r>
+              <a:rPr lang="da-DK" dirty="0" err="1">
+                <a:ea typeface="+mn-lt"/>
+                <a:cs typeface="+mn-lt"/>
+              </a:rPr>
+              <a:t>stack</a:t>
+            </a:r>
+            <a:endParaRPr lang="da-DK">
+              <a:ea typeface="+mn-lt"/>
+              <a:cs typeface="+mn-lt"/>
+            </a:endParaRPr>
+          </a:p>
+          <a:p>
+            <a:r>
+              <a:rPr lang="da-DK" dirty="0" err="1">
+                <a:ea typeface="+mn-lt"/>
+                <a:cs typeface="+mn-lt"/>
+              </a:rPr>
+              <a:t>Concepts</a:t>
+            </a:r>
+            <a:endParaRPr lang="da-DK">
+              <a:ea typeface="+mn-lt"/>
+              <a:cs typeface="+mn-lt"/>
+            </a:endParaRPr>
+          </a:p>
+          <a:p>
+            <a:pPr lvl="1" indent="-134620"/>
+            <a:r>
+              <a:rPr lang="da-DK" dirty="0" err="1">
+                <a:ea typeface="+mn-lt"/>
+                <a:cs typeface="+mn-lt"/>
+              </a:rPr>
+              <a:t>Javascript</a:t>
+            </a:r>
+            <a:endParaRPr lang="da-DK">
+              <a:ea typeface="+mn-lt"/>
+              <a:cs typeface="+mn-lt"/>
+            </a:endParaRPr>
+          </a:p>
+          <a:p>
+            <a:pPr lvl="1" indent="-134620"/>
+            <a:r>
+              <a:rPr lang="da-DK" dirty="0">
+                <a:ea typeface="+mn-lt"/>
+                <a:cs typeface="+mn-lt"/>
+              </a:rPr>
+              <a:t>Vue</a:t>
+            </a:r>
+          </a:p>
+          <a:p>
+            <a:pPr lvl="1" indent="-134620"/>
+            <a:r>
+              <a:rPr lang="da-DK" dirty="0" err="1">
+                <a:ea typeface="+mn-lt"/>
+                <a:cs typeface="+mn-lt"/>
+              </a:rPr>
+              <a:t>SPAs</a:t>
+            </a:r>
+            <a:r>
+              <a:rPr lang="da-DK" dirty="0">
+                <a:ea typeface="+mn-lt"/>
+                <a:cs typeface="+mn-lt"/>
+              </a:rPr>
+              <a:t> and routing</a:t>
+            </a:r>
+          </a:p>
+          <a:p>
+            <a:pPr lvl="1" indent="-134620"/>
+            <a:r>
+              <a:rPr lang="da-DK" dirty="0" err="1">
+                <a:ea typeface="+mn-lt"/>
+                <a:cs typeface="+mn-lt"/>
+              </a:rPr>
+              <a:t>Testing</a:t>
+            </a:r>
+            <a:endParaRPr lang="en-US" dirty="0" err="1">
+              <a:ea typeface="+mn-lt"/>
+              <a:cs typeface="+mn-lt"/>
+            </a:endParaRPr>
+          </a:p>
+          <a:p>
+            <a:pPr lvl="1" indent="-134620"/>
+            <a:r>
+              <a:rPr lang="da-DK" dirty="0" err="1">
+                <a:ea typeface="+mn-lt"/>
+                <a:cs typeface="+mn-lt"/>
+              </a:rPr>
+              <a:t>Talking</a:t>
+            </a:r>
+            <a:r>
+              <a:rPr lang="da-DK" dirty="0">
+                <a:ea typeface="+mn-lt"/>
+                <a:cs typeface="+mn-lt"/>
+              </a:rPr>
+              <a:t> to server</a:t>
+            </a:r>
+          </a:p>
+          <a:p>
+            <a:r>
+              <a:rPr lang="da-DK" dirty="0">
+                <a:ea typeface="+mn-lt"/>
+                <a:cs typeface="+mn-lt"/>
+              </a:rPr>
+              <a:t>Work with </a:t>
+            </a:r>
+            <a:r>
+              <a:rPr lang="da-DK" dirty="0" err="1">
+                <a:ea typeface="+mn-lt"/>
+                <a:cs typeface="+mn-lt"/>
+              </a:rPr>
+              <a:t>assignments</a:t>
+            </a:r>
+            <a:endParaRPr lang="da-DK">
+              <a:ea typeface="+mn-lt"/>
+              <a:cs typeface="+mn-lt"/>
+            </a:endParaRPr>
+          </a:p>
+          <a:p>
+            <a:r>
+              <a:rPr lang="da-DK" dirty="0">
+                <a:ea typeface="+mn-lt"/>
+                <a:cs typeface="+mn-lt"/>
+              </a:rPr>
+              <a:t>12.00 - 13.00 Lunch break</a:t>
+            </a:r>
+          </a:p>
+          <a:p>
+            <a:r>
+              <a:rPr lang="da-DK" dirty="0">
+                <a:ea typeface="+mn-lt"/>
+                <a:cs typeface="+mn-lt"/>
+              </a:rPr>
+              <a:t>Work with </a:t>
+            </a:r>
+            <a:r>
+              <a:rPr lang="da-DK" dirty="0" err="1">
+                <a:ea typeface="+mn-lt"/>
+                <a:cs typeface="+mn-lt"/>
+              </a:rPr>
+              <a:t>assignments</a:t>
+            </a:r>
+          </a:p>
+          <a:p>
+            <a:r>
+              <a:rPr lang="da-DK" dirty="0">
+                <a:ea typeface="+mn-lt"/>
+                <a:cs typeface="+mn-lt"/>
+              </a:rPr>
+              <a:t>14.00 - 14.15 Snack break</a:t>
+            </a:r>
+          </a:p>
+          <a:p>
+            <a:r>
+              <a:rPr lang="da-DK" dirty="0">
+                <a:ea typeface="+mn-lt"/>
+                <a:cs typeface="+mn-lt"/>
+              </a:rPr>
+              <a:t>16.30 - 17.00 </a:t>
+            </a:r>
+            <a:r>
+              <a:rPr lang="da-DK" dirty="0" err="1">
+                <a:ea typeface="+mn-lt"/>
+                <a:cs typeface="+mn-lt"/>
+              </a:rPr>
+              <a:t>Wrapping</a:t>
+            </a:r>
+            <a:r>
+              <a:rPr lang="da-DK" dirty="0">
+                <a:ea typeface="+mn-lt"/>
+                <a:cs typeface="+mn-lt"/>
+              </a:rPr>
+              <a:t> it up</a:t>
+            </a:r>
+          </a:p>
+          <a:p>
             <a:endParaRPr lang="da-DK" dirty="0">
               <a:cs typeface="Calibri"/>
             </a:endParaRPr>
-          </a:p>
-          <a:p>
-            <a:r>
-              <a:rPr lang="da-DK" dirty="0"/>
-              <a:t>Frontend stack</a:t>
-            </a:r>
-            <a:endParaRPr lang="da-DK" dirty="0">
-              <a:cs typeface="Calibri"/>
-            </a:endParaRPr>
-          </a:p>
-          <a:p>
-            <a:r>
-              <a:rPr lang="da-DK" dirty="0"/>
-              <a:t>Concepts</a:t>
-            </a:r>
-            <a:endParaRPr lang="da-DK" dirty="0">
-              <a:cs typeface="Calibri"/>
-            </a:endParaRPr>
-          </a:p>
-          <a:p>
-            <a:pPr lvl="1" indent="-134620"/>
-            <a:r>
-              <a:rPr lang="da-DK" dirty="0"/>
-              <a:t>Javascript</a:t>
-            </a:r>
-            <a:endParaRPr lang="da-DK" sz="1600" dirty="0"/>
-          </a:p>
-          <a:p>
-            <a:pPr lvl="1" indent="-134620"/>
-            <a:r>
-              <a:rPr lang="da-DK" dirty="0">
-                <a:cs typeface="Calibri"/>
-              </a:rPr>
-              <a:t>Vue</a:t>
-            </a:r>
-            <a:endParaRPr lang="da-DK" dirty="0"/>
-          </a:p>
-          <a:p>
-            <a:pPr lvl="1" indent="-134620"/>
-            <a:r>
-              <a:rPr lang="da-DK" dirty="0">
-                <a:cs typeface="Calibri"/>
-              </a:rPr>
-              <a:t>Testing</a:t>
-            </a:r>
-          </a:p>
-          <a:p>
-            <a:pPr lvl="1" indent="-134620"/>
-            <a:r>
-              <a:rPr lang="da-DK" dirty="0">
-                <a:cs typeface="Calibri"/>
-              </a:rPr>
-              <a:t>Talking to server</a:t>
-            </a:r>
-            <a:endParaRPr lang="da-DK" dirty="0"/>
-          </a:p>
-          <a:p>
-            <a:r>
-              <a:rPr lang="da-DK" dirty="0"/>
-              <a:t>Find your groups</a:t>
-            </a:r>
-            <a:endParaRPr lang="da-DK" dirty="0">
-              <a:cs typeface="Calibri"/>
-            </a:endParaRPr>
-          </a:p>
-          <a:p>
-            <a:r>
-              <a:rPr lang="da-DK" dirty="0"/>
-              <a:t>Work with assignments</a:t>
-            </a:r>
-            <a:endParaRPr lang="da-DK" dirty="0">
-              <a:cs typeface="Calibri"/>
-            </a:endParaRPr>
-          </a:p>
-          <a:p>
-            <a:r>
-              <a:rPr lang="da-DK" dirty="0"/>
-              <a:t>11.00 - 11.30 Lunch break</a:t>
-            </a:r>
-            <a:endParaRPr lang="da-DK" dirty="0">
-              <a:cs typeface="Calibri"/>
-            </a:endParaRPr>
-          </a:p>
-          <a:p>
-            <a:r>
-              <a:rPr lang="da-DK" dirty="0"/>
-              <a:t>Work with assignments</a:t>
-            </a:r>
-            <a:endParaRPr lang="da-DK" dirty="0">
-              <a:cs typeface="Calibri"/>
-            </a:endParaRPr>
-          </a:p>
-          <a:p>
-            <a:r>
-              <a:rPr lang="da-DK" dirty="0">
-                <a:cs typeface="Calibri"/>
-              </a:rPr>
-              <a:t>15.50 - 16.00 Wrapping it up (join the video meeting again)</a:t>
-            </a:r>
           </a:p>
           <a:p>
             <a:pPr marL="0" indent="0">
@@ -14921,9 +15060,10 @@
           <a:lstStyle/>
           <a:p>
             <a:r>
-              <a:rPr lang="en-US" dirty="0"/>
+              <a:rPr lang="en-US"/>
               <a:t>Agenda</a:t>
             </a:r>
+            <a:endParaRPr lang="en-US" dirty="0"/>
           </a:p>
         </p:txBody>
       </p:sp>
@@ -14996,7 +15136,7 @@
 </file>
 
 <file path=ppt/slides/slide3.xml><?xml version="1.0" encoding="utf-8"?>
-<p:sld xmlns:a="http://schemas.openxmlformats.org/drawingml/2006/main" xmlns:r="http://schemas.openxmlformats.org/officeDocument/2006/relationships" xmlns:p="http://schemas.openxmlformats.org/presentationml/2006/main">
+<p:sld xmlns:a="http://schemas.openxmlformats.org/drawingml/2006/main" xmlns:r="http://schemas.openxmlformats.org/officeDocument/2006/relationships" xmlns:p="http://schemas.openxmlformats.org/presentationml/2006/main" show="0">
   <p:cSld>
     <p:spTree>
       <p:nvGrpSpPr>
@@ -18139,16 +18279,8 @@
 <file path=customXml/itemProps3.xml><?xml version="1.0" encoding="utf-8"?>
 <ds:datastoreItem xmlns:ds="http://schemas.openxmlformats.org/officeDocument/2006/customXml" ds:itemID="{03D2B48E-5341-4D77-92BA-70949B976E64}">
   <ds:schemaRefs>
-    <ds:schemaRef ds:uri="44874a9c-fda6-40dd-97be-62d9b863c768"/>
-    <ds:schemaRef ds:uri="http://schemas.microsoft.com/office/2006/documentManagement/types"/>
-    <ds:schemaRef ds:uri="http://www.w3.org/XML/1998/namespace"/>
-    <ds:schemaRef ds:uri="http://schemas.openxmlformats.org/package/2006/metadata/core-properties"/>
-    <ds:schemaRef ds:uri="http://purl.org/dc/elements/1.1/"/>
     <ds:schemaRef ds:uri="http://schemas.microsoft.com/office/2006/metadata/properties"/>
     <ds:schemaRef ds:uri="http://schemas.microsoft.com/office/infopath/2007/PartnerControls"/>
-    <ds:schemaRef ds:uri="b21efdfb-ea61-493c-999a-e9a9c2ee2b5b"/>
-    <ds:schemaRef ds:uri="http://purl.org/dc/dcmitype/"/>
-    <ds:schemaRef ds:uri="http://purl.org/dc/terms/"/>
   </ds:schemaRefs>
 </ds:datastoreItem>
 </file>